--- a/analysis/Replication Project - Final Slides.pptx
+++ b/analysis/Replication Project - Final Slides.pptx
@@ -1,43 +1,43 @@
 
 <file path=ppt/presentation.xml><?xml version="1.0" encoding="utf-8"?>
-<p:presentation xmlns:a="http://schemas.openxmlformats.org/drawingml/2006/main" xmlns:r="http://schemas.openxmlformats.org/officeDocument/2006/relationships" xmlns:mc="http://schemas.openxmlformats.org/markup-compatibility/2006" xmlns:mv="urn:schemas-microsoft-com:mac:vml" xmlns:p="http://schemas.openxmlformats.org/presentationml/2006/main" xmlns:c="http://schemas.openxmlformats.org/drawingml/2006/chart" xmlns:dgm="http://schemas.openxmlformats.org/drawingml/2006/diagram" xmlns:o="urn:schemas-microsoft-com:office:office" xmlns:v="urn:schemas-microsoft-com:vml" xmlns:pvml="urn:schemas-microsoft-com:office:powerpoint" xmlns:com="http://schemas.openxmlformats.org/drawingml/2006/compatibility" xmlns:p14="http://schemas.microsoft.com/office/powerpoint/2010/main" xmlns:p15="http://schemas.microsoft.com/office/powerpoint/2012/main" autoCompressPictures="0" embedTrueTypeFonts="1" strictFirstAndLastChars="0" saveSubsetFonts="1">
+<p:presentation xmlns:a="http://schemas.openxmlformats.org/drawingml/2006/main" xmlns:r="http://schemas.openxmlformats.org/officeDocument/2006/relationships" xmlns:p="http://schemas.openxmlformats.org/presentationml/2006/main" strictFirstAndLastChars="0" embedTrueTypeFonts="1" saveSubsetFonts="1" autoCompressPictures="0">
   <p:sldMasterIdLst>
-    <p:sldMasterId id="2147483659" r:id="rId4"/>
+    <p:sldMasterId id="2147483659" r:id="rId1"/>
   </p:sldMasterIdLst>
   <p:notesMasterIdLst>
-    <p:notesMasterId r:id="rId5"/>
+    <p:notesMasterId r:id="rId11"/>
   </p:notesMasterIdLst>
   <p:sldIdLst>
-    <p:sldId id="256" r:id="rId6"/>
-    <p:sldId id="257" r:id="rId7"/>
-    <p:sldId id="258" r:id="rId8"/>
-    <p:sldId id="259" r:id="rId9"/>
-    <p:sldId id="260" r:id="rId10"/>
-    <p:sldId id="261" r:id="rId11"/>
-    <p:sldId id="262" r:id="rId12"/>
-    <p:sldId id="263" r:id="rId13"/>
-    <p:sldId id="264" r:id="rId14"/>
+    <p:sldId id="256" r:id="rId2"/>
+    <p:sldId id="257" r:id="rId3"/>
+    <p:sldId id="258" r:id="rId4"/>
+    <p:sldId id="259" r:id="rId5"/>
+    <p:sldId id="260" r:id="rId6"/>
+    <p:sldId id="261" r:id="rId7"/>
+    <p:sldId id="262" r:id="rId8"/>
+    <p:sldId id="263" r:id="rId9"/>
+    <p:sldId id="264" r:id="rId10"/>
   </p:sldIdLst>
-  <p:sldSz cy="5143500" cx="9144000"/>
+  <p:sldSz cx="9144000" cy="5143500" type="screen16x9"/>
   <p:notesSz cx="6858000" cy="9144000"/>
   <p:embeddedFontLst>
     <p:embeddedFont>
-      <p:font typeface="Roboto Thin"/>
-      <p:regular r:id="rId15"/>
-      <p:bold r:id="rId16"/>
-      <p:italic r:id="rId17"/>
-      <p:boldItalic r:id="rId18"/>
+      <p:font typeface="Roboto" panose="020B0604020202020204" charset="0"/>
+      <p:regular r:id="rId12"/>
+      <p:bold r:id="rId13"/>
+      <p:italic r:id="rId14"/>
+      <p:boldItalic r:id="rId15"/>
     </p:embeddedFont>
     <p:embeddedFont>
-      <p:font typeface="Roboto"/>
-      <p:regular r:id="rId19"/>
-      <p:bold r:id="rId20"/>
-      <p:italic r:id="rId21"/>
-      <p:boldItalic r:id="rId22"/>
+      <p:font typeface="Roboto Thin" panose="020B0604020202020204" charset="0"/>
+      <p:regular r:id="rId16"/>
+      <p:bold r:id="rId17"/>
+      <p:italic r:id="rId18"/>
+      <p:boldItalic r:id="rId19"/>
     </p:embeddedFont>
   </p:embeddedFontLst>
   <p:defaultTextStyle>
-    <a:defPPr lvl="0" marR="0" rtl="0" algn="l">
+    <a:defPPr marR="0" lvl="0" algn="l" rtl="0">
       <a:lnSpc>
         <a:spcPct val="100000"/>
       </a:lnSpc>
@@ -48,7 +48,7 @@
         <a:spcPts val="0"/>
       </a:spcAft>
     </a:defPPr>
-    <a:lvl1pPr lvl="0" marR="0" rtl="0" algn="l">
+    <a:lvl1pPr marR="0" lvl="0" algn="l" rtl="0">
       <a:lnSpc>
         <a:spcPct val="100000"/>
       </a:lnSpc>
@@ -62,7 +62,7 @@
         <a:srgbClr val="000000"/>
       </a:buClr>
       <a:buFont typeface="Arial"/>
-      <a:defRPr b="0" i="0" sz="1400" u="none" cap="none" strike="noStrike">
+      <a:defRPr sz="1400" b="0" i="0" u="none" strike="noStrike" cap="none">
         <a:solidFill>
           <a:srgbClr val="000000"/>
         </a:solidFill>
@@ -72,7 +72,7 @@
         <a:sym typeface="Arial"/>
       </a:defRPr>
     </a:lvl1pPr>
-    <a:lvl2pPr lvl="1" marR="0" rtl="0" algn="l">
+    <a:lvl2pPr marR="0" lvl="1" algn="l" rtl="0">
       <a:lnSpc>
         <a:spcPct val="100000"/>
       </a:lnSpc>
@@ -86,7 +86,7 @@
         <a:srgbClr val="000000"/>
       </a:buClr>
       <a:buFont typeface="Arial"/>
-      <a:defRPr b="0" i="0" sz="1400" u="none" cap="none" strike="noStrike">
+      <a:defRPr sz="1400" b="0" i="0" u="none" strike="noStrike" cap="none">
         <a:solidFill>
           <a:srgbClr val="000000"/>
         </a:solidFill>
@@ -96,7 +96,7 @@
         <a:sym typeface="Arial"/>
       </a:defRPr>
     </a:lvl2pPr>
-    <a:lvl3pPr lvl="2" marR="0" rtl="0" algn="l">
+    <a:lvl3pPr marR="0" lvl="2" algn="l" rtl="0">
       <a:lnSpc>
         <a:spcPct val="100000"/>
       </a:lnSpc>
@@ -110,7 +110,7 @@
         <a:srgbClr val="000000"/>
       </a:buClr>
       <a:buFont typeface="Arial"/>
-      <a:defRPr b="0" i="0" sz="1400" u="none" cap="none" strike="noStrike">
+      <a:defRPr sz="1400" b="0" i="0" u="none" strike="noStrike" cap="none">
         <a:solidFill>
           <a:srgbClr val="000000"/>
         </a:solidFill>
@@ -120,7 +120,7 @@
         <a:sym typeface="Arial"/>
       </a:defRPr>
     </a:lvl3pPr>
-    <a:lvl4pPr lvl="3" marR="0" rtl="0" algn="l">
+    <a:lvl4pPr marR="0" lvl="3" algn="l" rtl="0">
       <a:lnSpc>
         <a:spcPct val="100000"/>
       </a:lnSpc>
@@ -134,7 +134,7 @@
         <a:srgbClr val="000000"/>
       </a:buClr>
       <a:buFont typeface="Arial"/>
-      <a:defRPr b="0" i="0" sz="1400" u="none" cap="none" strike="noStrike">
+      <a:defRPr sz="1400" b="0" i="0" u="none" strike="noStrike" cap="none">
         <a:solidFill>
           <a:srgbClr val="000000"/>
         </a:solidFill>
@@ -144,7 +144,7 @@
         <a:sym typeface="Arial"/>
       </a:defRPr>
     </a:lvl4pPr>
-    <a:lvl5pPr lvl="4" marR="0" rtl="0" algn="l">
+    <a:lvl5pPr marR="0" lvl="4" algn="l" rtl="0">
       <a:lnSpc>
         <a:spcPct val="100000"/>
       </a:lnSpc>
@@ -158,7 +158,7 @@
         <a:srgbClr val="000000"/>
       </a:buClr>
       <a:buFont typeface="Arial"/>
-      <a:defRPr b="0" i="0" sz="1400" u="none" cap="none" strike="noStrike">
+      <a:defRPr sz="1400" b="0" i="0" u="none" strike="noStrike" cap="none">
         <a:solidFill>
           <a:srgbClr val="000000"/>
         </a:solidFill>
@@ -168,7 +168,7 @@
         <a:sym typeface="Arial"/>
       </a:defRPr>
     </a:lvl5pPr>
-    <a:lvl6pPr lvl="5" marR="0" rtl="0" algn="l">
+    <a:lvl6pPr marR="0" lvl="5" algn="l" rtl="0">
       <a:lnSpc>
         <a:spcPct val="100000"/>
       </a:lnSpc>
@@ -182,7 +182,7 @@
         <a:srgbClr val="000000"/>
       </a:buClr>
       <a:buFont typeface="Arial"/>
-      <a:defRPr b="0" i="0" sz="1400" u="none" cap="none" strike="noStrike">
+      <a:defRPr sz="1400" b="0" i="0" u="none" strike="noStrike" cap="none">
         <a:solidFill>
           <a:srgbClr val="000000"/>
         </a:solidFill>
@@ -192,7 +192,7 @@
         <a:sym typeface="Arial"/>
       </a:defRPr>
     </a:lvl6pPr>
-    <a:lvl7pPr lvl="6" marR="0" rtl="0" algn="l">
+    <a:lvl7pPr marR="0" lvl="6" algn="l" rtl="0">
       <a:lnSpc>
         <a:spcPct val="100000"/>
       </a:lnSpc>
@@ -206,7 +206,7 @@
         <a:srgbClr val="000000"/>
       </a:buClr>
       <a:buFont typeface="Arial"/>
-      <a:defRPr b="0" i="0" sz="1400" u="none" cap="none" strike="noStrike">
+      <a:defRPr sz="1400" b="0" i="0" u="none" strike="noStrike" cap="none">
         <a:solidFill>
           <a:srgbClr val="000000"/>
         </a:solidFill>
@@ -216,7 +216,7 @@
         <a:sym typeface="Arial"/>
       </a:defRPr>
     </a:lvl7pPr>
-    <a:lvl8pPr lvl="7" marR="0" rtl="0" algn="l">
+    <a:lvl8pPr marR="0" lvl="7" algn="l" rtl="0">
       <a:lnSpc>
         <a:spcPct val="100000"/>
       </a:lnSpc>
@@ -230,7 +230,7 @@
         <a:srgbClr val="000000"/>
       </a:buClr>
       <a:buFont typeface="Arial"/>
-      <a:defRPr b="0" i="0" sz="1400" u="none" cap="none" strike="noStrike">
+      <a:defRPr sz="1400" b="0" i="0" u="none" strike="noStrike" cap="none">
         <a:solidFill>
           <a:srgbClr val="000000"/>
         </a:solidFill>
@@ -240,7 +240,7 @@
         <a:sym typeface="Arial"/>
       </a:defRPr>
     </a:lvl8pPr>
-    <a:lvl9pPr lvl="8" marR="0" rtl="0" algn="l">
+    <a:lvl9pPr marR="0" lvl="8" algn="l" rtl="0">
       <a:lnSpc>
         <a:spcPct val="100000"/>
       </a:lnSpc>
@@ -254,7 +254,7 @@
         <a:srgbClr val="000000"/>
       </a:buClr>
       <a:buFont typeface="Arial"/>
-      <a:defRPr b="0" i="0" sz="1400" u="none" cap="none" strike="noStrike">
+      <a:defRPr sz="1400" b="0" i="0" u="none" strike="noStrike" cap="none">
         <a:solidFill>
           <a:srgbClr val="000000"/>
         </a:solidFill>
@@ -267,7 +267,7 @@
   </p:defaultTextStyle>
   <p:extLst>
     <p:ext uri="{EFAFB233-063F-42B5-8137-9DF3F51BA10A}">
-      <p15:sldGuideLst>
+      <p15:sldGuideLst xmlns:p15="http://schemas.microsoft.com/office/powerpoint/2012/main">
         <p15:guide id="1" orient="horz" pos="1620">
           <p15:clr>
             <a:srgbClr val="A4A3A4"/>
@@ -285,11 +285,16 @@
 </file>
 
 <file path=ppt/notesMasters/notesMaster1.xml><?xml version="1.0" encoding="utf-8"?>
-<p:notesMaster xmlns:a="http://schemas.openxmlformats.org/drawingml/2006/main" xmlns:r="http://schemas.openxmlformats.org/officeDocument/2006/relationships" xmlns:mc="http://schemas.openxmlformats.org/markup-compatibility/2006" xmlns:mv="urn:schemas-microsoft-com:mac:vml" xmlns:p="http://schemas.openxmlformats.org/presentationml/2006/main" xmlns:c="http://schemas.openxmlformats.org/drawingml/2006/chart" xmlns:dgm="http://schemas.openxmlformats.org/drawingml/2006/diagram" xmlns:o="urn:schemas-microsoft-com:office:office" xmlns:v="urn:schemas-microsoft-com:vml" xmlns:pvml="urn:schemas-microsoft-com:office:powerpoint" xmlns:com="http://schemas.openxmlformats.org/drawingml/2006/compatibility" xmlns:p14="http://schemas.microsoft.com/office/powerpoint/2010/main" xmlns:p15="http://schemas.microsoft.com/office/powerpoint/2012/main">
+<p:notesMaster xmlns:a="http://schemas.openxmlformats.org/drawingml/2006/main" xmlns:r="http://schemas.openxmlformats.org/officeDocument/2006/relationships" xmlns:p="http://schemas.openxmlformats.org/presentationml/2006/main">
   <p:cSld>
+    <p:bg>
+      <p:bgRef idx="1001">
+        <a:schemeClr val="bg1"/>
+      </p:bgRef>
+    </p:bg>
     <p:spTree>
       <p:nvGrpSpPr>
-        <p:cNvPr id="2" name="Shape 2"/>
+        <p:cNvPr id="1" name="Shape 2"/>
         <p:cNvGrpSpPr/>
         <p:nvPr/>
       </p:nvGrpSpPr>
@@ -304,9 +309,11 @@
       <p:sp>
         <p:nvSpPr>
           <p:cNvPr id="3" name="Google Shape;3;n"/>
-          <p:cNvSpPr/>
+          <p:cNvSpPr>
+            <a:spLocks noGrp="1" noRot="1" noChangeAspect="1"/>
+          </p:cNvSpPr>
           <p:nvPr>
-            <p:ph idx="2" type="sldImg"/>
+            <p:ph type="sldImg" idx="2"/>
           </p:nvPr>
         </p:nvSpPr>
         <p:spPr>
@@ -315,9 +322,13 @@
             <a:ext cx="6096075" cy="3429000"/>
           </a:xfrm>
           <a:custGeom>
-            <a:rect b="b" l="l" r="r" t="t"/>
+            <a:avLst/>
+            <a:gdLst/>
+            <a:ahLst/>
+            <a:cxnLst/>
+            <a:rect l="l" t="t" r="r" b="b"/>
             <a:pathLst>
-              <a:path extrusionOk="0" h="120000" w="120000">
+              <a:path w="120000" h="120000" extrusionOk="0">
                 <a:moveTo>
                   <a:pt x="0" y="0"/>
                 </a:moveTo>
@@ -335,23 +346,25 @@
             </a:pathLst>
           </a:custGeom>
           <a:noFill/>
-          <a:ln cap="flat" cmpd="sng" w="9525">
+          <a:ln w="9525" cap="flat" cmpd="sng">
             <a:solidFill>
               <a:srgbClr val="000000"/>
             </a:solidFill>
             <a:prstDash val="solid"/>
             <a:round/>
-            <a:headEnd len="sm" w="sm" type="none"/>
-            <a:tailEnd len="sm" w="sm" type="none"/>
+            <a:headEnd type="none" w="sm" len="sm"/>
+            <a:tailEnd type="none" w="sm" len="sm"/>
           </a:ln>
         </p:spPr>
       </p:sp>
       <p:sp>
         <p:nvSpPr>
           <p:cNvPr id="4" name="Google Shape;4;n"/>
-          <p:cNvSpPr txBox="1"/>
+          <p:cNvSpPr txBox="1">
+            <a:spLocks noGrp="1"/>
+          </p:cNvSpPr>
           <p:nvPr>
-            <p:ph idx="1" type="body"/>
+            <p:ph type="body" idx="1"/>
           </p:nvPr>
         </p:nvSpPr>
         <p:spPr>
@@ -368,11 +381,11 @@
           </a:ln>
         </p:spPr>
         <p:txBody>
-          <a:bodyPr anchorCtr="0" anchor="t" bIns="91425" lIns="91425" spcFirstLastPara="1" rIns="91425" wrap="square" tIns="91425">
+          <a:bodyPr spcFirstLastPara="1" wrap="square" lIns="91425" tIns="91425" rIns="91425" bIns="91425" anchor="t" anchorCtr="0">
             <a:noAutofit/>
           </a:bodyPr>
           <a:lstStyle>
-            <a:lvl1pPr indent="-298450" lvl="0" marL="457200">
+            <a:lvl1pPr marL="457200" lvl="0" indent="-298450">
               <a:spcBef>
                 <a:spcPts val="0"/>
               </a:spcBef>
@@ -383,7 +396,7 @@
               <a:buChar char="●"/>
               <a:defRPr sz="1100"/>
             </a:lvl1pPr>
-            <a:lvl2pPr indent="-298450" lvl="1" marL="914400">
+            <a:lvl2pPr marL="914400" lvl="1" indent="-298450">
               <a:spcBef>
                 <a:spcPts val="0"/>
               </a:spcBef>
@@ -394,7 +407,7 @@
               <a:buChar char="○"/>
               <a:defRPr sz="1100"/>
             </a:lvl2pPr>
-            <a:lvl3pPr indent="-298450" lvl="2" marL="1371600">
+            <a:lvl3pPr marL="1371600" lvl="2" indent="-298450">
               <a:spcBef>
                 <a:spcPts val="0"/>
               </a:spcBef>
@@ -405,7 +418,7 @@
               <a:buChar char="■"/>
               <a:defRPr sz="1100"/>
             </a:lvl3pPr>
-            <a:lvl4pPr indent="-298450" lvl="3" marL="1828800">
+            <a:lvl4pPr marL="1828800" lvl="3" indent="-298450">
               <a:spcBef>
                 <a:spcPts val="0"/>
               </a:spcBef>
@@ -416,7 +429,7 @@
               <a:buChar char="●"/>
               <a:defRPr sz="1100"/>
             </a:lvl4pPr>
-            <a:lvl5pPr indent="-298450" lvl="4" marL="2286000">
+            <a:lvl5pPr marL="2286000" lvl="4" indent="-298450">
               <a:spcBef>
                 <a:spcPts val="0"/>
               </a:spcBef>
@@ -427,7 +440,7 @@
               <a:buChar char="○"/>
               <a:defRPr sz="1100"/>
             </a:lvl5pPr>
-            <a:lvl6pPr indent="-298450" lvl="5" marL="2743200">
+            <a:lvl6pPr marL="2743200" lvl="5" indent="-298450">
               <a:spcBef>
                 <a:spcPts val="0"/>
               </a:spcBef>
@@ -438,7 +451,7 @@
               <a:buChar char="■"/>
               <a:defRPr sz="1100"/>
             </a:lvl6pPr>
-            <a:lvl7pPr indent="-298450" lvl="6" marL="3200400">
+            <a:lvl7pPr marL="3200400" lvl="6" indent="-298450">
               <a:spcBef>
                 <a:spcPts val="0"/>
               </a:spcBef>
@@ -449,7 +462,7 @@
               <a:buChar char="●"/>
               <a:defRPr sz="1100"/>
             </a:lvl7pPr>
-            <a:lvl8pPr indent="-298450" lvl="7" marL="3657600">
+            <a:lvl8pPr marL="3657600" lvl="7" indent="-298450">
               <a:spcBef>
                 <a:spcPts val="0"/>
               </a:spcBef>
@@ -460,7 +473,7 @@
               <a:buChar char="○"/>
               <a:defRPr sz="1100"/>
             </a:lvl8pPr>
-            <a:lvl9pPr indent="-298450" lvl="8" marL="4114800">
+            <a:lvl9pPr marL="4114800" lvl="8" indent="-298450">
               <a:spcBef>
                 <a:spcPts val="0"/>
               </a:spcBef>
@@ -472,14 +485,16 @@
               <a:defRPr sz="1100"/>
             </a:lvl9pPr>
           </a:lstStyle>
-          <a:p/>
+          <a:p>
+            <a:endParaRPr/>
+          </a:p>
         </p:txBody>
       </p:sp>
     </p:spTree>
   </p:cSld>
-  <p:clrMap accent1="accent1" accent2="accent2" accent3="accent3" accent4="accent4" accent5="accent5" accent6="accent6" bg1="lt1" bg2="dk2" tx1="dk1" tx2="lt2" folHlink="folHlink" hlink="hlink"/>
+  <p:clrMap bg1="lt1" tx1="dk1" bg2="dk2" tx2="lt2" accent1="accent1" accent2="accent2" accent3="accent3" accent4="accent4" accent5="accent5" accent6="accent6" hlink="hlink" folHlink="folHlink"/>
   <p:notesStyle>
-    <a:defPPr lvl="0" marR="0" rtl="0" algn="l">
+    <a:defPPr marR="0" lvl="0" algn="l" rtl="0">
       <a:lnSpc>
         <a:spcPct val="100000"/>
       </a:lnSpc>
@@ -490,7 +505,7 @@
         <a:spcPts val="0"/>
       </a:spcAft>
     </a:defPPr>
-    <a:lvl1pPr lvl="0" marR="0" rtl="0" algn="l">
+    <a:lvl1pPr marR="0" lvl="0" algn="l" rtl="0">
       <a:lnSpc>
         <a:spcPct val="100000"/>
       </a:lnSpc>
@@ -504,7 +519,7 @@
         <a:srgbClr val="000000"/>
       </a:buClr>
       <a:buFont typeface="Arial"/>
-      <a:defRPr b="0" i="0" sz="1400" u="none" cap="none" strike="noStrike">
+      <a:defRPr sz="1400" b="0" i="0" u="none" strike="noStrike" cap="none">
         <a:solidFill>
           <a:srgbClr val="000000"/>
         </a:solidFill>
@@ -514,7 +529,7 @@
         <a:sym typeface="Arial"/>
       </a:defRPr>
     </a:lvl1pPr>
-    <a:lvl2pPr lvl="1" marR="0" rtl="0" algn="l">
+    <a:lvl2pPr marR="0" lvl="1" algn="l" rtl="0">
       <a:lnSpc>
         <a:spcPct val="100000"/>
       </a:lnSpc>
@@ -528,7 +543,7 @@
         <a:srgbClr val="000000"/>
       </a:buClr>
       <a:buFont typeface="Arial"/>
-      <a:defRPr b="0" i="0" sz="1400" u="none" cap="none" strike="noStrike">
+      <a:defRPr sz="1400" b="0" i="0" u="none" strike="noStrike" cap="none">
         <a:solidFill>
           <a:srgbClr val="000000"/>
         </a:solidFill>
@@ -538,7 +553,7 @@
         <a:sym typeface="Arial"/>
       </a:defRPr>
     </a:lvl2pPr>
-    <a:lvl3pPr lvl="2" marR="0" rtl="0" algn="l">
+    <a:lvl3pPr marR="0" lvl="2" algn="l" rtl="0">
       <a:lnSpc>
         <a:spcPct val="100000"/>
       </a:lnSpc>
@@ -552,7 +567,7 @@
         <a:srgbClr val="000000"/>
       </a:buClr>
       <a:buFont typeface="Arial"/>
-      <a:defRPr b="0" i="0" sz="1400" u="none" cap="none" strike="noStrike">
+      <a:defRPr sz="1400" b="0" i="0" u="none" strike="noStrike" cap="none">
         <a:solidFill>
           <a:srgbClr val="000000"/>
         </a:solidFill>
@@ -562,7 +577,7 @@
         <a:sym typeface="Arial"/>
       </a:defRPr>
     </a:lvl3pPr>
-    <a:lvl4pPr lvl="3" marR="0" rtl="0" algn="l">
+    <a:lvl4pPr marR="0" lvl="3" algn="l" rtl="0">
       <a:lnSpc>
         <a:spcPct val="100000"/>
       </a:lnSpc>
@@ -576,7 +591,7 @@
         <a:srgbClr val="000000"/>
       </a:buClr>
       <a:buFont typeface="Arial"/>
-      <a:defRPr b="0" i="0" sz="1400" u="none" cap="none" strike="noStrike">
+      <a:defRPr sz="1400" b="0" i="0" u="none" strike="noStrike" cap="none">
         <a:solidFill>
           <a:srgbClr val="000000"/>
         </a:solidFill>
@@ -586,7 +601,7 @@
         <a:sym typeface="Arial"/>
       </a:defRPr>
     </a:lvl4pPr>
-    <a:lvl5pPr lvl="4" marR="0" rtl="0" algn="l">
+    <a:lvl5pPr marR="0" lvl="4" algn="l" rtl="0">
       <a:lnSpc>
         <a:spcPct val="100000"/>
       </a:lnSpc>
@@ -600,7 +615,7 @@
         <a:srgbClr val="000000"/>
       </a:buClr>
       <a:buFont typeface="Arial"/>
-      <a:defRPr b="0" i="0" sz="1400" u="none" cap="none" strike="noStrike">
+      <a:defRPr sz="1400" b="0" i="0" u="none" strike="noStrike" cap="none">
         <a:solidFill>
           <a:srgbClr val="000000"/>
         </a:solidFill>
@@ -610,7 +625,7 @@
         <a:sym typeface="Arial"/>
       </a:defRPr>
     </a:lvl5pPr>
-    <a:lvl6pPr lvl="5" marR="0" rtl="0" algn="l">
+    <a:lvl6pPr marR="0" lvl="5" algn="l" rtl="0">
       <a:lnSpc>
         <a:spcPct val="100000"/>
       </a:lnSpc>
@@ -624,7 +639,7 @@
         <a:srgbClr val="000000"/>
       </a:buClr>
       <a:buFont typeface="Arial"/>
-      <a:defRPr b="0" i="0" sz="1400" u="none" cap="none" strike="noStrike">
+      <a:defRPr sz="1400" b="0" i="0" u="none" strike="noStrike" cap="none">
         <a:solidFill>
           <a:srgbClr val="000000"/>
         </a:solidFill>
@@ -634,7 +649,7 @@
         <a:sym typeface="Arial"/>
       </a:defRPr>
     </a:lvl6pPr>
-    <a:lvl7pPr lvl="6" marR="0" rtl="0" algn="l">
+    <a:lvl7pPr marR="0" lvl="6" algn="l" rtl="0">
       <a:lnSpc>
         <a:spcPct val="100000"/>
       </a:lnSpc>
@@ -648,7 +663,7 @@
         <a:srgbClr val="000000"/>
       </a:buClr>
       <a:buFont typeface="Arial"/>
-      <a:defRPr b="0" i="0" sz="1400" u="none" cap="none" strike="noStrike">
+      <a:defRPr sz="1400" b="0" i="0" u="none" strike="noStrike" cap="none">
         <a:solidFill>
           <a:srgbClr val="000000"/>
         </a:solidFill>
@@ -658,7 +673,7 @@
         <a:sym typeface="Arial"/>
       </a:defRPr>
     </a:lvl7pPr>
-    <a:lvl8pPr lvl="7" marR="0" rtl="0" algn="l">
+    <a:lvl8pPr marR="0" lvl="7" algn="l" rtl="0">
       <a:lnSpc>
         <a:spcPct val="100000"/>
       </a:lnSpc>
@@ -672,7 +687,7 @@
         <a:srgbClr val="000000"/>
       </a:buClr>
       <a:buFont typeface="Arial"/>
-      <a:defRPr b="0" i="0" sz="1400" u="none" cap="none" strike="noStrike">
+      <a:defRPr sz="1400" b="0" i="0" u="none" strike="noStrike" cap="none">
         <a:solidFill>
           <a:srgbClr val="000000"/>
         </a:solidFill>
@@ -682,7 +697,7 @@
         <a:sym typeface="Arial"/>
       </a:defRPr>
     </a:lvl8pPr>
-    <a:lvl9pPr lvl="8" marR="0" rtl="0" algn="l">
+    <a:lvl9pPr marR="0" lvl="8" algn="l" rtl="0">
       <a:lnSpc>
         <a:spcPct val="100000"/>
       </a:lnSpc>
@@ -696,7 +711,7 @@
         <a:srgbClr val="000000"/>
       </a:buClr>
       <a:buFont typeface="Arial"/>
-      <a:defRPr b="0" i="0" sz="1400" u="none" cap="none" strike="noStrike">
+      <a:defRPr sz="1400" b="0" i="0" u="none" strike="noStrike" cap="none">
         <a:solidFill>
           <a:srgbClr val="000000"/>
         </a:solidFill>
@@ -711,11 +726,11 @@
 </file>
 
 <file path=ppt/notesSlides/notesSlide1.xml><?xml version="1.0" encoding="utf-8"?>
-<p:notes xmlns:a="http://schemas.openxmlformats.org/drawingml/2006/main" xmlns:r="http://schemas.openxmlformats.org/officeDocument/2006/relationships" xmlns:mc="http://schemas.openxmlformats.org/markup-compatibility/2006" xmlns:mv="urn:schemas-microsoft-com:mac:vml" xmlns:p="http://schemas.openxmlformats.org/presentationml/2006/main" xmlns:c="http://schemas.openxmlformats.org/drawingml/2006/chart" xmlns:dgm="http://schemas.openxmlformats.org/drawingml/2006/diagram" xmlns:o="urn:schemas-microsoft-com:office:office" xmlns:v="urn:schemas-microsoft-com:vml" xmlns:pvml="urn:schemas-microsoft-com:office:powerpoint" xmlns:com="http://schemas.openxmlformats.org/drawingml/2006/compatibility" xmlns:p14="http://schemas.microsoft.com/office/powerpoint/2010/main" xmlns:p15="http://schemas.microsoft.com/office/powerpoint/2012/main" showMasterPhAnim="0" showMasterSp="0">
+<p:notes xmlns:a="http://schemas.openxmlformats.org/drawingml/2006/main" xmlns:r="http://schemas.openxmlformats.org/officeDocument/2006/relationships" xmlns:p="http://schemas.openxmlformats.org/presentationml/2006/main" showMasterSp="0" showMasterPhAnim="0">
   <p:cSld>
     <p:spTree>
       <p:nvGrpSpPr>
-        <p:cNvPr id="50" name="Shape 50"/>
+        <p:cNvPr id="1" name="Shape 50"/>
         <p:cNvGrpSpPr/>
         <p:nvPr/>
       </p:nvGrpSpPr>
@@ -730,20 +745,26 @@
       <p:sp>
         <p:nvSpPr>
           <p:cNvPr id="51" name="Google Shape;51;p:notes"/>
-          <p:cNvSpPr/>
+          <p:cNvSpPr>
+            <a:spLocks noGrp="1" noRot="1" noChangeAspect="1"/>
+          </p:cNvSpPr>
           <p:nvPr>
-            <p:ph idx="2" type="sldImg"/>
+            <p:ph type="sldImg" idx="2"/>
           </p:nvPr>
         </p:nvSpPr>
         <p:spPr>
           <a:xfrm>
-            <a:off x="381300" y="685800"/>
-            <a:ext cx="6096075" cy="3429000"/>
+            <a:off x="381000" y="685800"/>
+            <a:ext cx="6096000" cy="3429000"/>
           </a:xfrm>
           <a:custGeom>
-            <a:rect b="b" l="l" r="r" t="t"/>
+            <a:avLst/>
+            <a:gdLst/>
+            <a:ahLst/>
+            <a:cxnLst/>
+            <a:rect l="l" t="t" r="r" b="b"/>
             <a:pathLst>
-              <a:path extrusionOk="0" h="120000" w="120000">
+              <a:path w="120000" h="120000" extrusionOk="0">
                 <a:moveTo>
                   <a:pt x="0" y="0"/>
                 </a:moveTo>
@@ -765,9 +786,11 @@
       <p:sp>
         <p:nvSpPr>
           <p:cNvPr id="52" name="Google Shape;52;p:notes"/>
-          <p:cNvSpPr txBox="1"/>
+          <p:cNvSpPr txBox="1">
+            <a:spLocks noGrp="1"/>
+          </p:cNvSpPr>
           <p:nvPr>
-            <p:ph idx="1" type="body"/>
+            <p:ph type="body" idx="1"/>
           </p:nvPr>
         </p:nvSpPr>
         <p:spPr>
@@ -780,12 +803,12 @@
           </a:prstGeom>
         </p:spPr>
         <p:txBody>
-          <a:bodyPr anchorCtr="0" anchor="t" bIns="91425" lIns="91425" spcFirstLastPara="1" rIns="91425" wrap="square" tIns="91425">
+          <a:bodyPr spcFirstLastPara="1" wrap="square" lIns="91425" tIns="91425" rIns="91425" bIns="91425" anchor="t" anchorCtr="0">
             <a:noAutofit/>
           </a:bodyPr>
           <a:lstStyle/>
           <a:p>
-            <a:pPr indent="0" lvl="0" marL="0" rtl="0" algn="l">
+            <a:pPr marL="0" lvl="0" indent="0" algn="l" rtl="0">
               <a:spcBef>
                 <a:spcPts val="0"/>
               </a:spcBef>
@@ -794,9 +817,6 @@
               </a:spcAft>
               <a:buNone/>
             </a:pPr>
-            <a:r>
-              <a:t/>
-            </a:r>
             <a:endParaRPr/>
           </a:p>
         </p:txBody>
@@ -810,11 +830,11 @@
 </file>
 
 <file path=ppt/notesSlides/notesSlide2.xml><?xml version="1.0" encoding="utf-8"?>
-<p:notes xmlns:a="http://schemas.openxmlformats.org/drawingml/2006/main" xmlns:r="http://schemas.openxmlformats.org/officeDocument/2006/relationships" xmlns:mc="http://schemas.openxmlformats.org/markup-compatibility/2006" xmlns:mv="urn:schemas-microsoft-com:mac:vml" xmlns:p="http://schemas.openxmlformats.org/presentationml/2006/main" xmlns:c="http://schemas.openxmlformats.org/drawingml/2006/chart" xmlns:dgm="http://schemas.openxmlformats.org/drawingml/2006/diagram" xmlns:o="urn:schemas-microsoft-com:office:office" xmlns:v="urn:schemas-microsoft-com:vml" xmlns:pvml="urn:schemas-microsoft-com:office:powerpoint" xmlns:com="http://schemas.openxmlformats.org/drawingml/2006/compatibility" xmlns:p14="http://schemas.microsoft.com/office/powerpoint/2010/main" xmlns:p15="http://schemas.microsoft.com/office/powerpoint/2012/main" showMasterPhAnim="0" showMasterSp="0">
+<p:notes xmlns:a="http://schemas.openxmlformats.org/drawingml/2006/main" xmlns:r="http://schemas.openxmlformats.org/officeDocument/2006/relationships" xmlns:p="http://schemas.openxmlformats.org/presentationml/2006/main" showMasterSp="0" showMasterPhAnim="0">
   <p:cSld>
     <p:spTree>
       <p:nvGrpSpPr>
-        <p:cNvPr id="57" name="Shape 57"/>
+        <p:cNvPr id="1" name="Shape 57"/>
         <p:cNvGrpSpPr/>
         <p:nvPr/>
       </p:nvGrpSpPr>
@@ -829,9 +849,11 @@
       <p:sp>
         <p:nvSpPr>
           <p:cNvPr id="58" name="Google Shape;58;g8129f280b0_0_59:notes"/>
-          <p:cNvSpPr/>
+          <p:cNvSpPr>
+            <a:spLocks noGrp="1" noRot="1" noChangeAspect="1"/>
+          </p:cNvSpPr>
           <p:nvPr>
-            <p:ph idx="2" type="sldImg"/>
+            <p:ph type="sldImg" idx="2"/>
           </p:nvPr>
         </p:nvSpPr>
         <p:spPr>
@@ -840,9 +862,13 @@
             <a:ext cx="6096000" cy="3429000"/>
           </a:xfrm>
           <a:custGeom>
-            <a:rect b="b" l="l" r="r" t="t"/>
+            <a:avLst/>
+            <a:gdLst/>
+            <a:ahLst/>
+            <a:cxnLst/>
+            <a:rect l="l" t="t" r="r" b="b"/>
             <a:pathLst>
-              <a:path extrusionOk="0" h="120000" w="120000">
+              <a:path w="120000" h="120000" extrusionOk="0">
                 <a:moveTo>
                   <a:pt x="0" y="0"/>
                 </a:moveTo>
@@ -864,9 +890,11 @@
       <p:sp>
         <p:nvSpPr>
           <p:cNvPr id="59" name="Google Shape;59;g8129f280b0_0_59:notes"/>
-          <p:cNvSpPr txBox="1"/>
+          <p:cNvSpPr txBox="1">
+            <a:spLocks noGrp="1"/>
+          </p:cNvSpPr>
           <p:nvPr>
-            <p:ph idx="1" type="body"/>
+            <p:ph type="body" idx="1"/>
           </p:nvPr>
         </p:nvSpPr>
         <p:spPr>
@@ -879,12 +907,12 @@
           </a:prstGeom>
         </p:spPr>
         <p:txBody>
-          <a:bodyPr anchorCtr="0" anchor="t" bIns="91425" lIns="91425" spcFirstLastPara="1" rIns="91425" wrap="square" tIns="91425">
+          <a:bodyPr spcFirstLastPara="1" wrap="square" lIns="91425" tIns="91425" rIns="91425" bIns="91425" anchor="t" anchorCtr="0">
             <a:noAutofit/>
           </a:bodyPr>
           <a:lstStyle/>
           <a:p>
-            <a:pPr indent="0" lvl="0" marL="0" rtl="0" algn="l">
+            <a:pPr marL="0" lvl="0" indent="0" algn="l" rtl="0">
               <a:spcBef>
                 <a:spcPts val="0"/>
               </a:spcBef>
@@ -893,9 +921,6 @@
               </a:spcAft>
               <a:buNone/>
             </a:pPr>
-            <a:r>
-              <a:t/>
-            </a:r>
             <a:endParaRPr/>
           </a:p>
         </p:txBody>
@@ -909,11 +934,11 @@
 </file>
 
 <file path=ppt/notesSlides/notesSlide3.xml><?xml version="1.0" encoding="utf-8"?>
-<p:notes xmlns:a="http://schemas.openxmlformats.org/drawingml/2006/main" xmlns:r="http://schemas.openxmlformats.org/officeDocument/2006/relationships" xmlns:mc="http://schemas.openxmlformats.org/markup-compatibility/2006" xmlns:mv="urn:schemas-microsoft-com:mac:vml" xmlns:p="http://schemas.openxmlformats.org/presentationml/2006/main" xmlns:c="http://schemas.openxmlformats.org/drawingml/2006/chart" xmlns:dgm="http://schemas.openxmlformats.org/drawingml/2006/diagram" xmlns:o="urn:schemas-microsoft-com:office:office" xmlns:v="urn:schemas-microsoft-com:vml" xmlns:pvml="urn:schemas-microsoft-com:office:powerpoint" xmlns:com="http://schemas.openxmlformats.org/drawingml/2006/compatibility" xmlns:p14="http://schemas.microsoft.com/office/powerpoint/2010/main" xmlns:p15="http://schemas.microsoft.com/office/powerpoint/2012/main" showMasterPhAnim="0" showMasterSp="0">
+<p:notes xmlns:a="http://schemas.openxmlformats.org/drawingml/2006/main" xmlns:r="http://schemas.openxmlformats.org/officeDocument/2006/relationships" xmlns:p="http://schemas.openxmlformats.org/presentationml/2006/main" showMasterSp="0" showMasterPhAnim="0">
   <p:cSld>
     <p:spTree>
       <p:nvGrpSpPr>
-        <p:cNvPr id="63" name="Shape 63"/>
+        <p:cNvPr id="1" name="Shape 63"/>
         <p:cNvGrpSpPr/>
         <p:nvPr/>
       </p:nvGrpSpPr>
@@ -928,9 +953,11 @@
       <p:sp>
         <p:nvSpPr>
           <p:cNvPr id="64" name="Google Shape;64;g8129f280b0_0_87:notes"/>
-          <p:cNvSpPr/>
+          <p:cNvSpPr>
+            <a:spLocks noGrp="1" noRot="1" noChangeAspect="1"/>
+          </p:cNvSpPr>
           <p:nvPr>
-            <p:ph idx="2" type="sldImg"/>
+            <p:ph type="sldImg" idx="2"/>
           </p:nvPr>
         </p:nvSpPr>
         <p:spPr>
@@ -939,9 +966,13 @@
             <a:ext cx="6096000" cy="3429000"/>
           </a:xfrm>
           <a:custGeom>
-            <a:rect b="b" l="l" r="r" t="t"/>
+            <a:avLst/>
+            <a:gdLst/>
+            <a:ahLst/>
+            <a:cxnLst/>
+            <a:rect l="l" t="t" r="r" b="b"/>
             <a:pathLst>
-              <a:path extrusionOk="0" h="120000" w="120000">
+              <a:path w="120000" h="120000" extrusionOk="0">
                 <a:moveTo>
                   <a:pt x="0" y="0"/>
                 </a:moveTo>
@@ -963,9 +994,11 @@
       <p:sp>
         <p:nvSpPr>
           <p:cNvPr id="65" name="Google Shape;65;g8129f280b0_0_87:notes"/>
-          <p:cNvSpPr txBox="1"/>
+          <p:cNvSpPr txBox="1">
+            <a:spLocks noGrp="1"/>
+          </p:cNvSpPr>
           <p:nvPr>
-            <p:ph idx="1" type="body"/>
+            <p:ph type="body" idx="1"/>
           </p:nvPr>
         </p:nvSpPr>
         <p:spPr>
@@ -978,12 +1011,12 @@
           </a:prstGeom>
         </p:spPr>
         <p:txBody>
-          <a:bodyPr anchorCtr="0" anchor="t" bIns="91425" lIns="91425" spcFirstLastPara="1" rIns="91425" wrap="square" tIns="91425">
+          <a:bodyPr spcFirstLastPara="1" wrap="square" lIns="91425" tIns="91425" rIns="91425" bIns="91425" anchor="t" anchorCtr="0">
             <a:noAutofit/>
           </a:bodyPr>
           <a:lstStyle/>
           <a:p>
-            <a:pPr indent="0" lvl="0" marL="0" rtl="0" algn="l">
+            <a:pPr marL="0" lvl="0" indent="0" algn="l" rtl="0">
               <a:lnSpc>
                 <a:spcPct val="115000"/>
               </a:lnSpc>
@@ -1002,7 +1035,7 @@
             <a:endParaRPr/>
           </a:p>
           <a:p>
-            <a:pPr indent="0" lvl="0" marL="0" rtl="0" algn="l">
+            <a:pPr marL="0" lvl="0" indent="0" algn="l" rtl="0">
               <a:lnSpc>
                 <a:spcPct val="115000"/>
               </a:lnSpc>
@@ -1021,7 +1054,7 @@
             <a:endParaRPr/>
           </a:p>
           <a:p>
-            <a:pPr indent="0" lvl="0" marL="0" rtl="0" algn="l">
+            <a:pPr marL="0" lvl="0" indent="0" algn="l" rtl="0">
               <a:lnSpc>
                 <a:spcPct val="115000"/>
               </a:lnSpc>
@@ -1050,11 +1083,11 @@
 </file>
 
 <file path=ppt/notesSlides/notesSlide4.xml><?xml version="1.0" encoding="utf-8"?>
-<p:notes xmlns:a="http://schemas.openxmlformats.org/drawingml/2006/main" xmlns:r="http://schemas.openxmlformats.org/officeDocument/2006/relationships" xmlns:mc="http://schemas.openxmlformats.org/markup-compatibility/2006" xmlns:mv="urn:schemas-microsoft-com:mac:vml" xmlns:p="http://schemas.openxmlformats.org/presentationml/2006/main" xmlns:c="http://schemas.openxmlformats.org/drawingml/2006/chart" xmlns:dgm="http://schemas.openxmlformats.org/drawingml/2006/diagram" xmlns:o="urn:schemas-microsoft-com:office:office" xmlns:v="urn:schemas-microsoft-com:vml" xmlns:pvml="urn:schemas-microsoft-com:office:powerpoint" xmlns:com="http://schemas.openxmlformats.org/drawingml/2006/compatibility" xmlns:p14="http://schemas.microsoft.com/office/powerpoint/2010/main" xmlns:p15="http://schemas.microsoft.com/office/powerpoint/2012/main" showMasterPhAnim="0" showMasterSp="0">
+<p:notes xmlns:a="http://schemas.openxmlformats.org/drawingml/2006/main" xmlns:r="http://schemas.openxmlformats.org/officeDocument/2006/relationships" xmlns:p="http://schemas.openxmlformats.org/presentationml/2006/main" showMasterSp="0" showMasterPhAnim="0">
   <p:cSld>
     <p:spTree>
       <p:nvGrpSpPr>
-        <p:cNvPr id="70" name="Shape 70"/>
+        <p:cNvPr id="1" name="Shape 70"/>
         <p:cNvGrpSpPr/>
         <p:nvPr/>
       </p:nvGrpSpPr>
@@ -1069,9 +1102,11 @@
       <p:sp>
         <p:nvSpPr>
           <p:cNvPr id="71" name="Google Shape;71;g8129f280b0_0_69:notes"/>
-          <p:cNvSpPr/>
+          <p:cNvSpPr>
+            <a:spLocks noGrp="1" noRot="1" noChangeAspect="1"/>
+          </p:cNvSpPr>
           <p:nvPr>
-            <p:ph idx="2" type="sldImg"/>
+            <p:ph type="sldImg" idx="2"/>
           </p:nvPr>
         </p:nvSpPr>
         <p:spPr>
@@ -1080,9 +1115,13 @@
             <a:ext cx="6096000" cy="3429000"/>
           </a:xfrm>
           <a:custGeom>
-            <a:rect b="b" l="l" r="r" t="t"/>
+            <a:avLst/>
+            <a:gdLst/>
+            <a:ahLst/>
+            <a:cxnLst/>
+            <a:rect l="l" t="t" r="r" b="b"/>
             <a:pathLst>
-              <a:path extrusionOk="0" h="120000" w="120000">
+              <a:path w="120000" h="120000" extrusionOk="0">
                 <a:moveTo>
                   <a:pt x="0" y="0"/>
                 </a:moveTo>
@@ -1104,9 +1143,11 @@
       <p:sp>
         <p:nvSpPr>
           <p:cNvPr id="72" name="Google Shape;72;g8129f280b0_0_69:notes"/>
-          <p:cNvSpPr txBox="1"/>
+          <p:cNvSpPr txBox="1">
+            <a:spLocks noGrp="1"/>
+          </p:cNvSpPr>
           <p:nvPr>
-            <p:ph idx="1" type="body"/>
+            <p:ph type="body" idx="1"/>
           </p:nvPr>
         </p:nvSpPr>
         <p:spPr>
@@ -1119,12 +1160,12 @@
           </a:prstGeom>
         </p:spPr>
         <p:txBody>
-          <a:bodyPr anchorCtr="0" anchor="t" bIns="91425" lIns="91425" spcFirstLastPara="1" rIns="91425" wrap="square" tIns="91425">
+          <a:bodyPr spcFirstLastPara="1" wrap="square" lIns="91425" tIns="91425" rIns="91425" bIns="91425" anchor="t" anchorCtr="0">
             <a:noAutofit/>
           </a:bodyPr>
           <a:lstStyle/>
           <a:p>
-            <a:pPr indent="0" lvl="0" marL="0" rtl="0" algn="l">
+            <a:pPr marL="0" lvl="0" indent="0" algn="l" rtl="0">
               <a:spcBef>
                 <a:spcPts val="0"/>
               </a:spcBef>
@@ -1148,7 +1189,7 @@
             </a:endParaRPr>
           </a:p>
           <a:p>
-            <a:pPr indent="0" lvl="0" marL="0" rtl="0" algn="l">
+            <a:pPr marL="0" lvl="0" indent="0" algn="l" rtl="0">
               <a:spcBef>
                 <a:spcPts val="0"/>
               </a:spcBef>
@@ -1157,9 +1198,6 @@
               </a:spcAft>
               <a:buNone/>
             </a:pPr>
-            <a:r>
-              <a:t/>
-            </a:r>
             <a:endParaRPr>
               <a:highlight>
                 <a:srgbClr val="FFFFFF"/>
@@ -1167,7 +1205,7 @@
             </a:endParaRPr>
           </a:p>
           <a:p>
-            <a:pPr indent="0" lvl="0" marL="0" rtl="0" algn="l">
+            <a:pPr marL="0" lvl="0" indent="0" algn="l" rtl="0">
               <a:spcBef>
                 <a:spcPts val="0"/>
               </a:spcBef>
@@ -1176,9 +1214,6 @@
               </a:spcAft>
               <a:buNone/>
             </a:pPr>
-            <a:r>
-              <a:t/>
-            </a:r>
             <a:endParaRPr>
               <a:highlight>
                 <a:srgbClr val="FFFFFF"/>
@@ -1186,7 +1221,7 @@
             </a:endParaRPr>
           </a:p>
           <a:p>
-            <a:pPr indent="-298450" lvl="0" marL="457200" rtl="0" algn="l">
+            <a:pPr marL="457200" lvl="0" indent="-298450" algn="l" rtl="0">
               <a:lnSpc>
                 <a:spcPct val="115000"/>
               </a:lnSpc>
@@ -1209,7 +1244,7 @@
             <a:endParaRPr/>
           </a:p>
           <a:p>
-            <a:pPr indent="-298450" lvl="0" marL="457200" rtl="0" algn="l">
+            <a:pPr marL="457200" lvl="0" indent="-298450" algn="l" rtl="0">
               <a:lnSpc>
                 <a:spcPct val="115000"/>
               </a:lnSpc>
@@ -1232,7 +1267,7 @@
             <a:endParaRPr/>
           </a:p>
           <a:p>
-            <a:pPr indent="-298450" lvl="0" marL="457200" rtl="0" algn="l">
+            <a:pPr marL="457200" lvl="0" indent="-298450" algn="l" rtl="0">
               <a:lnSpc>
                 <a:spcPct val="115000"/>
               </a:lnSpc>
@@ -1255,7 +1290,7 @@
             <a:endParaRPr/>
           </a:p>
           <a:p>
-            <a:pPr indent="-298450" lvl="1" marL="914400" rtl="0" algn="l">
+            <a:pPr marL="914400" lvl="1" indent="-298450" algn="l" rtl="0">
               <a:lnSpc>
                 <a:spcPct val="115000"/>
               </a:lnSpc>
@@ -1278,7 +1313,7 @@
             <a:endParaRPr/>
           </a:p>
           <a:p>
-            <a:pPr indent="-298450" lvl="1" marL="914400" rtl="0" algn="l">
+            <a:pPr marL="914400" lvl="1" indent="-298450" algn="l" rtl="0">
               <a:lnSpc>
                 <a:spcPct val="115000"/>
               </a:lnSpc>
@@ -1301,7 +1336,7 @@
             <a:endParaRPr/>
           </a:p>
           <a:p>
-            <a:pPr indent="-298450" lvl="1" marL="914400" rtl="0" algn="l">
+            <a:pPr marL="914400" lvl="1" indent="-298450" algn="l" rtl="0">
               <a:lnSpc>
                 <a:spcPct val="115000"/>
               </a:lnSpc>
@@ -1324,7 +1359,7 @@
             <a:endParaRPr/>
           </a:p>
           <a:p>
-            <a:pPr indent="0" lvl="0" marL="0" rtl="0" algn="l">
+            <a:pPr marL="0" lvl="0" indent="0" algn="l" rtl="0">
               <a:lnSpc>
                 <a:spcPct val="115000"/>
               </a:lnSpc>
@@ -1343,7 +1378,7 @@
             <a:endParaRPr/>
           </a:p>
           <a:p>
-            <a:pPr indent="-298450" lvl="0" marL="457200" rtl="0" algn="l">
+            <a:pPr marL="457200" lvl="0" indent="-298450" algn="l" rtl="0">
               <a:lnSpc>
                 <a:spcPct val="115000"/>
               </a:lnSpc>
@@ -1366,7 +1401,7 @@
             <a:endParaRPr/>
           </a:p>
           <a:p>
-            <a:pPr indent="-298450" lvl="0" marL="457200" rtl="0" algn="l">
+            <a:pPr marL="457200" lvl="0" indent="-298450" algn="l" rtl="0">
               <a:lnSpc>
                 <a:spcPct val="115000"/>
               </a:lnSpc>
@@ -1389,7 +1424,7 @@
             <a:endParaRPr/>
           </a:p>
           <a:p>
-            <a:pPr indent="0" lvl="0" marL="0" rtl="0" algn="l">
+            <a:pPr marL="0" lvl="0" indent="0" algn="l" rtl="0">
               <a:lnSpc>
                 <a:spcPct val="115000"/>
               </a:lnSpc>
@@ -1401,13 +1436,10 @@
               </a:spcAft>
               <a:buNone/>
             </a:pPr>
-            <a:r>
-              <a:t/>
-            </a:r>
             <a:endParaRPr/>
           </a:p>
           <a:p>
-            <a:pPr indent="0" lvl="0" marL="0" rtl="0" algn="l">
+            <a:pPr marL="0" lvl="0" indent="0" algn="l" rtl="0">
               <a:spcBef>
                 <a:spcPts val="1600"/>
               </a:spcBef>
@@ -1416,9 +1448,6 @@
               </a:spcAft>
               <a:buNone/>
             </a:pPr>
-            <a:r>
-              <a:t/>
-            </a:r>
             <a:endParaRPr>
               <a:highlight>
                 <a:srgbClr val="FFFFFF"/>
@@ -1436,11 +1465,11 @@
 </file>
 
 <file path=ppt/notesSlides/notesSlide5.xml><?xml version="1.0" encoding="utf-8"?>
-<p:notes xmlns:a="http://schemas.openxmlformats.org/drawingml/2006/main" xmlns:r="http://schemas.openxmlformats.org/officeDocument/2006/relationships" xmlns:mc="http://schemas.openxmlformats.org/markup-compatibility/2006" xmlns:mv="urn:schemas-microsoft-com:mac:vml" xmlns:p="http://schemas.openxmlformats.org/presentationml/2006/main" xmlns:c="http://schemas.openxmlformats.org/drawingml/2006/chart" xmlns:dgm="http://schemas.openxmlformats.org/drawingml/2006/diagram" xmlns:o="urn:schemas-microsoft-com:office:office" xmlns:v="urn:schemas-microsoft-com:vml" xmlns:pvml="urn:schemas-microsoft-com:office:powerpoint" xmlns:com="http://schemas.openxmlformats.org/drawingml/2006/compatibility" xmlns:p14="http://schemas.microsoft.com/office/powerpoint/2010/main" xmlns:p15="http://schemas.microsoft.com/office/powerpoint/2012/main" showMasterPhAnim="0" showMasterSp="0">
+<p:notes xmlns:a="http://schemas.openxmlformats.org/drawingml/2006/main" xmlns:r="http://schemas.openxmlformats.org/officeDocument/2006/relationships" xmlns:p="http://schemas.openxmlformats.org/presentationml/2006/main" showMasterSp="0" showMasterPhAnim="0">
   <p:cSld>
     <p:spTree>
       <p:nvGrpSpPr>
-        <p:cNvPr id="79" name="Shape 79"/>
+        <p:cNvPr id="1" name="Shape 79"/>
         <p:cNvGrpSpPr/>
         <p:nvPr/>
       </p:nvGrpSpPr>
@@ -1455,9 +1484,11 @@
       <p:sp>
         <p:nvSpPr>
           <p:cNvPr id="80" name="Google Shape;80;g8129f280b0_0_105:notes"/>
-          <p:cNvSpPr/>
+          <p:cNvSpPr>
+            <a:spLocks noGrp="1" noRot="1" noChangeAspect="1"/>
+          </p:cNvSpPr>
           <p:nvPr>
-            <p:ph idx="2" type="sldImg"/>
+            <p:ph type="sldImg" idx="2"/>
           </p:nvPr>
         </p:nvSpPr>
         <p:spPr>
@@ -1466,9 +1497,13 @@
             <a:ext cx="6096000" cy="3429000"/>
           </a:xfrm>
           <a:custGeom>
-            <a:rect b="b" l="l" r="r" t="t"/>
+            <a:avLst/>
+            <a:gdLst/>
+            <a:ahLst/>
+            <a:cxnLst/>
+            <a:rect l="l" t="t" r="r" b="b"/>
             <a:pathLst>
-              <a:path extrusionOk="0" h="120000" w="120000">
+              <a:path w="120000" h="120000" extrusionOk="0">
                 <a:moveTo>
                   <a:pt x="0" y="0"/>
                 </a:moveTo>
@@ -1490,9 +1525,11 @@
       <p:sp>
         <p:nvSpPr>
           <p:cNvPr id="81" name="Google Shape;81;g8129f280b0_0_105:notes"/>
-          <p:cNvSpPr txBox="1"/>
+          <p:cNvSpPr txBox="1">
+            <a:spLocks noGrp="1"/>
+          </p:cNvSpPr>
           <p:nvPr>
-            <p:ph idx="1" type="body"/>
+            <p:ph type="body" idx="1"/>
           </p:nvPr>
         </p:nvSpPr>
         <p:spPr>
@@ -1505,12 +1542,12 @@
           </a:prstGeom>
         </p:spPr>
         <p:txBody>
-          <a:bodyPr anchorCtr="0" anchor="t" bIns="91425" lIns="91425" spcFirstLastPara="1" rIns="91425" wrap="square" tIns="91425">
+          <a:bodyPr spcFirstLastPara="1" wrap="square" lIns="91425" tIns="91425" rIns="91425" bIns="91425" anchor="t" anchorCtr="0">
             <a:noAutofit/>
           </a:bodyPr>
           <a:lstStyle/>
           <a:p>
-            <a:pPr indent="0" lvl="0" marL="0" rtl="0" algn="l">
+            <a:pPr marL="0" lvl="0" indent="0" algn="l" rtl="0">
               <a:spcBef>
                 <a:spcPts val="0"/>
               </a:spcBef>
@@ -1519,9 +1556,6 @@
               </a:spcAft>
               <a:buNone/>
             </a:pPr>
-            <a:r>
-              <a:t/>
-            </a:r>
             <a:endParaRPr/>
           </a:p>
         </p:txBody>
@@ -1535,11 +1569,11 @@
 </file>
 
 <file path=ppt/notesSlides/notesSlide6.xml><?xml version="1.0" encoding="utf-8"?>
-<p:notes xmlns:a="http://schemas.openxmlformats.org/drawingml/2006/main" xmlns:r="http://schemas.openxmlformats.org/officeDocument/2006/relationships" xmlns:mc="http://schemas.openxmlformats.org/markup-compatibility/2006" xmlns:mv="urn:schemas-microsoft-com:mac:vml" xmlns:p="http://schemas.openxmlformats.org/presentationml/2006/main" xmlns:c="http://schemas.openxmlformats.org/drawingml/2006/chart" xmlns:dgm="http://schemas.openxmlformats.org/drawingml/2006/diagram" xmlns:o="urn:schemas-microsoft-com:office:office" xmlns:v="urn:schemas-microsoft-com:vml" xmlns:pvml="urn:schemas-microsoft-com:office:powerpoint" xmlns:com="http://schemas.openxmlformats.org/drawingml/2006/compatibility" xmlns:p14="http://schemas.microsoft.com/office/powerpoint/2010/main" xmlns:p15="http://schemas.microsoft.com/office/powerpoint/2012/main" showMasterPhAnim="0" showMasterSp="0">
+<p:notes xmlns:a="http://schemas.openxmlformats.org/drawingml/2006/main" xmlns:r="http://schemas.openxmlformats.org/officeDocument/2006/relationships" xmlns:p="http://schemas.openxmlformats.org/presentationml/2006/main" showMasterSp="0" showMasterPhAnim="0">
   <p:cSld>
     <p:spTree>
       <p:nvGrpSpPr>
-        <p:cNvPr id="88" name="Shape 88"/>
+        <p:cNvPr id="1" name="Shape 88"/>
         <p:cNvGrpSpPr/>
         <p:nvPr/>
       </p:nvGrpSpPr>
@@ -1554,9 +1588,11 @@
       <p:sp>
         <p:nvSpPr>
           <p:cNvPr id="89" name="Google Shape;89;g8129f280b0_0_111:notes"/>
-          <p:cNvSpPr/>
+          <p:cNvSpPr>
+            <a:spLocks noGrp="1" noRot="1" noChangeAspect="1"/>
+          </p:cNvSpPr>
           <p:nvPr>
-            <p:ph idx="2" type="sldImg"/>
+            <p:ph type="sldImg" idx="2"/>
           </p:nvPr>
         </p:nvSpPr>
         <p:spPr>
@@ -1565,9 +1601,13 @@
             <a:ext cx="6096000" cy="3429000"/>
           </a:xfrm>
           <a:custGeom>
-            <a:rect b="b" l="l" r="r" t="t"/>
+            <a:avLst/>
+            <a:gdLst/>
+            <a:ahLst/>
+            <a:cxnLst/>
+            <a:rect l="l" t="t" r="r" b="b"/>
             <a:pathLst>
-              <a:path extrusionOk="0" h="120000" w="120000">
+              <a:path w="120000" h="120000" extrusionOk="0">
                 <a:moveTo>
                   <a:pt x="0" y="0"/>
                 </a:moveTo>
@@ -1589,9 +1629,11 @@
       <p:sp>
         <p:nvSpPr>
           <p:cNvPr id="90" name="Google Shape;90;g8129f280b0_0_111:notes"/>
-          <p:cNvSpPr txBox="1"/>
+          <p:cNvSpPr txBox="1">
+            <a:spLocks noGrp="1"/>
+          </p:cNvSpPr>
           <p:nvPr>
-            <p:ph idx="1" type="body"/>
+            <p:ph type="body" idx="1"/>
           </p:nvPr>
         </p:nvSpPr>
         <p:spPr>
@@ -1604,12 +1646,12 @@
           </a:prstGeom>
         </p:spPr>
         <p:txBody>
-          <a:bodyPr anchorCtr="0" anchor="t" bIns="91425" lIns="91425" spcFirstLastPara="1" rIns="91425" wrap="square" tIns="91425">
+          <a:bodyPr spcFirstLastPara="1" wrap="square" lIns="91425" tIns="91425" rIns="91425" bIns="91425" anchor="t" anchorCtr="0">
             <a:noAutofit/>
           </a:bodyPr>
           <a:lstStyle/>
           <a:p>
-            <a:pPr indent="0" lvl="0" marL="0" rtl="0" algn="l">
+            <a:pPr marL="0" lvl="0" indent="0" algn="l" rtl="0">
               <a:spcBef>
                 <a:spcPts val="0"/>
               </a:spcBef>
@@ -1625,7 +1667,7 @@
             <a:endParaRPr/>
           </a:p>
           <a:p>
-            <a:pPr indent="0" lvl="0" marL="0" rtl="0" algn="l">
+            <a:pPr marL="0" lvl="0" indent="0" algn="l" rtl="0">
               <a:spcBef>
                 <a:spcPts val="0"/>
               </a:spcBef>
@@ -1634,13 +1676,10 @@
               </a:spcAft>
               <a:buNone/>
             </a:pPr>
-            <a:r>
-              <a:t/>
-            </a:r>
             <a:endParaRPr/>
           </a:p>
           <a:p>
-            <a:pPr indent="-298450" lvl="0" marL="457200" rtl="0" algn="l">
+            <a:pPr marL="457200" lvl="0" indent="-298450" algn="l" rtl="0">
               <a:lnSpc>
                 <a:spcPct val="115000"/>
               </a:lnSpc>
@@ -1663,7 +1702,7 @@
             <a:endParaRPr/>
           </a:p>
           <a:p>
-            <a:pPr indent="-298450" lvl="0" marL="457200" rtl="0" algn="l">
+            <a:pPr marL="457200" lvl="0" indent="-298450" algn="l" rtl="0">
               <a:lnSpc>
                 <a:spcPct val="115000"/>
               </a:lnSpc>
@@ -1696,11 +1735,11 @@
 </file>
 
 <file path=ppt/notesSlides/notesSlide7.xml><?xml version="1.0" encoding="utf-8"?>
-<p:notes xmlns:a="http://schemas.openxmlformats.org/drawingml/2006/main" xmlns:r="http://schemas.openxmlformats.org/officeDocument/2006/relationships" xmlns:mc="http://schemas.openxmlformats.org/markup-compatibility/2006" xmlns:mv="urn:schemas-microsoft-com:mac:vml" xmlns:p="http://schemas.openxmlformats.org/presentationml/2006/main" xmlns:c="http://schemas.openxmlformats.org/drawingml/2006/chart" xmlns:dgm="http://schemas.openxmlformats.org/drawingml/2006/diagram" xmlns:o="urn:schemas-microsoft-com:office:office" xmlns:v="urn:schemas-microsoft-com:vml" xmlns:pvml="urn:schemas-microsoft-com:office:powerpoint" xmlns:com="http://schemas.openxmlformats.org/drawingml/2006/compatibility" xmlns:p14="http://schemas.microsoft.com/office/powerpoint/2010/main" xmlns:p15="http://schemas.microsoft.com/office/powerpoint/2012/main" showMasterPhAnim="0" showMasterSp="0">
+<p:notes xmlns:a="http://schemas.openxmlformats.org/drawingml/2006/main" xmlns:r="http://schemas.openxmlformats.org/officeDocument/2006/relationships" xmlns:p="http://schemas.openxmlformats.org/presentationml/2006/main" showMasterSp="0" showMasterPhAnim="0">
   <p:cSld>
     <p:spTree>
       <p:nvGrpSpPr>
-        <p:cNvPr id="96" name="Shape 96"/>
+        <p:cNvPr id="1" name="Shape 96"/>
         <p:cNvGrpSpPr/>
         <p:nvPr/>
       </p:nvGrpSpPr>
@@ -1715,9 +1754,11 @@
       <p:sp>
         <p:nvSpPr>
           <p:cNvPr id="97" name="Google Shape;97;g8129f280b0_0_125:notes"/>
-          <p:cNvSpPr/>
+          <p:cNvSpPr>
+            <a:spLocks noGrp="1" noRot="1" noChangeAspect="1"/>
+          </p:cNvSpPr>
           <p:nvPr>
-            <p:ph idx="2" type="sldImg"/>
+            <p:ph type="sldImg" idx="2"/>
           </p:nvPr>
         </p:nvSpPr>
         <p:spPr>
@@ -1726,9 +1767,13 @@
             <a:ext cx="6096000" cy="3429000"/>
           </a:xfrm>
           <a:custGeom>
-            <a:rect b="b" l="l" r="r" t="t"/>
+            <a:avLst/>
+            <a:gdLst/>
+            <a:ahLst/>
+            <a:cxnLst/>
+            <a:rect l="l" t="t" r="r" b="b"/>
             <a:pathLst>
-              <a:path extrusionOk="0" h="120000" w="120000">
+              <a:path w="120000" h="120000" extrusionOk="0">
                 <a:moveTo>
                   <a:pt x="0" y="0"/>
                 </a:moveTo>
@@ -1750,9 +1795,11 @@
       <p:sp>
         <p:nvSpPr>
           <p:cNvPr id="98" name="Google Shape;98;g8129f280b0_0_125:notes"/>
-          <p:cNvSpPr txBox="1"/>
+          <p:cNvSpPr txBox="1">
+            <a:spLocks noGrp="1"/>
+          </p:cNvSpPr>
           <p:nvPr>
-            <p:ph idx="1" type="body"/>
+            <p:ph type="body" idx="1"/>
           </p:nvPr>
         </p:nvSpPr>
         <p:spPr>
@@ -1765,12 +1812,12 @@
           </a:prstGeom>
         </p:spPr>
         <p:txBody>
-          <a:bodyPr anchorCtr="0" anchor="t" bIns="91425" lIns="91425" spcFirstLastPara="1" rIns="91425" wrap="square" tIns="91425">
+          <a:bodyPr spcFirstLastPara="1" wrap="square" lIns="91425" tIns="91425" rIns="91425" bIns="91425" anchor="t" anchorCtr="0">
             <a:noAutofit/>
           </a:bodyPr>
           <a:lstStyle/>
           <a:p>
-            <a:pPr indent="0" lvl="0" marL="0" rtl="0" algn="l">
+            <a:pPr marL="0" lvl="0" indent="0" algn="l" rtl="0">
               <a:spcBef>
                 <a:spcPts val="0"/>
               </a:spcBef>
@@ -1779,9 +1826,6 @@
               </a:spcAft>
               <a:buNone/>
             </a:pPr>
-            <a:r>
-              <a:t/>
-            </a:r>
             <a:endParaRPr/>
           </a:p>
         </p:txBody>
@@ -1795,11 +1839,11 @@
 </file>
 
 <file path=ppt/notesSlides/notesSlide8.xml><?xml version="1.0" encoding="utf-8"?>
-<p:notes xmlns:a="http://schemas.openxmlformats.org/drawingml/2006/main" xmlns:r="http://schemas.openxmlformats.org/officeDocument/2006/relationships" xmlns:mc="http://schemas.openxmlformats.org/markup-compatibility/2006" xmlns:mv="urn:schemas-microsoft-com:mac:vml" xmlns:p="http://schemas.openxmlformats.org/presentationml/2006/main" xmlns:c="http://schemas.openxmlformats.org/drawingml/2006/chart" xmlns:dgm="http://schemas.openxmlformats.org/drawingml/2006/diagram" xmlns:o="urn:schemas-microsoft-com:office:office" xmlns:v="urn:schemas-microsoft-com:vml" xmlns:pvml="urn:schemas-microsoft-com:office:powerpoint" xmlns:com="http://schemas.openxmlformats.org/drawingml/2006/compatibility" xmlns:p14="http://schemas.microsoft.com/office/powerpoint/2010/main" xmlns:p15="http://schemas.microsoft.com/office/powerpoint/2012/main" showMasterPhAnim="0" showMasterSp="0">
+<p:notes xmlns:a="http://schemas.openxmlformats.org/drawingml/2006/main" xmlns:r="http://schemas.openxmlformats.org/officeDocument/2006/relationships" xmlns:p="http://schemas.openxmlformats.org/presentationml/2006/main" showMasterSp="0" showMasterPhAnim="0">
   <p:cSld>
     <p:spTree>
       <p:nvGrpSpPr>
-        <p:cNvPr id="103" name="Shape 103"/>
+        <p:cNvPr id="1" name="Shape 103"/>
         <p:cNvGrpSpPr/>
         <p:nvPr/>
       </p:nvGrpSpPr>
@@ -1814,9 +1858,11 @@
       <p:sp>
         <p:nvSpPr>
           <p:cNvPr id="104" name="Google Shape;104;g812c6b797f_0_28:notes"/>
-          <p:cNvSpPr/>
+          <p:cNvSpPr>
+            <a:spLocks noGrp="1" noRot="1" noChangeAspect="1"/>
+          </p:cNvSpPr>
           <p:nvPr>
-            <p:ph idx="2" type="sldImg"/>
+            <p:ph type="sldImg" idx="2"/>
           </p:nvPr>
         </p:nvSpPr>
         <p:spPr>
@@ -1825,9 +1871,13 @@
             <a:ext cx="6096000" cy="3429000"/>
           </a:xfrm>
           <a:custGeom>
-            <a:rect b="b" l="l" r="r" t="t"/>
+            <a:avLst/>
+            <a:gdLst/>
+            <a:ahLst/>
+            <a:cxnLst/>
+            <a:rect l="l" t="t" r="r" b="b"/>
             <a:pathLst>
-              <a:path extrusionOk="0" h="120000" w="120000">
+              <a:path w="120000" h="120000" extrusionOk="0">
                 <a:moveTo>
                   <a:pt x="0" y="0"/>
                 </a:moveTo>
@@ -1849,9 +1899,11 @@
       <p:sp>
         <p:nvSpPr>
           <p:cNvPr id="105" name="Google Shape;105;g812c6b797f_0_28:notes"/>
-          <p:cNvSpPr txBox="1"/>
+          <p:cNvSpPr txBox="1">
+            <a:spLocks noGrp="1"/>
+          </p:cNvSpPr>
           <p:nvPr>
-            <p:ph idx="1" type="body"/>
+            <p:ph type="body" idx="1"/>
           </p:nvPr>
         </p:nvSpPr>
         <p:spPr>
@@ -1864,12 +1916,12 @@
           </a:prstGeom>
         </p:spPr>
         <p:txBody>
-          <a:bodyPr anchorCtr="0" anchor="t" bIns="91425" lIns="91425" spcFirstLastPara="1" rIns="91425" wrap="square" tIns="91425">
+          <a:bodyPr spcFirstLastPara="1" wrap="square" lIns="91425" tIns="91425" rIns="91425" bIns="91425" anchor="t" anchorCtr="0">
             <a:noAutofit/>
           </a:bodyPr>
           <a:lstStyle/>
           <a:p>
-            <a:pPr indent="-298450" lvl="0" marL="457200" rtl="0" algn="l">
+            <a:pPr marL="457200" lvl="0" indent="-298450" algn="l" rtl="0">
               <a:lnSpc>
                 <a:spcPct val="115000"/>
               </a:lnSpc>
@@ -1886,13 +1938,13 @@
               <a:buChar char="●"/>
             </a:pPr>
             <a:r>
-              <a:rPr i="1" lang="en"/>
+              <a:rPr lang="en" i="1"/>
               <a:t>Domain Knowledge:</a:t>
             </a:r>
             <a:endParaRPr i="1"/>
           </a:p>
           <a:p>
-            <a:pPr indent="-298450" lvl="1" marL="914400" rtl="0" algn="l">
+            <a:pPr marL="914400" lvl="1" indent="-298450" algn="l" rtl="0">
               <a:lnSpc>
                 <a:spcPct val="115000"/>
               </a:lnSpc>
@@ -1915,7 +1967,7 @@
             <a:endParaRPr/>
           </a:p>
           <a:p>
-            <a:pPr indent="-298450" lvl="2" marL="1371600" rtl="0" algn="l">
+            <a:pPr marL="1371600" lvl="2" indent="-298450" algn="l" rtl="0">
               <a:lnSpc>
                 <a:spcPct val="115000"/>
               </a:lnSpc>
@@ -1938,7 +1990,7 @@
             <a:endParaRPr/>
           </a:p>
           <a:p>
-            <a:pPr indent="-298450" lvl="2" marL="1371600" rtl="0" algn="l">
+            <a:pPr marL="1371600" lvl="2" indent="-298450" algn="l" rtl="0">
               <a:lnSpc>
                 <a:spcPct val="115000"/>
               </a:lnSpc>
@@ -1961,7 +2013,7 @@
             <a:endParaRPr/>
           </a:p>
           <a:p>
-            <a:pPr indent="-298450" lvl="2" marL="1371600" rtl="0" algn="l">
+            <a:pPr marL="1371600" lvl="2" indent="-298450" algn="l" rtl="0">
               <a:lnSpc>
                 <a:spcPct val="115000"/>
               </a:lnSpc>
@@ -1984,7 +2036,7 @@
             <a:endParaRPr/>
           </a:p>
           <a:p>
-            <a:pPr indent="-298450" lvl="2" marL="1371600" rtl="0" algn="l">
+            <a:pPr marL="1371600" lvl="2" indent="-298450" algn="l" rtl="0">
               <a:lnSpc>
                 <a:spcPct val="115000"/>
               </a:lnSpc>
@@ -2007,7 +2059,7 @@
             <a:endParaRPr/>
           </a:p>
           <a:p>
-            <a:pPr indent="-298450" lvl="0" marL="457200" rtl="0" algn="l">
+            <a:pPr marL="457200" lvl="0" indent="-298450" algn="l" rtl="0">
               <a:lnSpc>
                 <a:spcPct val="115000"/>
               </a:lnSpc>
@@ -2024,13 +2076,13 @@
               <a:buChar char="●"/>
             </a:pPr>
             <a:r>
-              <a:rPr i="1" lang="en"/>
+              <a:rPr lang="en" i="1"/>
               <a:t>Technical:</a:t>
             </a:r>
             <a:endParaRPr i="1"/>
           </a:p>
           <a:p>
-            <a:pPr indent="-298450" lvl="1" marL="914400" rtl="0" algn="l">
+            <a:pPr marL="914400" lvl="1" indent="-298450" algn="l" rtl="0">
               <a:lnSpc>
                 <a:spcPct val="115000"/>
               </a:lnSpc>
@@ -2053,7 +2105,7 @@
             <a:endParaRPr/>
           </a:p>
           <a:p>
-            <a:pPr indent="-298450" lvl="2" marL="1371600" rtl="0" algn="l">
+            <a:pPr marL="1371600" lvl="2" indent="-298450" algn="l" rtl="0">
               <a:lnSpc>
                 <a:spcPct val="115000"/>
               </a:lnSpc>
@@ -2076,7 +2128,7 @@
             <a:endParaRPr/>
           </a:p>
           <a:p>
-            <a:pPr indent="-298450" lvl="2" marL="1371600" rtl="0" algn="l">
+            <a:pPr marL="1371600" lvl="2" indent="-298450" algn="l" rtl="0">
               <a:lnSpc>
                 <a:spcPct val="115000"/>
               </a:lnSpc>
@@ -2099,7 +2151,7 @@
             <a:endParaRPr/>
           </a:p>
           <a:p>
-            <a:pPr indent="-298450" lvl="1" marL="914400" rtl="0" algn="l">
+            <a:pPr marL="914400" lvl="1" indent="-298450" algn="l" rtl="0">
               <a:lnSpc>
                 <a:spcPct val="115000"/>
               </a:lnSpc>
@@ -2122,7 +2174,7 @@
             <a:endParaRPr/>
           </a:p>
           <a:p>
-            <a:pPr indent="-317500" lvl="1" marL="914400" rtl="0" algn="l">
+            <a:pPr marL="914400" lvl="1" indent="-317500" algn="l" rtl="0">
               <a:lnSpc>
                 <a:spcPct val="115000"/>
               </a:lnSpc>
@@ -2138,13 +2190,10 @@
               <a:buSzPts val="1400"/>
               <a:buChar char="○"/>
             </a:pPr>
-            <a:r>
-              <a:t/>
-            </a:r>
             <a:endParaRPr/>
           </a:p>
           <a:p>
-            <a:pPr indent="-298450" lvl="0" marL="457200" rtl="0" algn="l">
+            <a:pPr marL="457200" lvl="0" indent="-298450" algn="l" rtl="0">
               <a:lnSpc>
                 <a:spcPct val="115000"/>
               </a:lnSpc>
@@ -2161,13 +2210,13 @@
               <a:buChar char="●"/>
             </a:pPr>
             <a:r>
-              <a:rPr i="1" lang="en"/>
+              <a:rPr lang="en" i="1"/>
               <a:t>Theoretical:</a:t>
             </a:r>
             <a:endParaRPr i="1"/>
           </a:p>
           <a:p>
-            <a:pPr indent="-298450" lvl="1" marL="914400" rtl="0" algn="l">
+            <a:pPr marL="914400" lvl="1" indent="-298450" algn="l" rtl="0">
               <a:lnSpc>
                 <a:spcPct val="115000"/>
               </a:lnSpc>
@@ -2190,7 +2239,7 @@
             <a:endParaRPr/>
           </a:p>
           <a:p>
-            <a:pPr indent="0" lvl="0" marL="0" rtl="0" algn="l">
+            <a:pPr marL="0" lvl="0" indent="0" algn="l" rtl="0">
               <a:spcBef>
                 <a:spcPts val="1600"/>
               </a:spcBef>
@@ -2199,9 +2248,6 @@
               </a:spcAft>
               <a:buNone/>
             </a:pPr>
-            <a:r>
-              <a:t/>
-            </a:r>
             <a:endParaRPr/>
           </a:p>
         </p:txBody>
@@ -2215,11 +2261,11 @@
 </file>
 
 <file path=ppt/notesSlides/notesSlide9.xml><?xml version="1.0" encoding="utf-8"?>
-<p:notes xmlns:a="http://schemas.openxmlformats.org/drawingml/2006/main" xmlns:r="http://schemas.openxmlformats.org/officeDocument/2006/relationships" xmlns:mc="http://schemas.openxmlformats.org/markup-compatibility/2006" xmlns:mv="urn:schemas-microsoft-com:mac:vml" xmlns:p="http://schemas.openxmlformats.org/presentationml/2006/main" xmlns:c="http://schemas.openxmlformats.org/drawingml/2006/chart" xmlns:dgm="http://schemas.openxmlformats.org/drawingml/2006/diagram" xmlns:o="urn:schemas-microsoft-com:office:office" xmlns:v="urn:schemas-microsoft-com:vml" xmlns:pvml="urn:schemas-microsoft-com:office:powerpoint" xmlns:com="http://schemas.openxmlformats.org/drawingml/2006/compatibility" xmlns:p14="http://schemas.microsoft.com/office/powerpoint/2010/main" xmlns:p15="http://schemas.microsoft.com/office/powerpoint/2012/main" showMasterPhAnim="0" showMasterSp="0">
+<p:notes xmlns:a="http://schemas.openxmlformats.org/drawingml/2006/main" xmlns:r="http://schemas.openxmlformats.org/officeDocument/2006/relationships" xmlns:p="http://schemas.openxmlformats.org/presentationml/2006/main" showMasterSp="0" showMasterPhAnim="0">
   <p:cSld>
     <p:spTree>
       <p:nvGrpSpPr>
-        <p:cNvPr id="129" name="Shape 129"/>
+        <p:cNvPr id="1" name="Shape 129"/>
         <p:cNvGrpSpPr/>
         <p:nvPr/>
       </p:nvGrpSpPr>
@@ -2234,9 +2280,11 @@
       <p:sp>
         <p:nvSpPr>
           <p:cNvPr id="130" name="Google Shape;130;g8129f280b0_0_132:notes"/>
-          <p:cNvSpPr/>
+          <p:cNvSpPr>
+            <a:spLocks noGrp="1" noRot="1" noChangeAspect="1"/>
+          </p:cNvSpPr>
           <p:nvPr>
-            <p:ph idx="2" type="sldImg"/>
+            <p:ph type="sldImg" idx="2"/>
           </p:nvPr>
         </p:nvSpPr>
         <p:spPr>
@@ -2245,9 +2293,13 @@
             <a:ext cx="6096000" cy="3429000"/>
           </a:xfrm>
           <a:custGeom>
-            <a:rect b="b" l="l" r="r" t="t"/>
+            <a:avLst/>
+            <a:gdLst/>
+            <a:ahLst/>
+            <a:cxnLst/>
+            <a:rect l="l" t="t" r="r" b="b"/>
             <a:pathLst>
-              <a:path extrusionOk="0" h="120000" w="120000">
+              <a:path w="120000" h="120000" extrusionOk="0">
                 <a:moveTo>
                   <a:pt x="0" y="0"/>
                 </a:moveTo>
@@ -2269,9 +2321,11 @@
       <p:sp>
         <p:nvSpPr>
           <p:cNvPr id="131" name="Google Shape;131;g8129f280b0_0_132:notes"/>
-          <p:cNvSpPr txBox="1"/>
+          <p:cNvSpPr txBox="1">
+            <a:spLocks noGrp="1"/>
+          </p:cNvSpPr>
           <p:nvPr>
-            <p:ph idx="1" type="body"/>
+            <p:ph type="body" idx="1"/>
           </p:nvPr>
         </p:nvSpPr>
         <p:spPr>
@@ -2284,12 +2338,12 @@
           </a:prstGeom>
         </p:spPr>
         <p:txBody>
-          <a:bodyPr anchorCtr="0" anchor="t" bIns="91425" lIns="91425" spcFirstLastPara="1" rIns="91425" wrap="square" tIns="91425">
+          <a:bodyPr spcFirstLastPara="1" wrap="square" lIns="91425" tIns="91425" rIns="91425" bIns="91425" anchor="t" anchorCtr="0">
             <a:noAutofit/>
           </a:bodyPr>
           <a:lstStyle/>
           <a:p>
-            <a:pPr indent="0" lvl="0" marL="0" rtl="0" algn="l">
+            <a:pPr marL="0" lvl="0" indent="0" algn="l" rtl="0">
               <a:lnSpc>
                 <a:spcPct val="115000"/>
               </a:lnSpc>
@@ -2308,43 +2362,7 @@
                 <a:cs typeface="Times New Roman"/>
                 <a:sym typeface="Times New Roman"/>
               </a:rPr>
-              <a:t>Having said that, there are some </a:t>
-            </a:r>
-            <a:r>
-              <a:rPr lang="en" sz="1200">
-                <a:latin typeface="Times New Roman"/>
-                <a:ea typeface="Times New Roman"/>
-                <a:cs typeface="Times New Roman"/>
-                <a:sym typeface="Times New Roman"/>
-              </a:rPr>
-              <a:t>noticeable</a:t>
-            </a:r>
-            <a:r>
-              <a:rPr lang="en" sz="1200">
-                <a:latin typeface="Times New Roman"/>
-                <a:ea typeface="Times New Roman"/>
-                <a:cs typeface="Times New Roman"/>
-                <a:sym typeface="Times New Roman"/>
-              </a:rPr>
-              <a:t> changes between the two figures. 1. The principal </a:t>
-            </a:r>
-            <a:r>
-              <a:rPr lang="en" sz="1200">
-                <a:latin typeface="Times New Roman"/>
-                <a:ea typeface="Times New Roman"/>
-                <a:cs typeface="Times New Roman"/>
-                <a:sym typeface="Times New Roman"/>
-              </a:rPr>
-              <a:t>component</a:t>
-            </a:r>
-            <a:r>
-              <a:rPr lang="en" sz="1200">
-                <a:latin typeface="Times New Roman"/>
-                <a:ea typeface="Times New Roman"/>
-                <a:cs typeface="Times New Roman"/>
-                <a:sym typeface="Times New Roman"/>
-              </a:rPr>
-              <a:t> 1 have different values. 2. The scale for both axes are different 3. More points in the replicated figure</a:t>
+              <a:t>Having said that, there are some noticeable changes between the two figures. 1. The principal component 1 have different values. 2. The scale for both axes are different 3. More points in the replicated figure</a:t>
             </a:r>
             <a:endParaRPr sz="1200">
               <a:latin typeface="Times New Roman"/>
@@ -2354,7 +2372,7 @@
             </a:endParaRPr>
           </a:p>
           <a:p>
-            <a:pPr indent="0" lvl="0" marL="0" rtl="0" algn="l">
+            <a:pPr marL="0" lvl="0" indent="0" algn="l" rtl="0">
               <a:lnSpc>
                 <a:spcPct val="115000"/>
               </a:lnSpc>
@@ -2383,7 +2401,7 @@
             </a:endParaRPr>
           </a:p>
           <a:p>
-            <a:pPr indent="0" lvl="0" marL="0" rtl="0" algn="l">
+            <a:pPr marL="0" lvl="0" indent="0" algn="l" rtl="0">
               <a:spcBef>
                 <a:spcPts val="900"/>
               </a:spcBef>
@@ -2392,9 +2410,6 @@
               </a:spcAft>
               <a:buNone/>
             </a:pPr>
-            <a:r>
-              <a:t/>
-            </a:r>
             <a:endParaRPr/>
           </a:p>
         </p:txBody>
@@ -2408,11 +2423,11 @@
 </file>
 
 <file path=ppt/slideLayouts/slideLayout1.xml><?xml version="1.0" encoding="utf-8"?>
-<p:sldLayout xmlns:a="http://schemas.openxmlformats.org/drawingml/2006/main" xmlns:r="http://schemas.openxmlformats.org/officeDocument/2006/relationships" xmlns:mc="http://schemas.openxmlformats.org/markup-compatibility/2006" xmlns:mv="urn:schemas-microsoft-com:mac:vml" xmlns:p="http://schemas.openxmlformats.org/presentationml/2006/main" xmlns:c="http://schemas.openxmlformats.org/drawingml/2006/chart" xmlns:dgm="http://schemas.openxmlformats.org/drawingml/2006/diagram" xmlns:o="urn:schemas-microsoft-com:office:office" xmlns:v="urn:schemas-microsoft-com:vml" xmlns:pvml="urn:schemas-microsoft-com:office:powerpoint" xmlns:com="http://schemas.openxmlformats.org/drawingml/2006/compatibility" xmlns:p14="http://schemas.microsoft.com/office/powerpoint/2010/main" xmlns:p15="http://schemas.microsoft.com/office/powerpoint/2012/main" matchingName="Title slide" type="title">
+<p:sldLayout xmlns:a="http://schemas.openxmlformats.org/drawingml/2006/main" xmlns:r="http://schemas.openxmlformats.org/officeDocument/2006/relationships" xmlns:p="http://schemas.openxmlformats.org/presentationml/2006/main" matchingName="Title slide" type="title">
   <p:cSld name="TITLE">
     <p:spTree>
       <p:nvGrpSpPr>
-        <p:cNvPr id="9" name="Shape 9"/>
+        <p:cNvPr id="1" name="Shape 9"/>
         <p:cNvGrpSpPr/>
         <p:nvPr/>
       </p:nvGrpSpPr>
@@ -2427,7 +2442,9 @@
       <p:sp>
         <p:nvSpPr>
           <p:cNvPr id="10" name="Google Shape;10;p2"/>
-          <p:cNvSpPr txBox="1"/>
+          <p:cNvSpPr txBox="1">
+            <a:spLocks noGrp="1"/>
+          </p:cNvSpPr>
           <p:nvPr>
             <p:ph type="ctrTitle"/>
           </p:nvPr>
@@ -2442,7 +2459,7 @@
           </a:prstGeom>
         </p:spPr>
         <p:txBody>
-          <a:bodyPr anchorCtr="0" anchor="b" bIns="91425" lIns="91425" spcFirstLastPara="1" rIns="91425" wrap="square" tIns="91425">
+          <a:bodyPr spcFirstLastPara="1" wrap="square" lIns="91425" tIns="91425" rIns="91425" bIns="91425" anchor="b" anchorCtr="0">
             <a:noAutofit/>
           </a:bodyPr>
           <a:lstStyle>
@@ -2546,15 +2563,19 @@
               <a:defRPr sz="5200"/>
             </a:lvl9pPr>
           </a:lstStyle>
-          <a:p/>
+          <a:p>
+            <a:endParaRPr/>
+          </a:p>
         </p:txBody>
       </p:sp>
       <p:sp>
         <p:nvSpPr>
           <p:cNvPr id="11" name="Google Shape;11;p2"/>
-          <p:cNvSpPr txBox="1"/>
+          <p:cNvSpPr txBox="1">
+            <a:spLocks noGrp="1"/>
+          </p:cNvSpPr>
           <p:nvPr>
-            <p:ph idx="1" type="subTitle"/>
+            <p:ph type="subTitle" idx="1"/>
           </p:nvPr>
         </p:nvSpPr>
         <p:spPr>
@@ -2567,7 +2588,7 @@
           </a:prstGeom>
         </p:spPr>
         <p:txBody>
-          <a:bodyPr anchorCtr="0" anchor="t" bIns="91425" lIns="91425" spcFirstLastPara="1" rIns="91425" wrap="square" tIns="91425">
+          <a:bodyPr spcFirstLastPara="1" wrap="square" lIns="91425" tIns="91425" rIns="91425" bIns="91425" anchor="t" anchorCtr="0">
             <a:noAutofit/>
           </a:bodyPr>
           <a:lstStyle>
@@ -2698,15 +2719,19 @@
               <a:defRPr sz="2800"/>
             </a:lvl9pPr>
           </a:lstStyle>
-          <a:p/>
+          <a:p>
+            <a:endParaRPr/>
+          </a:p>
         </p:txBody>
       </p:sp>
       <p:sp>
         <p:nvSpPr>
           <p:cNvPr id="12" name="Google Shape;12;p2"/>
-          <p:cNvSpPr txBox="1"/>
+          <p:cNvSpPr txBox="1">
+            <a:spLocks noGrp="1"/>
+          </p:cNvSpPr>
           <p:nvPr>
-            <p:ph idx="12" type="sldNum"/>
+            <p:ph type="sldNum" idx="12"/>
           </p:nvPr>
         </p:nvSpPr>
         <p:spPr>
@@ -2719,7 +2744,7 @@
           </a:prstGeom>
         </p:spPr>
         <p:txBody>
-          <a:bodyPr anchorCtr="0" anchor="ctr" bIns="91425" lIns="91425" spcFirstLastPara="1" rIns="91425" wrap="square" tIns="91425">
+          <a:bodyPr spcFirstLastPara="1" wrap="square" lIns="91425" tIns="91425" rIns="91425" bIns="91425" anchor="ctr" anchorCtr="0">
             <a:noAutofit/>
           </a:bodyPr>
           <a:lstStyle>
@@ -2761,7 +2786,7 @@
             </a:lvl9pPr>
           </a:lstStyle>
           <a:p>
-            <a:pPr indent="0" lvl="0" marL="0" rtl="0" algn="r">
+            <a:pPr marL="0" lvl="0" indent="0" algn="r" rtl="0">
               <a:spcBef>
                 <a:spcPts val="0"/>
               </a:spcBef>
@@ -2787,11 +2812,11 @@
 </file>
 
 <file path=ppt/slideLayouts/slideLayout10.xml><?xml version="1.0" encoding="utf-8"?>
-<p:sldLayout xmlns:a="http://schemas.openxmlformats.org/drawingml/2006/main" xmlns:r="http://schemas.openxmlformats.org/officeDocument/2006/relationships" xmlns:mc="http://schemas.openxmlformats.org/markup-compatibility/2006" xmlns:mv="urn:schemas-microsoft-com:mac:vml" xmlns:p="http://schemas.openxmlformats.org/presentationml/2006/main" xmlns:c="http://schemas.openxmlformats.org/drawingml/2006/chart" xmlns:dgm="http://schemas.openxmlformats.org/drawingml/2006/diagram" xmlns:o="urn:schemas-microsoft-com:office:office" xmlns:v="urn:schemas-microsoft-com:vml" xmlns:pvml="urn:schemas-microsoft-com:office:powerpoint" xmlns:com="http://schemas.openxmlformats.org/drawingml/2006/compatibility" xmlns:p14="http://schemas.microsoft.com/office/powerpoint/2010/main" xmlns:p15="http://schemas.microsoft.com/office/powerpoint/2012/main" matchingName="Big number">
+<p:sldLayout xmlns:a="http://schemas.openxmlformats.org/drawingml/2006/main" xmlns:r="http://schemas.openxmlformats.org/officeDocument/2006/relationships" xmlns:p="http://schemas.openxmlformats.org/presentationml/2006/main" matchingName="Big number">
   <p:cSld name="BIG_NUMBER">
     <p:spTree>
       <p:nvGrpSpPr>
-        <p:cNvPr id="44" name="Shape 44"/>
+        <p:cNvPr id="1" name="Shape 44"/>
         <p:cNvGrpSpPr/>
         <p:nvPr/>
       </p:nvGrpSpPr>
@@ -2806,9 +2831,11 @@
       <p:sp>
         <p:nvSpPr>
           <p:cNvPr id="45" name="Google Shape;45;p11"/>
-          <p:cNvSpPr txBox="1"/>
+          <p:cNvSpPr txBox="1">
+            <a:spLocks noGrp="1"/>
+          </p:cNvSpPr>
           <p:nvPr>
-            <p:ph hasCustomPrompt="1" type="title"/>
+            <p:ph type="title" hasCustomPrompt="1"/>
           </p:nvPr>
         </p:nvSpPr>
         <p:spPr>
@@ -2821,7 +2848,7 @@
           </a:prstGeom>
         </p:spPr>
         <p:txBody>
-          <a:bodyPr anchorCtr="0" anchor="b" bIns="91425" lIns="91425" spcFirstLastPara="1" rIns="91425" wrap="square" tIns="91425">
+          <a:bodyPr spcFirstLastPara="1" wrap="square" lIns="91425" tIns="91425" rIns="91425" bIns="91425" anchor="b" anchorCtr="0">
             <a:noAutofit/>
           </a:bodyPr>
           <a:lstStyle>
@@ -2935,9 +2962,11 @@
       <p:sp>
         <p:nvSpPr>
           <p:cNvPr id="46" name="Google Shape;46;p11"/>
-          <p:cNvSpPr txBox="1"/>
+          <p:cNvSpPr txBox="1">
+            <a:spLocks noGrp="1"/>
+          </p:cNvSpPr>
           <p:nvPr>
-            <p:ph idx="1" type="body"/>
+            <p:ph type="body" idx="1"/>
           </p:nvPr>
         </p:nvSpPr>
         <p:spPr>
@@ -2950,11 +2979,11 @@
           </a:prstGeom>
         </p:spPr>
         <p:txBody>
-          <a:bodyPr anchorCtr="0" anchor="t" bIns="91425" lIns="91425" spcFirstLastPara="1" rIns="91425" wrap="square" tIns="91425">
+          <a:bodyPr spcFirstLastPara="1" wrap="square" lIns="91425" tIns="91425" rIns="91425" bIns="91425" anchor="t" anchorCtr="0">
             <a:noAutofit/>
           </a:bodyPr>
           <a:lstStyle>
-            <a:lvl1pPr indent="-342900" lvl="0" marL="457200" algn="ctr">
+            <a:lvl1pPr marL="457200" lvl="0" indent="-342900" algn="ctr">
               <a:spcBef>
                 <a:spcPts val="0"/>
               </a:spcBef>
@@ -2965,7 +2994,7 @@
               <a:buChar char="●"/>
               <a:defRPr/>
             </a:lvl1pPr>
-            <a:lvl2pPr indent="-317500" lvl="1" marL="914400" algn="ctr">
+            <a:lvl2pPr marL="914400" lvl="1" indent="-317500" algn="ctr">
               <a:spcBef>
                 <a:spcPts val="1600"/>
               </a:spcBef>
@@ -2976,7 +3005,7 @@
               <a:buChar char="○"/>
               <a:defRPr/>
             </a:lvl2pPr>
-            <a:lvl3pPr indent="-317500" lvl="2" marL="1371600" algn="ctr">
+            <a:lvl3pPr marL="1371600" lvl="2" indent="-317500" algn="ctr">
               <a:spcBef>
                 <a:spcPts val="1600"/>
               </a:spcBef>
@@ -2987,7 +3016,7 @@
               <a:buChar char="■"/>
               <a:defRPr/>
             </a:lvl3pPr>
-            <a:lvl4pPr indent="-317500" lvl="3" marL="1828800" algn="ctr">
+            <a:lvl4pPr marL="1828800" lvl="3" indent="-317500" algn="ctr">
               <a:spcBef>
                 <a:spcPts val="1600"/>
               </a:spcBef>
@@ -2998,7 +3027,7 @@
               <a:buChar char="●"/>
               <a:defRPr/>
             </a:lvl4pPr>
-            <a:lvl5pPr indent="-317500" lvl="4" marL="2286000" algn="ctr">
+            <a:lvl5pPr marL="2286000" lvl="4" indent="-317500" algn="ctr">
               <a:spcBef>
                 <a:spcPts val="1600"/>
               </a:spcBef>
@@ -3009,7 +3038,7 @@
               <a:buChar char="○"/>
               <a:defRPr/>
             </a:lvl5pPr>
-            <a:lvl6pPr indent="-317500" lvl="5" marL="2743200" algn="ctr">
+            <a:lvl6pPr marL="2743200" lvl="5" indent="-317500" algn="ctr">
               <a:spcBef>
                 <a:spcPts val="1600"/>
               </a:spcBef>
@@ -3020,7 +3049,7 @@
               <a:buChar char="■"/>
               <a:defRPr/>
             </a:lvl6pPr>
-            <a:lvl7pPr indent="-317500" lvl="6" marL="3200400" algn="ctr">
+            <a:lvl7pPr marL="3200400" lvl="6" indent="-317500" algn="ctr">
               <a:spcBef>
                 <a:spcPts val="1600"/>
               </a:spcBef>
@@ -3031,7 +3060,7 @@
               <a:buChar char="●"/>
               <a:defRPr/>
             </a:lvl7pPr>
-            <a:lvl8pPr indent="-317500" lvl="7" marL="3657600" algn="ctr">
+            <a:lvl8pPr marL="3657600" lvl="7" indent="-317500" algn="ctr">
               <a:spcBef>
                 <a:spcPts val="1600"/>
               </a:spcBef>
@@ -3042,7 +3071,7 @@
               <a:buChar char="○"/>
               <a:defRPr/>
             </a:lvl8pPr>
-            <a:lvl9pPr indent="-317500" lvl="8" marL="4114800" algn="ctr">
+            <a:lvl9pPr marL="4114800" lvl="8" indent="-317500" algn="ctr">
               <a:spcBef>
                 <a:spcPts val="1600"/>
               </a:spcBef>
@@ -3054,15 +3083,19 @@
               <a:defRPr/>
             </a:lvl9pPr>
           </a:lstStyle>
-          <a:p/>
+          <a:p>
+            <a:endParaRPr/>
+          </a:p>
         </p:txBody>
       </p:sp>
       <p:sp>
         <p:nvSpPr>
           <p:cNvPr id="47" name="Google Shape;47;p11"/>
-          <p:cNvSpPr txBox="1"/>
+          <p:cNvSpPr txBox="1">
+            <a:spLocks noGrp="1"/>
+          </p:cNvSpPr>
           <p:nvPr>
-            <p:ph idx="12" type="sldNum"/>
+            <p:ph type="sldNum" idx="12"/>
           </p:nvPr>
         </p:nvSpPr>
         <p:spPr>
@@ -3075,7 +3108,7 @@
           </a:prstGeom>
         </p:spPr>
         <p:txBody>
-          <a:bodyPr anchorCtr="0" anchor="ctr" bIns="91425" lIns="91425" spcFirstLastPara="1" rIns="91425" wrap="square" tIns="91425">
+          <a:bodyPr spcFirstLastPara="1" wrap="square" lIns="91425" tIns="91425" rIns="91425" bIns="91425" anchor="ctr" anchorCtr="0">
             <a:noAutofit/>
           </a:bodyPr>
           <a:lstStyle>
@@ -3117,7 +3150,7 @@
             </a:lvl9pPr>
           </a:lstStyle>
           <a:p>
-            <a:pPr indent="0" lvl="0" marL="0" rtl="0" algn="r">
+            <a:pPr marL="0" lvl="0" indent="0" algn="r" rtl="0">
               <a:spcBef>
                 <a:spcPts val="0"/>
               </a:spcBef>
@@ -3143,11 +3176,11 @@
 </file>
 
 <file path=ppt/slideLayouts/slideLayout11.xml><?xml version="1.0" encoding="utf-8"?>
-<p:sldLayout xmlns:a="http://schemas.openxmlformats.org/drawingml/2006/main" xmlns:r="http://schemas.openxmlformats.org/officeDocument/2006/relationships" xmlns:mc="http://schemas.openxmlformats.org/markup-compatibility/2006" xmlns:mv="urn:schemas-microsoft-com:mac:vml" xmlns:p="http://schemas.openxmlformats.org/presentationml/2006/main" xmlns:c="http://schemas.openxmlformats.org/drawingml/2006/chart" xmlns:dgm="http://schemas.openxmlformats.org/drawingml/2006/diagram" xmlns:o="urn:schemas-microsoft-com:office:office" xmlns:v="urn:schemas-microsoft-com:vml" xmlns:pvml="urn:schemas-microsoft-com:office:powerpoint" xmlns:com="http://schemas.openxmlformats.org/drawingml/2006/compatibility" xmlns:p14="http://schemas.microsoft.com/office/powerpoint/2010/main" xmlns:p15="http://schemas.microsoft.com/office/powerpoint/2012/main" matchingName="Blank" type="blank">
+<p:sldLayout xmlns:a="http://schemas.openxmlformats.org/drawingml/2006/main" xmlns:r="http://schemas.openxmlformats.org/officeDocument/2006/relationships" xmlns:p="http://schemas.openxmlformats.org/presentationml/2006/main" matchingName="Blank" type="blank">
   <p:cSld name="BLANK">
     <p:spTree>
       <p:nvGrpSpPr>
-        <p:cNvPr id="48" name="Shape 48"/>
+        <p:cNvPr id="1" name="Shape 48"/>
         <p:cNvGrpSpPr/>
         <p:nvPr/>
       </p:nvGrpSpPr>
@@ -3162,9 +3195,11 @@
       <p:sp>
         <p:nvSpPr>
           <p:cNvPr id="49" name="Google Shape;49;p12"/>
-          <p:cNvSpPr txBox="1"/>
+          <p:cNvSpPr txBox="1">
+            <a:spLocks noGrp="1"/>
+          </p:cNvSpPr>
           <p:nvPr>
-            <p:ph idx="12" type="sldNum"/>
+            <p:ph type="sldNum" idx="12"/>
           </p:nvPr>
         </p:nvSpPr>
         <p:spPr>
@@ -3177,7 +3212,7 @@
           </a:prstGeom>
         </p:spPr>
         <p:txBody>
-          <a:bodyPr anchorCtr="0" anchor="ctr" bIns="91425" lIns="91425" spcFirstLastPara="1" rIns="91425" wrap="square" tIns="91425">
+          <a:bodyPr spcFirstLastPara="1" wrap="square" lIns="91425" tIns="91425" rIns="91425" bIns="91425" anchor="ctr" anchorCtr="0">
             <a:noAutofit/>
           </a:bodyPr>
           <a:lstStyle>
@@ -3219,7 +3254,7 @@
             </a:lvl9pPr>
           </a:lstStyle>
           <a:p>
-            <a:pPr indent="0" lvl="0" marL="0" rtl="0" algn="r">
+            <a:pPr marL="0" lvl="0" indent="0" algn="r" rtl="0">
               <a:spcBef>
                 <a:spcPts val="0"/>
               </a:spcBef>
@@ -3245,11 +3280,11 @@
 </file>
 
 <file path=ppt/slideLayouts/slideLayout2.xml><?xml version="1.0" encoding="utf-8"?>
-<p:sldLayout xmlns:a="http://schemas.openxmlformats.org/drawingml/2006/main" xmlns:r="http://schemas.openxmlformats.org/officeDocument/2006/relationships" xmlns:mc="http://schemas.openxmlformats.org/markup-compatibility/2006" xmlns:mv="urn:schemas-microsoft-com:mac:vml" xmlns:p="http://schemas.openxmlformats.org/presentationml/2006/main" xmlns:c="http://schemas.openxmlformats.org/drawingml/2006/chart" xmlns:dgm="http://schemas.openxmlformats.org/drawingml/2006/diagram" xmlns:o="urn:schemas-microsoft-com:office:office" xmlns:v="urn:schemas-microsoft-com:vml" xmlns:pvml="urn:schemas-microsoft-com:office:powerpoint" xmlns:com="http://schemas.openxmlformats.org/drawingml/2006/compatibility" xmlns:p14="http://schemas.microsoft.com/office/powerpoint/2010/main" xmlns:p15="http://schemas.microsoft.com/office/powerpoint/2012/main" matchingName="Section header" type="secHead">
+<p:sldLayout xmlns:a="http://schemas.openxmlformats.org/drawingml/2006/main" xmlns:r="http://schemas.openxmlformats.org/officeDocument/2006/relationships" xmlns:p="http://schemas.openxmlformats.org/presentationml/2006/main" matchingName="Section header" type="secHead">
   <p:cSld name="SECTION_HEADER">
     <p:spTree>
       <p:nvGrpSpPr>
-        <p:cNvPr id="13" name="Shape 13"/>
+        <p:cNvPr id="1" name="Shape 13"/>
         <p:cNvGrpSpPr/>
         <p:nvPr/>
       </p:nvGrpSpPr>
@@ -3264,7 +3299,9 @@
       <p:sp>
         <p:nvSpPr>
           <p:cNvPr id="14" name="Google Shape;14;p3"/>
-          <p:cNvSpPr txBox="1"/>
+          <p:cNvSpPr txBox="1">
+            <a:spLocks noGrp="1"/>
+          </p:cNvSpPr>
           <p:nvPr>
             <p:ph type="title"/>
           </p:nvPr>
@@ -3279,7 +3316,7 @@
           </a:prstGeom>
         </p:spPr>
         <p:txBody>
-          <a:bodyPr anchorCtr="0" anchor="ctr" bIns="91425" lIns="91425" spcFirstLastPara="1" rIns="91425" wrap="square" tIns="91425">
+          <a:bodyPr spcFirstLastPara="1" wrap="square" lIns="91425" tIns="91425" rIns="91425" bIns="91425" anchor="ctr" anchorCtr="0">
             <a:noAutofit/>
           </a:bodyPr>
           <a:lstStyle>
@@ -3383,15 +3420,19 @@
               <a:defRPr sz="3600"/>
             </a:lvl9pPr>
           </a:lstStyle>
-          <a:p/>
+          <a:p>
+            <a:endParaRPr/>
+          </a:p>
         </p:txBody>
       </p:sp>
       <p:sp>
         <p:nvSpPr>
           <p:cNvPr id="15" name="Google Shape;15;p3"/>
-          <p:cNvSpPr txBox="1"/>
+          <p:cNvSpPr txBox="1">
+            <a:spLocks noGrp="1"/>
+          </p:cNvSpPr>
           <p:nvPr>
-            <p:ph idx="12" type="sldNum"/>
+            <p:ph type="sldNum" idx="12"/>
           </p:nvPr>
         </p:nvSpPr>
         <p:spPr>
@@ -3404,7 +3445,7 @@
           </a:prstGeom>
         </p:spPr>
         <p:txBody>
-          <a:bodyPr anchorCtr="0" anchor="ctr" bIns="91425" lIns="91425" spcFirstLastPara="1" rIns="91425" wrap="square" tIns="91425">
+          <a:bodyPr spcFirstLastPara="1" wrap="square" lIns="91425" tIns="91425" rIns="91425" bIns="91425" anchor="ctr" anchorCtr="0">
             <a:noAutofit/>
           </a:bodyPr>
           <a:lstStyle>
@@ -3446,7 +3487,7 @@
             </a:lvl9pPr>
           </a:lstStyle>
           <a:p>
-            <a:pPr indent="0" lvl="0" marL="0" rtl="0" algn="r">
+            <a:pPr marL="0" lvl="0" indent="0" algn="r" rtl="0">
               <a:spcBef>
                 <a:spcPts val="0"/>
               </a:spcBef>
@@ -3472,11 +3513,11 @@
 </file>
 
 <file path=ppt/slideLayouts/slideLayout3.xml><?xml version="1.0" encoding="utf-8"?>
-<p:sldLayout xmlns:a="http://schemas.openxmlformats.org/drawingml/2006/main" xmlns:r="http://schemas.openxmlformats.org/officeDocument/2006/relationships" xmlns:mc="http://schemas.openxmlformats.org/markup-compatibility/2006" xmlns:mv="urn:schemas-microsoft-com:mac:vml" xmlns:p="http://schemas.openxmlformats.org/presentationml/2006/main" xmlns:c="http://schemas.openxmlformats.org/drawingml/2006/chart" xmlns:dgm="http://schemas.openxmlformats.org/drawingml/2006/diagram" xmlns:o="urn:schemas-microsoft-com:office:office" xmlns:v="urn:schemas-microsoft-com:vml" xmlns:pvml="urn:schemas-microsoft-com:office:powerpoint" xmlns:com="http://schemas.openxmlformats.org/drawingml/2006/compatibility" xmlns:p14="http://schemas.microsoft.com/office/powerpoint/2010/main" xmlns:p15="http://schemas.microsoft.com/office/powerpoint/2012/main" matchingName="Title and body" type="tx">
+<p:sldLayout xmlns:a="http://schemas.openxmlformats.org/drawingml/2006/main" xmlns:r="http://schemas.openxmlformats.org/officeDocument/2006/relationships" xmlns:p="http://schemas.openxmlformats.org/presentationml/2006/main" matchingName="Title and body" type="tx">
   <p:cSld name="TITLE_AND_BODY">
     <p:spTree>
       <p:nvGrpSpPr>
-        <p:cNvPr id="16" name="Shape 16"/>
+        <p:cNvPr id="1" name="Shape 16"/>
         <p:cNvGrpSpPr/>
         <p:nvPr/>
       </p:nvGrpSpPr>
@@ -3491,7 +3532,9 @@
       <p:sp>
         <p:nvSpPr>
           <p:cNvPr id="17" name="Google Shape;17;p4"/>
-          <p:cNvSpPr txBox="1"/>
+          <p:cNvSpPr txBox="1">
+            <a:spLocks noGrp="1"/>
+          </p:cNvSpPr>
           <p:nvPr>
             <p:ph type="title"/>
           </p:nvPr>
@@ -3506,7 +3549,7 @@
           </a:prstGeom>
         </p:spPr>
         <p:txBody>
-          <a:bodyPr anchorCtr="0" anchor="t" bIns="91425" lIns="91425" spcFirstLastPara="1" rIns="91425" wrap="square" tIns="91425">
+          <a:bodyPr spcFirstLastPara="1" wrap="square" lIns="91425" tIns="91425" rIns="91425" bIns="91425" anchor="t" anchorCtr="0">
             <a:noAutofit/>
           </a:bodyPr>
           <a:lstStyle>
@@ -3610,15 +3653,19 @@
               <a:defRPr/>
             </a:lvl9pPr>
           </a:lstStyle>
-          <a:p/>
+          <a:p>
+            <a:endParaRPr/>
+          </a:p>
         </p:txBody>
       </p:sp>
       <p:sp>
         <p:nvSpPr>
           <p:cNvPr id="18" name="Google Shape;18;p4"/>
-          <p:cNvSpPr txBox="1"/>
+          <p:cNvSpPr txBox="1">
+            <a:spLocks noGrp="1"/>
+          </p:cNvSpPr>
           <p:nvPr>
-            <p:ph idx="1" type="body"/>
+            <p:ph type="body" idx="1"/>
           </p:nvPr>
         </p:nvSpPr>
         <p:spPr>
@@ -3631,11 +3678,11 @@
           </a:prstGeom>
         </p:spPr>
         <p:txBody>
-          <a:bodyPr anchorCtr="0" anchor="t" bIns="91425" lIns="91425" spcFirstLastPara="1" rIns="91425" wrap="square" tIns="91425">
+          <a:bodyPr spcFirstLastPara="1" wrap="square" lIns="91425" tIns="91425" rIns="91425" bIns="91425" anchor="t" anchorCtr="0">
             <a:noAutofit/>
           </a:bodyPr>
           <a:lstStyle>
-            <a:lvl1pPr indent="-342900" lvl="0" marL="457200">
+            <a:lvl1pPr marL="457200" lvl="0" indent="-342900">
               <a:spcBef>
                 <a:spcPts val="0"/>
               </a:spcBef>
@@ -3646,7 +3693,7 @@
               <a:buChar char="●"/>
               <a:defRPr/>
             </a:lvl1pPr>
-            <a:lvl2pPr indent="-317500" lvl="1" marL="914400">
+            <a:lvl2pPr marL="914400" lvl="1" indent="-317500">
               <a:spcBef>
                 <a:spcPts val="1600"/>
               </a:spcBef>
@@ -3657,7 +3704,7 @@
               <a:buChar char="○"/>
               <a:defRPr/>
             </a:lvl2pPr>
-            <a:lvl3pPr indent="-317500" lvl="2" marL="1371600">
+            <a:lvl3pPr marL="1371600" lvl="2" indent="-317500">
               <a:spcBef>
                 <a:spcPts val="1600"/>
               </a:spcBef>
@@ -3668,7 +3715,7 @@
               <a:buChar char="■"/>
               <a:defRPr/>
             </a:lvl3pPr>
-            <a:lvl4pPr indent="-317500" lvl="3" marL="1828800">
+            <a:lvl4pPr marL="1828800" lvl="3" indent="-317500">
               <a:spcBef>
                 <a:spcPts val="1600"/>
               </a:spcBef>
@@ -3679,7 +3726,7 @@
               <a:buChar char="●"/>
               <a:defRPr/>
             </a:lvl4pPr>
-            <a:lvl5pPr indent="-317500" lvl="4" marL="2286000">
+            <a:lvl5pPr marL="2286000" lvl="4" indent="-317500">
               <a:spcBef>
                 <a:spcPts val="1600"/>
               </a:spcBef>
@@ -3690,7 +3737,7 @@
               <a:buChar char="○"/>
               <a:defRPr/>
             </a:lvl5pPr>
-            <a:lvl6pPr indent="-317500" lvl="5" marL="2743200">
+            <a:lvl6pPr marL="2743200" lvl="5" indent="-317500">
               <a:spcBef>
                 <a:spcPts val="1600"/>
               </a:spcBef>
@@ -3701,7 +3748,7 @@
               <a:buChar char="■"/>
               <a:defRPr/>
             </a:lvl6pPr>
-            <a:lvl7pPr indent="-317500" lvl="6" marL="3200400">
+            <a:lvl7pPr marL="3200400" lvl="6" indent="-317500">
               <a:spcBef>
                 <a:spcPts val="1600"/>
               </a:spcBef>
@@ -3712,7 +3759,7 @@
               <a:buChar char="●"/>
               <a:defRPr/>
             </a:lvl7pPr>
-            <a:lvl8pPr indent="-317500" lvl="7" marL="3657600">
+            <a:lvl8pPr marL="3657600" lvl="7" indent="-317500">
               <a:spcBef>
                 <a:spcPts val="1600"/>
               </a:spcBef>
@@ -3723,7 +3770,7 @@
               <a:buChar char="○"/>
               <a:defRPr/>
             </a:lvl8pPr>
-            <a:lvl9pPr indent="-317500" lvl="8" marL="4114800">
+            <a:lvl9pPr marL="4114800" lvl="8" indent="-317500">
               <a:spcBef>
                 <a:spcPts val="1600"/>
               </a:spcBef>
@@ -3735,15 +3782,19 @@
               <a:defRPr/>
             </a:lvl9pPr>
           </a:lstStyle>
-          <a:p/>
+          <a:p>
+            <a:endParaRPr/>
+          </a:p>
         </p:txBody>
       </p:sp>
       <p:sp>
         <p:nvSpPr>
           <p:cNvPr id="19" name="Google Shape;19;p4"/>
-          <p:cNvSpPr txBox="1"/>
+          <p:cNvSpPr txBox="1">
+            <a:spLocks noGrp="1"/>
+          </p:cNvSpPr>
           <p:nvPr>
-            <p:ph idx="12" type="sldNum"/>
+            <p:ph type="sldNum" idx="12"/>
           </p:nvPr>
         </p:nvSpPr>
         <p:spPr>
@@ -3756,7 +3807,7 @@
           </a:prstGeom>
         </p:spPr>
         <p:txBody>
-          <a:bodyPr anchorCtr="0" anchor="ctr" bIns="91425" lIns="91425" spcFirstLastPara="1" rIns="91425" wrap="square" tIns="91425">
+          <a:bodyPr spcFirstLastPara="1" wrap="square" lIns="91425" tIns="91425" rIns="91425" bIns="91425" anchor="ctr" anchorCtr="0">
             <a:noAutofit/>
           </a:bodyPr>
           <a:lstStyle>
@@ -3798,7 +3849,7 @@
             </a:lvl9pPr>
           </a:lstStyle>
           <a:p>
-            <a:pPr indent="0" lvl="0" marL="0" rtl="0" algn="r">
+            <a:pPr marL="0" lvl="0" indent="0" algn="r" rtl="0">
               <a:spcBef>
                 <a:spcPts val="0"/>
               </a:spcBef>
@@ -3824,11 +3875,11 @@
 </file>
 
 <file path=ppt/slideLayouts/slideLayout4.xml><?xml version="1.0" encoding="utf-8"?>
-<p:sldLayout xmlns:a="http://schemas.openxmlformats.org/drawingml/2006/main" xmlns:r="http://schemas.openxmlformats.org/officeDocument/2006/relationships" xmlns:mc="http://schemas.openxmlformats.org/markup-compatibility/2006" xmlns:mv="urn:schemas-microsoft-com:mac:vml" xmlns:p="http://schemas.openxmlformats.org/presentationml/2006/main" xmlns:c="http://schemas.openxmlformats.org/drawingml/2006/chart" xmlns:dgm="http://schemas.openxmlformats.org/drawingml/2006/diagram" xmlns:o="urn:schemas-microsoft-com:office:office" xmlns:v="urn:schemas-microsoft-com:vml" xmlns:pvml="urn:schemas-microsoft-com:office:powerpoint" xmlns:com="http://schemas.openxmlformats.org/drawingml/2006/compatibility" xmlns:p14="http://schemas.microsoft.com/office/powerpoint/2010/main" xmlns:p15="http://schemas.microsoft.com/office/powerpoint/2012/main" matchingName="Title and two columns" type="twoColTx">
+<p:sldLayout xmlns:a="http://schemas.openxmlformats.org/drawingml/2006/main" xmlns:r="http://schemas.openxmlformats.org/officeDocument/2006/relationships" xmlns:p="http://schemas.openxmlformats.org/presentationml/2006/main" matchingName="Title and two columns" type="twoColTx">
   <p:cSld name="TITLE_AND_TWO_COLUMNS">
     <p:spTree>
       <p:nvGrpSpPr>
-        <p:cNvPr id="20" name="Shape 20"/>
+        <p:cNvPr id="1" name="Shape 20"/>
         <p:cNvGrpSpPr/>
         <p:nvPr/>
       </p:nvGrpSpPr>
@@ -3843,7 +3894,9 @@
       <p:sp>
         <p:nvSpPr>
           <p:cNvPr id="21" name="Google Shape;21;p5"/>
-          <p:cNvSpPr txBox="1"/>
+          <p:cNvSpPr txBox="1">
+            <a:spLocks noGrp="1"/>
+          </p:cNvSpPr>
           <p:nvPr>
             <p:ph type="title"/>
           </p:nvPr>
@@ -3858,7 +3911,7 @@
           </a:prstGeom>
         </p:spPr>
         <p:txBody>
-          <a:bodyPr anchorCtr="0" anchor="t" bIns="91425" lIns="91425" spcFirstLastPara="1" rIns="91425" wrap="square" tIns="91425">
+          <a:bodyPr spcFirstLastPara="1" wrap="square" lIns="91425" tIns="91425" rIns="91425" bIns="91425" anchor="t" anchorCtr="0">
             <a:noAutofit/>
           </a:bodyPr>
           <a:lstStyle>
@@ -3962,15 +4015,19 @@
               <a:defRPr/>
             </a:lvl9pPr>
           </a:lstStyle>
-          <a:p/>
+          <a:p>
+            <a:endParaRPr/>
+          </a:p>
         </p:txBody>
       </p:sp>
       <p:sp>
         <p:nvSpPr>
           <p:cNvPr id="22" name="Google Shape;22;p5"/>
-          <p:cNvSpPr txBox="1"/>
+          <p:cNvSpPr txBox="1">
+            <a:spLocks noGrp="1"/>
+          </p:cNvSpPr>
           <p:nvPr>
-            <p:ph idx="1" type="body"/>
+            <p:ph type="body" idx="1"/>
           </p:nvPr>
         </p:nvSpPr>
         <p:spPr>
@@ -3983,11 +4040,11 @@
           </a:prstGeom>
         </p:spPr>
         <p:txBody>
-          <a:bodyPr anchorCtr="0" anchor="t" bIns="91425" lIns="91425" spcFirstLastPara="1" rIns="91425" wrap="square" tIns="91425">
+          <a:bodyPr spcFirstLastPara="1" wrap="square" lIns="91425" tIns="91425" rIns="91425" bIns="91425" anchor="t" anchorCtr="0">
             <a:noAutofit/>
           </a:bodyPr>
           <a:lstStyle>
-            <a:lvl1pPr indent="-317500" lvl="0" marL="457200">
+            <a:lvl1pPr marL="457200" lvl="0" indent="-317500">
               <a:spcBef>
                 <a:spcPts val="0"/>
               </a:spcBef>
@@ -3998,7 +4055,7 @@
               <a:buChar char="●"/>
               <a:defRPr sz="1400"/>
             </a:lvl1pPr>
-            <a:lvl2pPr indent="-304800" lvl="1" marL="914400">
+            <a:lvl2pPr marL="914400" lvl="1" indent="-304800">
               <a:spcBef>
                 <a:spcPts val="1600"/>
               </a:spcBef>
@@ -4009,7 +4066,7 @@
               <a:buChar char="○"/>
               <a:defRPr sz="1200"/>
             </a:lvl2pPr>
-            <a:lvl3pPr indent="-304800" lvl="2" marL="1371600">
+            <a:lvl3pPr marL="1371600" lvl="2" indent="-304800">
               <a:spcBef>
                 <a:spcPts val="1600"/>
               </a:spcBef>
@@ -4020,7 +4077,7 @@
               <a:buChar char="■"/>
               <a:defRPr sz="1200"/>
             </a:lvl3pPr>
-            <a:lvl4pPr indent="-304800" lvl="3" marL="1828800">
+            <a:lvl4pPr marL="1828800" lvl="3" indent="-304800">
               <a:spcBef>
                 <a:spcPts val="1600"/>
               </a:spcBef>
@@ -4031,7 +4088,7 @@
               <a:buChar char="●"/>
               <a:defRPr sz="1200"/>
             </a:lvl4pPr>
-            <a:lvl5pPr indent="-304800" lvl="4" marL="2286000">
+            <a:lvl5pPr marL="2286000" lvl="4" indent="-304800">
               <a:spcBef>
                 <a:spcPts val="1600"/>
               </a:spcBef>
@@ -4042,7 +4099,7 @@
               <a:buChar char="○"/>
               <a:defRPr sz="1200"/>
             </a:lvl5pPr>
-            <a:lvl6pPr indent="-304800" lvl="5" marL="2743200">
+            <a:lvl6pPr marL="2743200" lvl="5" indent="-304800">
               <a:spcBef>
                 <a:spcPts val="1600"/>
               </a:spcBef>
@@ -4053,7 +4110,7 @@
               <a:buChar char="■"/>
               <a:defRPr sz="1200"/>
             </a:lvl6pPr>
-            <a:lvl7pPr indent="-304800" lvl="6" marL="3200400">
+            <a:lvl7pPr marL="3200400" lvl="6" indent="-304800">
               <a:spcBef>
                 <a:spcPts val="1600"/>
               </a:spcBef>
@@ -4064,7 +4121,7 @@
               <a:buChar char="●"/>
               <a:defRPr sz="1200"/>
             </a:lvl7pPr>
-            <a:lvl8pPr indent="-304800" lvl="7" marL="3657600">
+            <a:lvl8pPr marL="3657600" lvl="7" indent="-304800">
               <a:spcBef>
                 <a:spcPts val="1600"/>
               </a:spcBef>
@@ -4075,7 +4132,7 @@
               <a:buChar char="○"/>
               <a:defRPr sz="1200"/>
             </a:lvl8pPr>
-            <a:lvl9pPr indent="-304800" lvl="8" marL="4114800">
+            <a:lvl9pPr marL="4114800" lvl="8" indent="-304800">
               <a:spcBef>
                 <a:spcPts val="1600"/>
               </a:spcBef>
@@ -4087,15 +4144,19 @@
               <a:defRPr sz="1200"/>
             </a:lvl9pPr>
           </a:lstStyle>
-          <a:p/>
+          <a:p>
+            <a:endParaRPr/>
+          </a:p>
         </p:txBody>
       </p:sp>
       <p:sp>
         <p:nvSpPr>
           <p:cNvPr id="23" name="Google Shape;23;p5"/>
-          <p:cNvSpPr txBox="1"/>
+          <p:cNvSpPr txBox="1">
+            <a:spLocks noGrp="1"/>
+          </p:cNvSpPr>
           <p:nvPr>
-            <p:ph idx="2" type="body"/>
+            <p:ph type="body" idx="2"/>
           </p:nvPr>
         </p:nvSpPr>
         <p:spPr>
@@ -4108,11 +4169,11 @@
           </a:prstGeom>
         </p:spPr>
         <p:txBody>
-          <a:bodyPr anchorCtr="0" anchor="t" bIns="91425" lIns="91425" spcFirstLastPara="1" rIns="91425" wrap="square" tIns="91425">
+          <a:bodyPr spcFirstLastPara="1" wrap="square" lIns="91425" tIns="91425" rIns="91425" bIns="91425" anchor="t" anchorCtr="0">
             <a:noAutofit/>
           </a:bodyPr>
           <a:lstStyle>
-            <a:lvl1pPr indent="-317500" lvl="0" marL="457200">
+            <a:lvl1pPr marL="457200" lvl="0" indent="-317500">
               <a:spcBef>
                 <a:spcPts val="0"/>
               </a:spcBef>
@@ -4123,7 +4184,7 @@
               <a:buChar char="●"/>
               <a:defRPr sz="1400"/>
             </a:lvl1pPr>
-            <a:lvl2pPr indent="-304800" lvl="1" marL="914400">
+            <a:lvl2pPr marL="914400" lvl="1" indent="-304800">
               <a:spcBef>
                 <a:spcPts val="1600"/>
               </a:spcBef>
@@ -4134,7 +4195,7 @@
               <a:buChar char="○"/>
               <a:defRPr sz="1200"/>
             </a:lvl2pPr>
-            <a:lvl3pPr indent="-304800" lvl="2" marL="1371600">
+            <a:lvl3pPr marL="1371600" lvl="2" indent="-304800">
               <a:spcBef>
                 <a:spcPts val="1600"/>
               </a:spcBef>
@@ -4145,7 +4206,7 @@
               <a:buChar char="■"/>
               <a:defRPr sz="1200"/>
             </a:lvl3pPr>
-            <a:lvl4pPr indent="-304800" lvl="3" marL="1828800">
+            <a:lvl4pPr marL="1828800" lvl="3" indent="-304800">
               <a:spcBef>
                 <a:spcPts val="1600"/>
               </a:spcBef>
@@ -4156,7 +4217,7 @@
               <a:buChar char="●"/>
               <a:defRPr sz="1200"/>
             </a:lvl4pPr>
-            <a:lvl5pPr indent="-304800" lvl="4" marL="2286000">
+            <a:lvl5pPr marL="2286000" lvl="4" indent="-304800">
               <a:spcBef>
                 <a:spcPts val="1600"/>
               </a:spcBef>
@@ -4167,7 +4228,7 @@
               <a:buChar char="○"/>
               <a:defRPr sz="1200"/>
             </a:lvl5pPr>
-            <a:lvl6pPr indent="-304800" lvl="5" marL="2743200">
+            <a:lvl6pPr marL="2743200" lvl="5" indent="-304800">
               <a:spcBef>
                 <a:spcPts val="1600"/>
               </a:spcBef>
@@ -4178,7 +4239,7 @@
               <a:buChar char="■"/>
               <a:defRPr sz="1200"/>
             </a:lvl6pPr>
-            <a:lvl7pPr indent="-304800" lvl="6" marL="3200400">
+            <a:lvl7pPr marL="3200400" lvl="6" indent="-304800">
               <a:spcBef>
                 <a:spcPts val="1600"/>
               </a:spcBef>
@@ -4189,7 +4250,7 @@
               <a:buChar char="●"/>
               <a:defRPr sz="1200"/>
             </a:lvl7pPr>
-            <a:lvl8pPr indent="-304800" lvl="7" marL="3657600">
+            <a:lvl8pPr marL="3657600" lvl="7" indent="-304800">
               <a:spcBef>
                 <a:spcPts val="1600"/>
               </a:spcBef>
@@ -4200,7 +4261,7 @@
               <a:buChar char="○"/>
               <a:defRPr sz="1200"/>
             </a:lvl8pPr>
-            <a:lvl9pPr indent="-304800" lvl="8" marL="4114800">
+            <a:lvl9pPr marL="4114800" lvl="8" indent="-304800">
               <a:spcBef>
                 <a:spcPts val="1600"/>
               </a:spcBef>
@@ -4212,15 +4273,19 @@
               <a:defRPr sz="1200"/>
             </a:lvl9pPr>
           </a:lstStyle>
-          <a:p/>
+          <a:p>
+            <a:endParaRPr/>
+          </a:p>
         </p:txBody>
       </p:sp>
       <p:sp>
         <p:nvSpPr>
           <p:cNvPr id="24" name="Google Shape;24;p5"/>
-          <p:cNvSpPr txBox="1"/>
+          <p:cNvSpPr txBox="1">
+            <a:spLocks noGrp="1"/>
+          </p:cNvSpPr>
           <p:nvPr>
-            <p:ph idx="12" type="sldNum"/>
+            <p:ph type="sldNum" idx="12"/>
           </p:nvPr>
         </p:nvSpPr>
         <p:spPr>
@@ -4233,7 +4298,7 @@
           </a:prstGeom>
         </p:spPr>
         <p:txBody>
-          <a:bodyPr anchorCtr="0" anchor="ctr" bIns="91425" lIns="91425" spcFirstLastPara="1" rIns="91425" wrap="square" tIns="91425">
+          <a:bodyPr spcFirstLastPara="1" wrap="square" lIns="91425" tIns="91425" rIns="91425" bIns="91425" anchor="ctr" anchorCtr="0">
             <a:noAutofit/>
           </a:bodyPr>
           <a:lstStyle>
@@ -4275,7 +4340,7 @@
             </a:lvl9pPr>
           </a:lstStyle>
           <a:p>
-            <a:pPr indent="0" lvl="0" marL="0" rtl="0" algn="r">
+            <a:pPr marL="0" lvl="0" indent="0" algn="r" rtl="0">
               <a:spcBef>
                 <a:spcPts val="0"/>
               </a:spcBef>
@@ -4301,11 +4366,11 @@
 </file>
 
 <file path=ppt/slideLayouts/slideLayout5.xml><?xml version="1.0" encoding="utf-8"?>
-<p:sldLayout xmlns:a="http://schemas.openxmlformats.org/drawingml/2006/main" xmlns:r="http://schemas.openxmlformats.org/officeDocument/2006/relationships" xmlns:mc="http://schemas.openxmlformats.org/markup-compatibility/2006" xmlns:mv="urn:schemas-microsoft-com:mac:vml" xmlns:p="http://schemas.openxmlformats.org/presentationml/2006/main" xmlns:c="http://schemas.openxmlformats.org/drawingml/2006/chart" xmlns:dgm="http://schemas.openxmlformats.org/drawingml/2006/diagram" xmlns:o="urn:schemas-microsoft-com:office:office" xmlns:v="urn:schemas-microsoft-com:vml" xmlns:pvml="urn:schemas-microsoft-com:office:powerpoint" xmlns:com="http://schemas.openxmlformats.org/drawingml/2006/compatibility" xmlns:p14="http://schemas.microsoft.com/office/powerpoint/2010/main" xmlns:p15="http://schemas.microsoft.com/office/powerpoint/2012/main" matchingName="Title only" type="titleOnly">
+<p:sldLayout xmlns:a="http://schemas.openxmlformats.org/drawingml/2006/main" xmlns:r="http://schemas.openxmlformats.org/officeDocument/2006/relationships" xmlns:p="http://schemas.openxmlformats.org/presentationml/2006/main" matchingName="Title only" type="titleOnly">
   <p:cSld name="TITLE_ONLY">
     <p:spTree>
       <p:nvGrpSpPr>
-        <p:cNvPr id="25" name="Shape 25"/>
+        <p:cNvPr id="1" name="Shape 25"/>
         <p:cNvGrpSpPr/>
         <p:nvPr/>
       </p:nvGrpSpPr>
@@ -4320,7 +4385,9 @@
       <p:sp>
         <p:nvSpPr>
           <p:cNvPr id="26" name="Google Shape;26;p6"/>
-          <p:cNvSpPr txBox="1"/>
+          <p:cNvSpPr txBox="1">
+            <a:spLocks noGrp="1"/>
+          </p:cNvSpPr>
           <p:nvPr>
             <p:ph type="title"/>
           </p:nvPr>
@@ -4335,7 +4402,7 @@
           </a:prstGeom>
         </p:spPr>
         <p:txBody>
-          <a:bodyPr anchorCtr="0" anchor="t" bIns="91425" lIns="91425" spcFirstLastPara="1" rIns="91425" wrap="square" tIns="91425">
+          <a:bodyPr spcFirstLastPara="1" wrap="square" lIns="91425" tIns="91425" rIns="91425" bIns="91425" anchor="t" anchorCtr="0">
             <a:noAutofit/>
           </a:bodyPr>
           <a:lstStyle>
@@ -4439,15 +4506,19 @@
               <a:defRPr/>
             </a:lvl9pPr>
           </a:lstStyle>
-          <a:p/>
+          <a:p>
+            <a:endParaRPr/>
+          </a:p>
         </p:txBody>
       </p:sp>
       <p:sp>
         <p:nvSpPr>
           <p:cNvPr id="27" name="Google Shape;27;p6"/>
-          <p:cNvSpPr txBox="1"/>
+          <p:cNvSpPr txBox="1">
+            <a:spLocks noGrp="1"/>
+          </p:cNvSpPr>
           <p:nvPr>
-            <p:ph idx="12" type="sldNum"/>
+            <p:ph type="sldNum" idx="12"/>
           </p:nvPr>
         </p:nvSpPr>
         <p:spPr>
@@ -4460,7 +4531,7 @@
           </a:prstGeom>
         </p:spPr>
         <p:txBody>
-          <a:bodyPr anchorCtr="0" anchor="ctr" bIns="91425" lIns="91425" spcFirstLastPara="1" rIns="91425" wrap="square" tIns="91425">
+          <a:bodyPr spcFirstLastPara="1" wrap="square" lIns="91425" tIns="91425" rIns="91425" bIns="91425" anchor="ctr" anchorCtr="0">
             <a:noAutofit/>
           </a:bodyPr>
           <a:lstStyle>
@@ -4502,7 +4573,7 @@
             </a:lvl9pPr>
           </a:lstStyle>
           <a:p>
-            <a:pPr indent="0" lvl="0" marL="0" rtl="0" algn="r">
+            <a:pPr marL="0" lvl="0" indent="0" algn="r" rtl="0">
               <a:spcBef>
                 <a:spcPts val="0"/>
               </a:spcBef>
@@ -4528,11 +4599,11 @@
 </file>
 
 <file path=ppt/slideLayouts/slideLayout6.xml><?xml version="1.0" encoding="utf-8"?>
-<p:sldLayout xmlns:a="http://schemas.openxmlformats.org/drawingml/2006/main" xmlns:r="http://schemas.openxmlformats.org/officeDocument/2006/relationships" xmlns:mc="http://schemas.openxmlformats.org/markup-compatibility/2006" xmlns:mv="urn:schemas-microsoft-com:mac:vml" xmlns:p="http://schemas.openxmlformats.org/presentationml/2006/main" xmlns:c="http://schemas.openxmlformats.org/drawingml/2006/chart" xmlns:dgm="http://schemas.openxmlformats.org/drawingml/2006/diagram" xmlns:o="urn:schemas-microsoft-com:office:office" xmlns:v="urn:schemas-microsoft-com:vml" xmlns:pvml="urn:schemas-microsoft-com:office:powerpoint" xmlns:com="http://schemas.openxmlformats.org/drawingml/2006/compatibility" xmlns:p14="http://schemas.microsoft.com/office/powerpoint/2010/main" xmlns:p15="http://schemas.microsoft.com/office/powerpoint/2012/main" matchingName="One column text">
+<p:sldLayout xmlns:a="http://schemas.openxmlformats.org/drawingml/2006/main" xmlns:r="http://schemas.openxmlformats.org/officeDocument/2006/relationships" xmlns:p="http://schemas.openxmlformats.org/presentationml/2006/main" matchingName="One column text">
   <p:cSld name="ONE_COLUMN_TEXT">
     <p:spTree>
       <p:nvGrpSpPr>
-        <p:cNvPr id="28" name="Shape 28"/>
+        <p:cNvPr id="1" name="Shape 28"/>
         <p:cNvGrpSpPr/>
         <p:nvPr/>
       </p:nvGrpSpPr>
@@ -4547,7 +4618,9 @@
       <p:sp>
         <p:nvSpPr>
           <p:cNvPr id="29" name="Google Shape;29;p7"/>
-          <p:cNvSpPr txBox="1"/>
+          <p:cNvSpPr txBox="1">
+            <a:spLocks noGrp="1"/>
+          </p:cNvSpPr>
           <p:nvPr>
             <p:ph type="title"/>
           </p:nvPr>
@@ -4562,7 +4635,7 @@
           </a:prstGeom>
         </p:spPr>
         <p:txBody>
-          <a:bodyPr anchorCtr="0" anchor="b" bIns="91425" lIns="91425" spcFirstLastPara="1" rIns="91425" wrap="square" tIns="91425">
+          <a:bodyPr spcFirstLastPara="1" wrap="square" lIns="91425" tIns="91425" rIns="91425" bIns="91425" anchor="b" anchorCtr="0">
             <a:noAutofit/>
           </a:bodyPr>
           <a:lstStyle>
@@ -4666,15 +4739,19 @@
               <a:defRPr sz="2400"/>
             </a:lvl9pPr>
           </a:lstStyle>
-          <a:p/>
+          <a:p>
+            <a:endParaRPr/>
+          </a:p>
         </p:txBody>
       </p:sp>
       <p:sp>
         <p:nvSpPr>
           <p:cNvPr id="30" name="Google Shape;30;p7"/>
-          <p:cNvSpPr txBox="1"/>
+          <p:cNvSpPr txBox="1">
+            <a:spLocks noGrp="1"/>
+          </p:cNvSpPr>
           <p:nvPr>
-            <p:ph idx="1" type="body"/>
+            <p:ph type="body" idx="1"/>
           </p:nvPr>
         </p:nvSpPr>
         <p:spPr>
@@ -4687,11 +4764,11 @@
           </a:prstGeom>
         </p:spPr>
         <p:txBody>
-          <a:bodyPr anchorCtr="0" anchor="t" bIns="91425" lIns="91425" spcFirstLastPara="1" rIns="91425" wrap="square" tIns="91425">
+          <a:bodyPr spcFirstLastPara="1" wrap="square" lIns="91425" tIns="91425" rIns="91425" bIns="91425" anchor="t" anchorCtr="0">
             <a:noAutofit/>
           </a:bodyPr>
           <a:lstStyle>
-            <a:lvl1pPr indent="-304800" lvl="0" marL="457200">
+            <a:lvl1pPr marL="457200" lvl="0" indent="-304800">
               <a:spcBef>
                 <a:spcPts val="0"/>
               </a:spcBef>
@@ -4702,7 +4779,7 @@
               <a:buChar char="●"/>
               <a:defRPr sz="1200"/>
             </a:lvl1pPr>
-            <a:lvl2pPr indent="-304800" lvl="1" marL="914400">
+            <a:lvl2pPr marL="914400" lvl="1" indent="-304800">
               <a:spcBef>
                 <a:spcPts val="1600"/>
               </a:spcBef>
@@ -4713,7 +4790,7 @@
               <a:buChar char="○"/>
               <a:defRPr sz="1200"/>
             </a:lvl2pPr>
-            <a:lvl3pPr indent="-304800" lvl="2" marL="1371600">
+            <a:lvl3pPr marL="1371600" lvl="2" indent="-304800">
               <a:spcBef>
                 <a:spcPts val="1600"/>
               </a:spcBef>
@@ -4724,7 +4801,7 @@
               <a:buChar char="■"/>
               <a:defRPr sz="1200"/>
             </a:lvl3pPr>
-            <a:lvl4pPr indent="-304800" lvl="3" marL="1828800">
+            <a:lvl4pPr marL="1828800" lvl="3" indent="-304800">
               <a:spcBef>
                 <a:spcPts val="1600"/>
               </a:spcBef>
@@ -4735,7 +4812,7 @@
               <a:buChar char="●"/>
               <a:defRPr sz="1200"/>
             </a:lvl4pPr>
-            <a:lvl5pPr indent="-304800" lvl="4" marL="2286000">
+            <a:lvl5pPr marL="2286000" lvl="4" indent="-304800">
               <a:spcBef>
                 <a:spcPts val="1600"/>
               </a:spcBef>
@@ -4746,7 +4823,7 @@
               <a:buChar char="○"/>
               <a:defRPr sz="1200"/>
             </a:lvl5pPr>
-            <a:lvl6pPr indent="-304800" lvl="5" marL="2743200">
+            <a:lvl6pPr marL="2743200" lvl="5" indent="-304800">
               <a:spcBef>
                 <a:spcPts val="1600"/>
               </a:spcBef>
@@ -4757,7 +4834,7 @@
               <a:buChar char="■"/>
               <a:defRPr sz="1200"/>
             </a:lvl6pPr>
-            <a:lvl7pPr indent="-304800" lvl="6" marL="3200400">
+            <a:lvl7pPr marL="3200400" lvl="6" indent="-304800">
               <a:spcBef>
                 <a:spcPts val="1600"/>
               </a:spcBef>
@@ -4768,7 +4845,7 @@
               <a:buChar char="●"/>
               <a:defRPr sz="1200"/>
             </a:lvl7pPr>
-            <a:lvl8pPr indent="-304800" lvl="7" marL="3657600">
+            <a:lvl8pPr marL="3657600" lvl="7" indent="-304800">
               <a:spcBef>
                 <a:spcPts val="1600"/>
               </a:spcBef>
@@ -4779,7 +4856,7 @@
               <a:buChar char="○"/>
               <a:defRPr sz="1200"/>
             </a:lvl8pPr>
-            <a:lvl9pPr indent="-304800" lvl="8" marL="4114800">
+            <a:lvl9pPr marL="4114800" lvl="8" indent="-304800">
               <a:spcBef>
                 <a:spcPts val="1600"/>
               </a:spcBef>
@@ -4791,15 +4868,19 @@
               <a:defRPr sz="1200"/>
             </a:lvl9pPr>
           </a:lstStyle>
-          <a:p/>
+          <a:p>
+            <a:endParaRPr/>
+          </a:p>
         </p:txBody>
       </p:sp>
       <p:sp>
         <p:nvSpPr>
           <p:cNvPr id="31" name="Google Shape;31;p7"/>
-          <p:cNvSpPr txBox="1"/>
+          <p:cNvSpPr txBox="1">
+            <a:spLocks noGrp="1"/>
+          </p:cNvSpPr>
           <p:nvPr>
-            <p:ph idx="12" type="sldNum"/>
+            <p:ph type="sldNum" idx="12"/>
           </p:nvPr>
         </p:nvSpPr>
         <p:spPr>
@@ -4812,7 +4893,7 @@
           </a:prstGeom>
         </p:spPr>
         <p:txBody>
-          <a:bodyPr anchorCtr="0" anchor="ctr" bIns="91425" lIns="91425" spcFirstLastPara="1" rIns="91425" wrap="square" tIns="91425">
+          <a:bodyPr spcFirstLastPara="1" wrap="square" lIns="91425" tIns="91425" rIns="91425" bIns="91425" anchor="ctr" anchorCtr="0">
             <a:noAutofit/>
           </a:bodyPr>
           <a:lstStyle>
@@ -4854,7 +4935,7 @@
             </a:lvl9pPr>
           </a:lstStyle>
           <a:p>
-            <a:pPr indent="0" lvl="0" marL="0" rtl="0" algn="r">
+            <a:pPr marL="0" lvl="0" indent="0" algn="r" rtl="0">
               <a:spcBef>
                 <a:spcPts val="0"/>
               </a:spcBef>
@@ -4880,11 +4961,11 @@
 </file>
 
 <file path=ppt/slideLayouts/slideLayout7.xml><?xml version="1.0" encoding="utf-8"?>
-<p:sldLayout xmlns:a="http://schemas.openxmlformats.org/drawingml/2006/main" xmlns:r="http://schemas.openxmlformats.org/officeDocument/2006/relationships" xmlns:mc="http://schemas.openxmlformats.org/markup-compatibility/2006" xmlns:mv="urn:schemas-microsoft-com:mac:vml" xmlns:p="http://schemas.openxmlformats.org/presentationml/2006/main" xmlns:c="http://schemas.openxmlformats.org/drawingml/2006/chart" xmlns:dgm="http://schemas.openxmlformats.org/drawingml/2006/diagram" xmlns:o="urn:schemas-microsoft-com:office:office" xmlns:v="urn:schemas-microsoft-com:vml" xmlns:pvml="urn:schemas-microsoft-com:office:powerpoint" xmlns:com="http://schemas.openxmlformats.org/drawingml/2006/compatibility" xmlns:p14="http://schemas.microsoft.com/office/powerpoint/2010/main" xmlns:p15="http://schemas.microsoft.com/office/powerpoint/2012/main" matchingName="Main point">
+<p:sldLayout xmlns:a="http://schemas.openxmlformats.org/drawingml/2006/main" xmlns:r="http://schemas.openxmlformats.org/officeDocument/2006/relationships" xmlns:p="http://schemas.openxmlformats.org/presentationml/2006/main" matchingName="Main point">
   <p:cSld name="MAIN_POINT">
     <p:spTree>
       <p:nvGrpSpPr>
-        <p:cNvPr id="32" name="Shape 32"/>
+        <p:cNvPr id="1" name="Shape 32"/>
         <p:cNvGrpSpPr/>
         <p:nvPr/>
       </p:nvGrpSpPr>
@@ -4899,7 +4980,9 @@
       <p:sp>
         <p:nvSpPr>
           <p:cNvPr id="33" name="Google Shape;33;p8"/>
-          <p:cNvSpPr txBox="1"/>
+          <p:cNvSpPr txBox="1">
+            <a:spLocks noGrp="1"/>
+          </p:cNvSpPr>
           <p:nvPr>
             <p:ph type="title"/>
           </p:nvPr>
@@ -4914,7 +4997,7 @@
           </a:prstGeom>
         </p:spPr>
         <p:txBody>
-          <a:bodyPr anchorCtr="0" anchor="ctr" bIns="91425" lIns="91425" spcFirstLastPara="1" rIns="91425" wrap="square" tIns="91425">
+          <a:bodyPr spcFirstLastPara="1" wrap="square" lIns="91425" tIns="91425" rIns="91425" bIns="91425" anchor="ctr" anchorCtr="0">
             <a:noAutofit/>
           </a:bodyPr>
           <a:lstStyle>
@@ -5018,15 +5101,19 @@
               <a:defRPr sz="4800"/>
             </a:lvl9pPr>
           </a:lstStyle>
-          <a:p/>
+          <a:p>
+            <a:endParaRPr/>
+          </a:p>
         </p:txBody>
       </p:sp>
       <p:sp>
         <p:nvSpPr>
           <p:cNvPr id="34" name="Google Shape;34;p8"/>
-          <p:cNvSpPr txBox="1"/>
+          <p:cNvSpPr txBox="1">
+            <a:spLocks noGrp="1"/>
+          </p:cNvSpPr>
           <p:nvPr>
-            <p:ph idx="12" type="sldNum"/>
+            <p:ph type="sldNum" idx="12"/>
           </p:nvPr>
         </p:nvSpPr>
         <p:spPr>
@@ -5039,7 +5126,7 @@
           </a:prstGeom>
         </p:spPr>
         <p:txBody>
-          <a:bodyPr anchorCtr="0" anchor="ctr" bIns="91425" lIns="91425" spcFirstLastPara="1" rIns="91425" wrap="square" tIns="91425">
+          <a:bodyPr spcFirstLastPara="1" wrap="square" lIns="91425" tIns="91425" rIns="91425" bIns="91425" anchor="ctr" anchorCtr="0">
             <a:noAutofit/>
           </a:bodyPr>
           <a:lstStyle>
@@ -5081,7 +5168,7 @@
             </a:lvl9pPr>
           </a:lstStyle>
           <a:p>
-            <a:pPr indent="0" lvl="0" marL="0" rtl="0" algn="r">
+            <a:pPr marL="0" lvl="0" indent="0" algn="r" rtl="0">
               <a:spcBef>
                 <a:spcPts val="0"/>
               </a:spcBef>
@@ -5107,11 +5194,11 @@
 </file>
 
 <file path=ppt/slideLayouts/slideLayout8.xml><?xml version="1.0" encoding="utf-8"?>
-<p:sldLayout xmlns:a="http://schemas.openxmlformats.org/drawingml/2006/main" xmlns:r="http://schemas.openxmlformats.org/officeDocument/2006/relationships" xmlns:mc="http://schemas.openxmlformats.org/markup-compatibility/2006" xmlns:mv="urn:schemas-microsoft-com:mac:vml" xmlns:p="http://schemas.openxmlformats.org/presentationml/2006/main" xmlns:c="http://schemas.openxmlformats.org/drawingml/2006/chart" xmlns:dgm="http://schemas.openxmlformats.org/drawingml/2006/diagram" xmlns:o="urn:schemas-microsoft-com:office:office" xmlns:v="urn:schemas-microsoft-com:vml" xmlns:pvml="urn:schemas-microsoft-com:office:powerpoint" xmlns:com="http://schemas.openxmlformats.org/drawingml/2006/compatibility" xmlns:p14="http://schemas.microsoft.com/office/powerpoint/2010/main" xmlns:p15="http://schemas.microsoft.com/office/powerpoint/2012/main" matchingName="Section title and description">
+<p:sldLayout xmlns:a="http://schemas.openxmlformats.org/drawingml/2006/main" xmlns:r="http://schemas.openxmlformats.org/officeDocument/2006/relationships" xmlns:p="http://schemas.openxmlformats.org/presentationml/2006/main" matchingName="Section title and description">
   <p:cSld name="SECTION_TITLE_AND_DESCRIPTION">
     <p:spTree>
       <p:nvGrpSpPr>
-        <p:cNvPr id="35" name="Shape 35"/>
+        <p:cNvPr id="1" name="Shape 35"/>
         <p:cNvGrpSpPr/>
         <p:nvPr/>
       </p:nvGrpSpPr>
@@ -5145,12 +5232,12 @@
           </a:ln>
         </p:spPr>
         <p:txBody>
-          <a:bodyPr anchorCtr="0" anchor="ctr" bIns="91425" lIns="91425" spcFirstLastPara="1" rIns="91425" wrap="square" tIns="91425">
+          <a:bodyPr spcFirstLastPara="1" wrap="square" lIns="91425" tIns="91425" rIns="91425" bIns="91425" anchor="ctr" anchorCtr="0">
             <a:noAutofit/>
           </a:bodyPr>
           <a:lstStyle/>
           <a:p>
-            <a:pPr indent="0" lvl="0" marL="0" rtl="0" algn="l">
+            <a:pPr marL="0" lvl="0" indent="0" algn="l" rtl="0">
               <a:spcBef>
                 <a:spcPts val="0"/>
               </a:spcBef>
@@ -5159,9 +5246,6 @@
               </a:spcAft>
               <a:buNone/>
             </a:pPr>
-            <a:r>
-              <a:t/>
-            </a:r>
             <a:endParaRPr/>
           </a:p>
         </p:txBody>
@@ -5169,7 +5253,9 @@
       <p:sp>
         <p:nvSpPr>
           <p:cNvPr id="37" name="Google Shape;37;p9"/>
-          <p:cNvSpPr txBox="1"/>
+          <p:cNvSpPr txBox="1">
+            <a:spLocks noGrp="1"/>
+          </p:cNvSpPr>
           <p:nvPr>
             <p:ph type="title"/>
           </p:nvPr>
@@ -5184,7 +5270,7 @@
           </a:prstGeom>
         </p:spPr>
         <p:txBody>
-          <a:bodyPr anchorCtr="0" anchor="b" bIns="91425" lIns="91425" spcFirstLastPara="1" rIns="91425" wrap="square" tIns="91425">
+          <a:bodyPr spcFirstLastPara="1" wrap="square" lIns="91425" tIns="91425" rIns="91425" bIns="91425" anchor="b" anchorCtr="0">
             <a:noAutofit/>
           </a:bodyPr>
           <a:lstStyle>
@@ -5288,15 +5374,19 @@
               <a:defRPr sz="4200"/>
             </a:lvl9pPr>
           </a:lstStyle>
-          <a:p/>
+          <a:p>
+            <a:endParaRPr/>
+          </a:p>
         </p:txBody>
       </p:sp>
       <p:sp>
         <p:nvSpPr>
           <p:cNvPr id="38" name="Google Shape;38;p9"/>
-          <p:cNvSpPr txBox="1"/>
+          <p:cNvSpPr txBox="1">
+            <a:spLocks noGrp="1"/>
+          </p:cNvSpPr>
           <p:nvPr>
-            <p:ph idx="1" type="subTitle"/>
+            <p:ph type="subTitle" idx="1"/>
           </p:nvPr>
         </p:nvSpPr>
         <p:spPr>
@@ -5309,7 +5399,7 @@
           </a:prstGeom>
         </p:spPr>
         <p:txBody>
-          <a:bodyPr anchorCtr="0" anchor="t" bIns="91425" lIns="91425" spcFirstLastPara="1" rIns="91425" wrap="square" tIns="91425">
+          <a:bodyPr spcFirstLastPara="1" wrap="square" lIns="91425" tIns="91425" rIns="91425" bIns="91425" anchor="t" anchorCtr="0">
             <a:noAutofit/>
           </a:bodyPr>
           <a:lstStyle>
@@ -5440,15 +5530,19 @@
               <a:defRPr sz="2100"/>
             </a:lvl9pPr>
           </a:lstStyle>
-          <a:p/>
+          <a:p>
+            <a:endParaRPr/>
+          </a:p>
         </p:txBody>
       </p:sp>
       <p:sp>
         <p:nvSpPr>
           <p:cNvPr id="39" name="Google Shape;39;p9"/>
-          <p:cNvSpPr txBox="1"/>
+          <p:cNvSpPr txBox="1">
+            <a:spLocks noGrp="1"/>
+          </p:cNvSpPr>
           <p:nvPr>
-            <p:ph idx="2" type="body"/>
+            <p:ph type="body" idx="2"/>
           </p:nvPr>
         </p:nvSpPr>
         <p:spPr>
@@ -5461,11 +5555,11 @@
           </a:prstGeom>
         </p:spPr>
         <p:txBody>
-          <a:bodyPr anchorCtr="0" anchor="ctr" bIns="91425" lIns="91425" spcFirstLastPara="1" rIns="91425" wrap="square" tIns="91425">
+          <a:bodyPr spcFirstLastPara="1" wrap="square" lIns="91425" tIns="91425" rIns="91425" bIns="91425" anchor="ctr" anchorCtr="0">
             <a:noAutofit/>
           </a:bodyPr>
           <a:lstStyle>
-            <a:lvl1pPr indent="-342900" lvl="0" marL="457200">
+            <a:lvl1pPr marL="457200" lvl="0" indent="-342900">
               <a:spcBef>
                 <a:spcPts val="0"/>
               </a:spcBef>
@@ -5483,7 +5577,7 @@
                 </a:solidFill>
               </a:defRPr>
             </a:lvl1pPr>
-            <a:lvl2pPr indent="-317500" lvl="1" marL="914400">
+            <a:lvl2pPr marL="914400" lvl="1" indent="-317500">
               <a:spcBef>
                 <a:spcPts val="1600"/>
               </a:spcBef>
@@ -5501,7 +5595,7 @@
                 </a:solidFill>
               </a:defRPr>
             </a:lvl2pPr>
-            <a:lvl3pPr indent="-317500" lvl="2" marL="1371600">
+            <a:lvl3pPr marL="1371600" lvl="2" indent="-317500">
               <a:spcBef>
                 <a:spcPts val="1600"/>
               </a:spcBef>
@@ -5519,7 +5613,7 @@
                 </a:solidFill>
               </a:defRPr>
             </a:lvl3pPr>
-            <a:lvl4pPr indent="-317500" lvl="3" marL="1828800">
+            <a:lvl4pPr marL="1828800" lvl="3" indent="-317500">
               <a:spcBef>
                 <a:spcPts val="1600"/>
               </a:spcBef>
@@ -5537,7 +5631,7 @@
                 </a:solidFill>
               </a:defRPr>
             </a:lvl4pPr>
-            <a:lvl5pPr indent="-317500" lvl="4" marL="2286000">
+            <a:lvl5pPr marL="2286000" lvl="4" indent="-317500">
               <a:spcBef>
                 <a:spcPts val="1600"/>
               </a:spcBef>
@@ -5555,7 +5649,7 @@
                 </a:solidFill>
               </a:defRPr>
             </a:lvl5pPr>
-            <a:lvl6pPr indent="-317500" lvl="5" marL="2743200">
+            <a:lvl6pPr marL="2743200" lvl="5" indent="-317500">
               <a:spcBef>
                 <a:spcPts val="1600"/>
               </a:spcBef>
@@ -5573,7 +5667,7 @@
                 </a:solidFill>
               </a:defRPr>
             </a:lvl6pPr>
-            <a:lvl7pPr indent="-317500" lvl="6" marL="3200400">
+            <a:lvl7pPr marL="3200400" lvl="6" indent="-317500">
               <a:spcBef>
                 <a:spcPts val="1600"/>
               </a:spcBef>
@@ -5591,7 +5685,7 @@
                 </a:solidFill>
               </a:defRPr>
             </a:lvl7pPr>
-            <a:lvl8pPr indent="-317500" lvl="7" marL="3657600">
+            <a:lvl8pPr marL="3657600" lvl="7" indent="-317500">
               <a:spcBef>
                 <a:spcPts val="1600"/>
               </a:spcBef>
@@ -5609,7 +5703,7 @@
                 </a:solidFill>
               </a:defRPr>
             </a:lvl8pPr>
-            <a:lvl9pPr indent="-317500" lvl="8" marL="4114800">
+            <a:lvl9pPr marL="4114800" lvl="8" indent="-317500">
               <a:spcBef>
                 <a:spcPts val="1600"/>
               </a:spcBef>
@@ -5628,15 +5722,19 @@
               </a:defRPr>
             </a:lvl9pPr>
           </a:lstStyle>
-          <a:p/>
+          <a:p>
+            <a:endParaRPr/>
+          </a:p>
         </p:txBody>
       </p:sp>
       <p:sp>
         <p:nvSpPr>
           <p:cNvPr id="40" name="Google Shape;40;p9"/>
-          <p:cNvSpPr txBox="1"/>
+          <p:cNvSpPr txBox="1">
+            <a:spLocks noGrp="1"/>
+          </p:cNvSpPr>
           <p:nvPr>
-            <p:ph idx="12" type="sldNum"/>
+            <p:ph type="sldNum" idx="12"/>
           </p:nvPr>
         </p:nvSpPr>
         <p:spPr>
@@ -5649,7 +5747,7 @@
           </a:prstGeom>
         </p:spPr>
         <p:txBody>
-          <a:bodyPr anchorCtr="0" anchor="ctr" bIns="91425" lIns="91425" spcFirstLastPara="1" rIns="91425" wrap="square" tIns="91425">
+          <a:bodyPr spcFirstLastPara="1" wrap="square" lIns="91425" tIns="91425" rIns="91425" bIns="91425" anchor="ctr" anchorCtr="0">
             <a:noAutofit/>
           </a:bodyPr>
           <a:lstStyle>
@@ -5691,7 +5789,7 @@
             </a:lvl9pPr>
           </a:lstStyle>
           <a:p>
-            <a:pPr indent="0" lvl="0" marL="0" rtl="0" algn="r">
+            <a:pPr marL="0" lvl="0" indent="0" algn="r" rtl="0">
               <a:spcBef>
                 <a:spcPts val="0"/>
               </a:spcBef>
@@ -5717,11 +5815,11 @@
 </file>
 
 <file path=ppt/slideLayouts/slideLayout9.xml><?xml version="1.0" encoding="utf-8"?>
-<p:sldLayout xmlns:a="http://schemas.openxmlformats.org/drawingml/2006/main" xmlns:r="http://schemas.openxmlformats.org/officeDocument/2006/relationships" xmlns:mc="http://schemas.openxmlformats.org/markup-compatibility/2006" xmlns:mv="urn:schemas-microsoft-com:mac:vml" xmlns:p="http://schemas.openxmlformats.org/presentationml/2006/main" xmlns:c="http://schemas.openxmlformats.org/drawingml/2006/chart" xmlns:dgm="http://schemas.openxmlformats.org/drawingml/2006/diagram" xmlns:o="urn:schemas-microsoft-com:office:office" xmlns:v="urn:schemas-microsoft-com:vml" xmlns:pvml="urn:schemas-microsoft-com:office:powerpoint" xmlns:com="http://schemas.openxmlformats.org/drawingml/2006/compatibility" xmlns:p14="http://schemas.microsoft.com/office/powerpoint/2010/main" xmlns:p15="http://schemas.microsoft.com/office/powerpoint/2012/main" matchingName="Caption">
+<p:sldLayout xmlns:a="http://schemas.openxmlformats.org/drawingml/2006/main" xmlns:r="http://schemas.openxmlformats.org/officeDocument/2006/relationships" xmlns:p="http://schemas.openxmlformats.org/presentationml/2006/main" matchingName="Caption">
   <p:cSld name="CAPTION_ONLY">
     <p:spTree>
       <p:nvGrpSpPr>
-        <p:cNvPr id="41" name="Shape 41"/>
+        <p:cNvPr id="1" name="Shape 41"/>
         <p:cNvGrpSpPr/>
         <p:nvPr/>
       </p:nvGrpSpPr>
@@ -5736,9 +5834,11 @@
       <p:sp>
         <p:nvSpPr>
           <p:cNvPr id="42" name="Google Shape;42;p10"/>
-          <p:cNvSpPr txBox="1"/>
+          <p:cNvSpPr txBox="1">
+            <a:spLocks noGrp="1"/>
+          </p:cNvSpPr>
           <p:nvPr>
-            <p:ph idx="1" type="body"/>
+            <p:ph type="body" idx="1"/>
           </p:nvPr>
         </p:nvSpPr>
         <p:spPr>
@@ -5751,11 +5851,11 @@
           </a:prstGeom>
         </p:spPr>
         <p:txBody>
-          <a:bodyPr anchorCtr="0" anchor="ctr" bIns="91425" lIns="91425" spcFirstLastPara="1" rIns="91425" wrap="square" tIns="91425">
+          <a:bodyPr spcFirstLastPara="1" wrap="square" lIns="91425" tIns="91425" rIns="91425" bIns="91425" anchor="ctr" anchorCtr="0">
             <a:noAutofit/>
           </a:bodyPr>
           <a:lstStyle>
-            <a:lvl1pPr indent="-228600" lvl="0" marL="457200">
+            <a:lvl1pPr marL="457200" lvl="0" indent="-228600">
               <a:lnSpc>
                 <a:spcPct val="100000"/>
               </a:lnSpc>
@@ -5770,15 +5870,19 @@
               <a:defRPr/>
             </a:lvl1pPr>
           </a:lstStyle>
-          <a:p/>
+          <a:p>
+            <a:endParaRPr/>
+          </a:p>
         </p:txBody>
       </p:sp>
       <p:sp>
         <p:nvSpPr>
           <p:cNvPr id="43" name="Google Shape;43;p10"/>
-          <p:cNvSpPr txBox="1"/>
+          <p:cNvSpPr txBox="1">
+            <a:spLocks noGrp="1"/>
+          </p:cNvSpPr>
           <p:nvPr>
-            <p:ph idx="12" type="sldNum"/>
+            <p:ph type="sldNum" idx="12"/>
           </p:nvPr>
         </p:nvSpPr>
         <p:spPr>
@@ -5791,7 +5895,7 @@
           </a:prstGeom>
         </p:spPr>
         <p:txBody>
-          <a:bodyPr anchorCtr="0" anchor="ctr" bIns="91425" lIns="91425" spcFirstLastPara="1" rIns="91425" wrap="square" tIns="91425">
+          <a:bodyPr spcFirstLastPara="1" wrap="square" lIns="91425" tIns="91425" rIns="91425" bIns="91425" anchor="ctr" anchorCtr="0">
             <a:noAutofit/>
           </a:bodyPr>
           <a:lstStyle>
@@ -5833,7 +5937,7 @@
             </a:lvl9pPr>
           </a:lstStyle>
           <a:p>
-            <a:pPr indent="0" lvl="0" marL="0" rtl="0" algn="r">
+            <a:pPr marL="0" lvl="0" indent="0" algn="r" rtl="0">
               <a:spcBef>
                 <a:spcPts val="0"/>
               </a:spcBef>
@@ -5859,18 +5963,19 @@
 </file>
 
 <file path=ppt/slideMasters/slideMaster1.xml><?xml version="1.0" encoding="utf-8"?>
-<p:sldMaster xmlns:a="http://schemas.openxmlformats.org/drawingml/2006/main" xmlns:r="http://schemas.openxmlformats.org/officeDocument/2006/relationships" xmlns:mc="http://schemas.openxmlformats.org/markup-compatibility/2006" xmlns:mv="urn:schemas-microsoft-com:mac:vml" xmlns:p="http://schemas.openxmlformats.org/presentationml/2006/main" xmlns:c="http://schemas.openxmlformats.org/drawingml/2006/chart" xmlns:dgm="http://schemas.openxmlformats.org/drawingml/2006/diagram" xmlns:o="urn:schemas-microsoft-com:office:office" xmlns:v="urn:schemas-microsoft-com:vml" xmlns:pvml="urn:schemas-microsoft-com:office:powerpoint" xmlns:com="http://schemas.openxmlformats.org/drawingml/2006/compatibility" xmlns:p14="http://schemas.microsoft.com/office/powerpoint/2010/main" xmlns:p15="http://schemas.microsoft.com/office/powerpoint/2012/main">
+<p:sldMaster xmlns:a="http://schemas.openxmlformats.org/drawingml/2006/main" xmlns:r="http://schemas.openxmlformats.org/officeDocument/2006/relationships" xmlns:p="http://schemas.openxmlformats.org/presentationml/2006/main">
   <p:cSld name="simple-dark-2">
     <p:bg>
       <p:bgPr>
         <a:solidFill>
           <a:schemeClr val="lt1"/>
         </a:solidFill>
+        <a:effectLst/>
       </p:bgPr>
     </p:bg>
     <p:spTree>
       <p:nvGrpSpPr>
-        <p:cNvPr id="5" name="Shape 5"/>
+        <p:cNvPr id="1" name="Shape 5"/>
         <p:cNvGrpSpPr/>
         <p:nvPr/>
       </p:nvGrpSpPr>
@@ -5885,7 +5990,9 @@
       <p:sp>
         <p:nvSpPr>
           <p:cNvPr id="6" name="Google Shape;6;p1"/>
-          <p:cNvSpPr txBox="1"/>
+          <p:cNvSpPr txBox="1">
+            <a:spLocks noGrp="1"/>
+          </p:cNvSpPr>
           <p:nvPr>
             <p:ph type="title"/>
           </p:nvPr>
@@ -5904,7 +6011,7 @@
           </a:ln>
         </p:spPr>
         <p:txBody>
-          <a:bodyPr anchorCtr="0" anchor="t" bIns="91425" lIns="91425" spcFirstLastPara="1" rIns="91425" wrap="square" tIns="91425">
+          <a:bodyPr spcFirstLastPara="1" wrap="square" lIns="91425" tIns="91425" rIns="91425" bIns="91425" anchor="t" anchorCtr="0">
             <a:noAutofit/>
           </a:bodyPr>
           <a:lstStyle>
@@ -6071,15 +6178,19 @@
               </a:defRPr>
             </a:lvl9pPr>
           </a:lstStyle>
-          <a:p/>
+          <a:p>
+            <a:endParaRPr/>
+          </a:p>
         </p:txBody>
       </p:sp>
       <p:sp>
         <p:nvSpPr>
           <p:cNvPr id="7" name="Google Shape;7;p1"/>
-          <p:cNvSpPr txBox="1"/>
+          <p:cNvSpPr txBox="1">
+            <a:spLocks noGrp="1"/>
+          </p:cNvSpPr>
           <p:nvPr>
-            <p:ph idx="1" type="body"/>
+            <p:ph type="body" idx="1"/>
           </p:nvPr>
         </p:nvSpPr>
         <p:spPr>
@@ -6096,11 +6207,11 @@
           </a:ln>
         </p:spPr>
         <p:txBody>
-          <a:bodyPr anchorCtr="0" anchor="t" bIns="91425" lIns="91425" spcFirstLastPara="1" rIns="91425" wrap="square" tIns="91425">
+          <a:bodyPr spcFirstLastPara="1" wrap="square" lIns="91425" tIns="91425" rIns="91425" bIns="91425" anchor="t" anchorCtr="0">
             <a:noAutofit/>
           </a:bodyPr>
           <a:lstStyle>
-            <a:lvl1pPr indent="-342900" lvl="0" marL="457200">
+            <a:lvl1pPr marL="457200" lvl="0" indent="-342900">
               <a:lnSpc>
                 <a:spcPct val="115000"/>
               </a:lnSpc>
@@ -6121,7 +6232,7 @@
                 </a:solidFill>
               </a:defRPr>
             </a:lvl1pPr>
-            <a:lvl2pPr indent="-317500" lvl="1" marL="914400">
+            <a:lvl2pPr marL="914400" lvl="1" indent="-317500">
               <a:lnSpc>
                 <a:spcPct val="115000"/>
               </a:lnSpc>
@@ -6142,7 +6253,7 @@
                 </a:solidFill>
               </a:defRPr>
             </a:lvl2pPr>
-            <a:lvl3pPr indent="-317500" lvl="2" marL="1371600">
+            <a:lvl3pPr marL="1371600" lvl="2" indent="-317500">
               <a:lnSpc>
                 <a:spcPct val="115000"/>
               </a:lnSpc>
@@ -6163,7 +6274,7 @@
                 </a:solidFill>
               </a:defRPr>
             </a:lvl3pPr>
-            <a:lvl4pPr indent="-317500" lvl="3" marL="1828800">
+            <a:lvl4pPr marL="1828800" lvl="3" indent="-317500">
               <a:lnSpc>
                 <a:spcPct val="115000"/>
               </a:lnSpc>
@@ -6184,7 +6295,7 @@
                 </a:solidFill>
               </a:defRPr>
             </a:lvl4pPr>
-            <a:lvl5pPr indent="-317500" lvl="4" marL="2286000">
+            <a:lvl5pPr marL="2286000" lvl="4" indent="-317500">
               <a:lnSpc>
                 <a:spcPct val="115000"/>
               </a:lnSpc>
@@ -6205,7 +6316,7 @@
                 </a:solidFill>
               </a:defRPr>
             </a:lvl5pPr>
-            <a:lvl6pPr indent="-317500" lvl="5" marL="2743200">
+            <a:lvl6pPr marL="2743200" lvl="5" indent="-317500">
               <a:lnSpc>
                 <a:spcPct val="115000"/>
               </a:lnSpc>
@@ -6226,7 +6337,7 @@
                 </a:solidFill>
               </a:defRPr>
             </a:lvl6pPr>
-            <a:lvl7pPr indent="-317500" lvl="6" marL="3200400">
+            <a:lvl7pPr marL="3200400" lvl="6" indent="-317500">
               <a:lnSpc>
                 <a:spcPct val="115000"/>
               </a:lnSpc>
@@ -6247,7 +6358,7 @@
                 </a:solidFill>
               </a:defRPr>
             </a:lvl7pPr>
-            <a:lvl8pPr indent="-317500" lvl="7" marL="3657600">
+            <a:lvl8pPr marL="3657600" lvl="7" indent="-317500">
               <a:lnSpc>
                 <a:spcPct val="115000"/>
               </a:lnSpc>
@@ -6268,7 +6379,7 @@
                 </a:solidFill>
               </a:defRPr>
             </a:lvl8pPr>
-            <a:lvl9pPr indent="-317500" lvl="8" marL="4114800">
+            <a:lvl9pPr marL="4114800" lvl="8" indent="-317500">
               <a:lnSpc>
                 <a:spcPct val="115000"/>
               </a:lnSpc>
@@ -6290,15 +6401,19 @@
               </a:defRPr>
             </a:lvl9pPr>
           </a:lstStyle>
-          <a:p/>
+          <a:p>
+            <a:endParaRPr/>
+          </a:p>
         </p:txBody>
       </p:sp>
       <p:sp>
         <p:nvSpPr>
           <p:cNvPr id="8" name="Google Shape;8;p1"/>
-          <p:cNvSpPr txBox="1"/>
+          <p:cNvSpPr txBox="1">
+            <a:spLocks noGrp="1"/>
+          </p:cNvSpPr>
           <p:nvPr>
-            <p:ph idx="12" type="sldNum"/>
+            <p:ph type="sldNum" idx="12"/>
           </p:nvPr>
         </p:nvSpPr>
         <p:spPr>
@@ -6315,7 +6430,7 @@
           </a:ln>
         </p:spPr>
         <p:txBody>
-          <a:bodyPr anchorCtr="0" anchor="ctr" bIns="91425" lIns="91425" spcFirstLastPara="1" rIns="91425" wrap="square" tIns="91425">
+          <a:bodyPr spcFirstLastPara="1" wrap="square" lIns="91425" tIns="91425" rIns="91425" bIns="91425" anchor="ctr" anchorCtr="0">
             <a:noAutofit/>
           </a:bodyPr>
           <a:lstStyle>
@@ -6393,7 +6508,7 @@
             </a:lvl9pPr>
           </a:lstStyle>
           <a:p>
-            <a:pPr indent="0" lvl="0" marL="0" rtl="0" algn="r">
+            <a:pPr marL="0" lvl="0" indent="0" algn="r" rtl="0">
               <a:spcBef>
                 <a:spcPts val="0"/>
               </a:spcBef>
@@ -6412,7 +6527,7 @@
       </p:sp>
     </p:spTree>
   </p:cSld>
-  <p:clrMap accent1="accent1" accent2="accent2" accent3="accent3" accent4="accent4" accent5="accent5" accent6="accent6" bg1="lt1" bg2="dk2" tx1="dk1" tx2="lt2" folHlink="folHlink" hlink="hlink"/>
+  <p:clrMap bg1="lt1" tx1="dk1" bg2="dk2" tx2="lt2" accent1="accent1" accent2="accent2" accent3="accent3" accent4="accent4" accent5="accent5" accent6="accent6" hlink="hlink" folHlink="folHlink"/>
   <p:sldLayoutIdLst>
     <p:sldLayoutId id="2147483648" r:id="rId1"/>
     <p:sldLayoutId id="2147483649" r:id="rId2"/>
@@ -6426,10 +6541,10 @@
     <p:sldLayoutId id="2147483657" r:id="rId10"/>
     <p:sldLayoutId id="2147483658" r:id="rId11"/>
   </p:sldLayoutIdLst>
-  <p:hf dt="0" ftr="0" hdr="0" sldNum="0"/>
+  <p:hf sldNum="0" hdr="0" ftr="0" dt="0"/>
   <p:txStyles>
     <p:titleStyle>
-      <a:defPPr lvl="0" marR="0" rtl="0" algn="l">
+      <a:defPPr marR="0" lvl="0" algn="l" rtl="0">
         <a:lnSpc>
           <a:spcPct val="100000"/>
         </a:lnSpc>
@@ -6440,7 +6555,7 @@
           <a:spcPts val="0"/>
         </a:spcAft>
       </a:defPPr>
-      <a:lvl1pPr lvl="0" marR="0" rtl="0" algn="l">
+      <a:lvl1pPr marR="0" lvl="0" algn="l" rtl="0">
         <a:lnSpc>
           <a:spcPct val="100000"/>
         </a:lnSpc>
@@ -6454,7 +6569,7 @@
           <a:srgbClr val="000000"/>
         </a:buClr>
         <a:buFont typeface="Arial"/>
-        <a:defRPr b="0" i="0" sz="1400" u="none" cap="none" strike="noStrike">
+        <a:defRPr sz="1400" b="0" i="0" u="none" strike="noStrike" cap="none">
           <a:solidFill>
             <a:srgbClr val="000000"/>
           </a:solidFill>
@@ -6464,7 +6579,7 @@
           <a:sym typeface="Arial"/>
         </a:defRPr>
       </a:lvl1pPr>
-      <a:lvl2pPr lvl="1" marR="0" rtl="0" algn="l">
+      <a:lvl2pPr marR="0" lvl="1" algn="l" rtl="0">
         <a:lnSpc>
           <a:spcPct val="100000"/>
         </a:lnSpc>
@@ -6478,7 +6593,7 @@
           <a:srgbClr val="000000"/>
         </a:buClr>
         <a:buFont typeface="Arial"/>
-        <a:defRPr b="0" i="0" sz="1400" u="none" cap="none" strike="noStrike">
+        <a:defRPr sz="1400" b="0" i="0" u="none" strike="noStrike" cap="none">
           <a:solidFill>
             <a:srgbClr val="000000"/>
           </a:solidFill>
@@ -6488,7 +6603,7 @@
           <a:sym typeface="Arial"/>
         </a:defRPr>
       </a:lvl2pPr>
-      <a:lvl3pPr lvl="2" marR="0" rtl="0" algn="l">
+      <a:lvl3pPr marR="0" lvl="2" algn="l" rtl="0">
         <a:lnSpc>
           <a:spcPct val="100000"/>
         </a:lnSpc>
@@ -6502,7 +6617,7 @@
           <a:srgbClr val="000000"/>
         </a:buClr>
         <a:buFont typeface="Arial"/>
-        <a:defRPr b="0" i="0" sz="1400" u="none" cap="none" strike="noStrike">
+        <a:defRPr sz="1400" b="0" i="0" u="none" strike="noStrike" cap="none">
           <a:solidFill>
             <a:srgbClr val="000000"/>
           </a:solidFill>
@@ -6512,7 +6627,7 @@
           <a:sym typeface="Arial"/>
         </a:defRPr>
       </a:lvl3pPr>
-      <a:lvl4pPr lvl="3" marR="0" rtl="0" algn="l">
+      <a:lvl4pPr marR="0" lvl="3" algn="l" rtl="0">
         <a:lnSpc>
           <a:spcPct val="100000"/>
         </a:lnSpc>
@@ -6526,7 +6641,7 @@
           <a:srgbClr val="000000"/>
         </a:buClr>
         <a:buFont typeface="Arial"/>
-        <a:defRPr b="0" i="0" sz="1400" u="none" cap="none" strike="noStrike">
+        <a:defRPr sz="1400" b="0" i="0" u="none" strike="noStrike" cap="none">
           <a:solidFill>
             <a:srgbClr val="000000"/>
           </a:solidFill>
@@ -6536,7 +6651,7 @@
           <a:sym typeface="Arial"/>
         </a:defRPr>
       </a:lvl4pPr>
-      <a:lvl5pPr lvl="4" marR="0" rtl="0" algn="l">
+      <a:lvl5pPr marR="0" lvl="4" algn="l" rtl="0">
         <a:lnSpc>
           <a:spcPct val="100000"/>
         </a:lnSpc>
@@ -6550,7 +6665,7 @@
           <a:srgbClr val="000000"/>
         </a:buClr>
         <a:buFont typeface="Arial"/>
-        <a:defRPr b="0" i="0" sz="1400" u="none" cap="none" strike="noStrike">
+        <a:defRPr sz="1400" b="0" i="0" u="none" strike="noStrike" cap="none">
           <a:solidFill>
             <a:srgbClr val="000000"/>
           </a:solidFill>
@@ -6560,7 +6675,7 @@
           <a:sym typeface="Arial"/>
         </a:defRPr>
       </a:lvl5pPr>
-      <a:lvl6pPr lvl="5" marR="0" rtl="0" algn="l">
+      <a:lvl6pPr marR="0" lvl="5" algn="l" rtl="0">
         <a:lnSpc>
           <a:spcPct val="100000"/>
         </a:lnSpc>
@@ -6574,7 +6689,7 @@
           <a:srgbClr val="000000"/>
         </a:buClr>
         <a:buFont typeface="Arial"/>
-        <a:defRPr b="0" i="0" sz="1400" u="none" cap="none" strike="noStrike">
+        <a:defRPr sz="1400" b="0" i="0" u="none" strike="noStrike" cap="none">
           <a:solidFill>
             <a:srgbClr val="000000"/>
           </a:solidFill>
@@ -6584,7 +6699,7 @@
           <a:sym typeface="Arial"/>
         </a:defRPr>
       </a:lvl6pPr>
-      <a:lvl7pPr lvl="6" marR="0" rtl="0" algn="l">
+      <a:lvl7pPr marR="0" lvl="6" algn="l" rtl="0">
         <a:lnSpc>
           <a:spcPct val="100000"/>
         </a:lnSpc>
@@ -6598,7 +6713,7 @@
           <a:srgbClr val="000000"/>
         </a:buClr>
         <a:buFont typeface="Arial"/>
-        <a:defRPr b="0" i="0" sz="1400" u="none" cap="none" strike="noStrike">
+        <a:defRPr sz="1400" b="0" i="0" u="none" strike="noStrike" cap="none">
           <a:solidFill>
             <a:srgbClr val="000000"/>
           </a:solidFill>
@@ -6608,7 +6723,7 @@
           <a:sym typeface="Arial"/>
         </a:defRPr>
       </a:lvl7pPr>
-      <a:lvl8pPr lvl="7" marR="0" rtl="0" algn="l">
+      <a:lvl8pPr marR="0" lvl="7" algn="l" rtl="0">
         <a:lnSpc>
           <a:spcPct val="100000"/>
         </a:lnSpc>
@@ -6622,7 +6737,7 @@
           <a:srgbClr val="000000"/>
         </a:buClr>
         <a:buFont typeface="Arial"/>
-        <a:defRPr b="0" i="0" sz="1400" u="none" cap="none" strike="noStrike">
+        <a:defRPr sz="1400" b="0" i="0" u="none" strike="noStrike" cap="none">
           <a:solidFill>
             <a:srgbClr val="000000"/>
           </a:solidFill>
@@ -6632,7 +6747,7 @@
           <a:sym typeface="Arial"/>
         </a:defRPr>
       </a:lvl8pPr>
-      <a:lvl9pPr lvl="8" marR="0" rtl="0" algn="l">
+      <a:lvl9pPr marR="0" lvl="8" algn="l" rtl="0">
         <a:lnSpc>
           <a:spcPct val="100000"/>
         </a:lnSpc>
@@ -6646,7 +6761,7 @@
           <a:srgbClr val="000000"/>
         </a:buClr>
         <a:buFont typeface="Arial"/>
-        <a:defRPr b="0" i="0" sz="1400" u="none" cap="none" strike="noStrike">
+        <a:defRPr sz="1400" b="0" i="0" u="none" strike="noStrike" cap="none">
           <a:solidFill>
             <a:srgbClr val="000000"/>
           </a:solidFill>
@@ -6658,7 +6773,7 @@
       </a:lvl9pPr>
     </p:titleStyle>
     <p:bodyStyle>
-      <a:defPPr lvl="0" marR="0" rtl="0" algn="l">
+      <a:defPPr marR="0" lvl="0" algn="l" rtl="0">
         <a:lnSpc>
           <a:spcPct val="100000"/>
         </a:lnSpc>
@@ -6669,7 +6784,7 @@
           <a:spcPts val="0"/>
         </a:spcAft>
       </a:defPPr>
-      <a:lvl1pPr lvl="0" marR="0" rtl="0" algn="l">
+      <a:lvl1pPr marR="0" lvl="0" algn="l" rtl="0">
         <a:lnSpc>
           <a:spcPct val="100000"/>
         </a:lnSpc>
@@ -6683,7 +6798,7 @@
           <a:srgbClr val="000000"/>
         </a:buClr>
         <a:buFont typeface="Arial"/>
-        <a:defRPr b="0" i="0" sz="1400" u="none" cap="none" strike="noStrike">
+        <a:defRPr sz="1400" b="0" i="0" u="none" strike="noStrike" cap="none">
           <a:solidFill>
             <a:srgbClr val="000000"/>
           </a:solidFill>
@@ -6693,7 +6808,7 @@
           <a:sym typeface="Arial"/>
         </a:defRPr>
       </a:lvl1pPr>
-      <a:lvl2pPr lvl="1" marR="0" rtl="0" algn="l">
+      <a:lvl2pPr marR="0" lvl="1" algn="l" rtl="0">
         <a:lnSpc>
           <a:spcPct val="100000"/>
         </a:lnSpc>
@@ -6707,7 +6822,7 @@
           <a:srgbClr val="000000"/>
         </a:buClr>
         <a:buFont typeface="Arial"/>
-        <a:defRPr b="0" i="0" sz="1400" u="none" cap="none" strike="noStrike">
+        <a:defRPr sz="1400" b="0" i="0" u="none" strike="noStrike" cap="none">
           <a:solidFill>
             <a:srgbClr val="000000"/>
           </a:solidFill>
@@ -6717,7 +6832,7 @@
           <a:sym typeface="Arial"/>
         </a:defRPr>
       </a:lvl2pPr>
-      <a:lvl3pPr lvl="2" marR="0" rtl="0" algn="l">
+      <a:lvl3pPr marR="0" lvl="2" algn="l" rtl="0">
         <a:lnSpc>
           <a:spcPct val="100000"/>
         </a:lnSpc>
@@ -6731,7 +6846,7 @@
           <a:srgbClr val="000000"/>
         </a:buClr>
         <a:buFont typeface="Arial"/>
-        <a:defRPr b="0" i="0" sz="1400" u="none" cap="none" strike="noStrike">
+        <a:defRPr sz="1400" b="0" i="0" u="none" strike="noStrike" cap="none">
           <a:solidFill>
             <a:srgbClr val="000000"/>
           </a:solidFill>
@@ -6741,7 +6856,7 @@
           <a:sym typeface="Arial"/>
         </a:defRPr>
       </a:lvl3pPr>
-      <a:lvl4pPr lvl="3" marR="0" rtl="0" algn="l">
+      <a:lvl4pPr marR="0" lvl="3" algn="l" rtl="0">
         <a:lnSpc>
           <a:spcPct val="100000"/>
         </a:lnSpc>
@@ -6755,7 +6870,7 @@
           <a:srgbClr val="000000"/>
         </a:buClr>
         <a:buFont typeface="Arial"/>
-        <a:defRPr b="0" i="0" sz="1400" u="none" cap="none" strike="noStrike">
+        <a:defRPr sz="1400" b="0" i="0" u="none" strike="noStrike" cap="none">
           <a:solidFill>
             <a:srgbClr val="000000"/>
           </a:solidFill>
@@ -6765,7 +6880,7 @@
           <a:sym typeface="Arial"/>
         </a:defRPr>
       </a:lvl4pPr>
-      <a:lvl5pPr lvl="4" marR="0" rtl="0" algn="l">
+      <a:lvl5pPr marR="0" lvl="4" algn="l" rtl="0">
         <a:lnSpc>
           <a:spcPct val="100000"/>
         </a:lnSpc>
@@ -6779,7 +6894,7 @@
           <a:srgbClr val="000000"/>
         </a:buClr>
         <a:buFont typeface="Arial"/>
-        <a:defRPr b="0" i="0" sz="1400" u="none" cap="none" strike="noStrike">
+        <a:defRPr sz="1400" b="0" i="0" u="none" strike="noStrike" cap="none">
           <a:solidFill>
             <a:srgbClr val="000000"/>
           </a:solidFill>
@@ -6789,7 +6904,7 @@
           <a:sym typeface="Arial"/>
         </a:defRPr>
       </a:lvl5pPr>
-      <a:lvl6pPr lvl="5" marR="0" rtl="0" algn="l">
+      <a:lvl6pPr marR="0" lvl="5" algn="l" rtl="0">
         <a:lnSpc>
           <a:spcPct val="100000"/>
         </a:lnSpc>
@@ -6803,7 +6918,7 @@
           <a:srgbClr val="000000"/>
         </a:buClr>
         <a:buFont typeface="Arial"/>
-        <a:defRPr b="0" i="0" sz="1400" u="none" cap="none" strike="noStrike">
+        <a:defRPr sz="1400" b="0" i="0" u="none" strike="noStrike" cap="none">
           <a:solidFill>
             <a:srgbClr val="000000"/>
           </a:solidFill>
@@ -6813,7 +6928,7 @@
           <a:sym typeface="Arial"/>
         </a:defRPr>
       </a:lvl6pPr>
-      <a:lvl7pPr lvl="6" marR="0" rtl="0" algn="l">
+      <a:lvl7pPr marR="0" lvl="6" algn="l" rtl="0">
         <a:lnSpc>
           <a:spcPct val="100000"/>
         </a:lnSpc>
@@ -6827,7 +6942,7 @@
           <a:srgbClr val="000000"/>
         </a:buClr>
         <a:buFont typeface="Arial"/>
-        <a:defRPr b="0" i="0" sz="1400" u="none" cap="none" strike="noStrike">
+        <a:defRPr sz="1400" b="0" i="0" u="none" strike="noStrike" cap="none">
           <a:solidFill>
             <a:srgbClr val="000000"/>
           </a:solidFill>
@@ -6837,7 +6952,7 @@
           <a:sym typeface="Arial"/>
         </a:defRPr>
       </a:lvl7pPr>
-      <a:lvl8pPr lvl="7" marR="0" rtl="0" algn="l">
+      <a:lvl8pPr marR="0" lvl="7" algn="l" rtl="0">
         <a:lnSpc>
           <a:spcPct val="100000"/>
         </a:lnSpc>
@@ -6851,7 +6966,7 @@
           <a:srgbClr val="000000"/>
         </a:buClr>
         <a:buFont typeface="Arial"/>
-        <a:defRPr b="0" i="0" sz="1400" u="none" cap="none" strike="noStrike">
+        <a:defRPr sz="1400" b="0" i="0" u="none" strike="noStrike" cap="none">
           <a:solidFill>
             <a:srgbClr val="000000"/>
           </a:solidFill>
@@ -6861,7 +6976,7 @@
           <a:sym typeface="Arial"/>
         </a:defRPr>
       </a:lvl8pPr>
-      <a:lvl9pPr lvl="8" marR="0" rtl="0" algn="l">
+      <a:lvl9pPr marR="0" lvl="8" algn="l" rtl="0">
         <a:lnSpc>
           <a:spcPct val="100000"/>
         </a:lnSpc>
@@ -6875,7 +6990,7 @@
           <a:srgbClr val="000000"/>
         </a:buClr>
         <a:buFont typeface="Arial"/>
-        <a:defRPr b="0" i="0" sz="1400" u="none" cap="none" strike="noStrike">
+        <a:defRPr sz="1400" b="0" i="0" u="none" strike="noStrike" cap="none">
           <a:solidFill>
             <a:srgbClr val="000000"/>
           </a:solidFill>
@@ -6887,7 +7002,7 @@
       </a:lvl9pPr>
     </p:bodyStyle>
     <p:otherStyle>
-      <a:defPPr lvl="0" marR="0" rtl="0" algn="l">
+      <a:defPPr marR="0" lvl="0" algn="l" rtl="0">
         <a:lnSpc>
           <a:spcPct val="100000"/>
         </a:lnSpc>
@@ -6898,7 +7013,7 @@
           <a:spcPts val="0"/>
         </a:spcAft>
       </a:defPPr>
-      <a:lvl1pPr lvl="0" marR="0" rtl="0" algn="l">
+      <a:lvl1pPr marR="0" lvl="0" algn="l" rtl="0">
         <a:lnSpc>
           <a:spcPct val="100000"/>
         </a:lnSpc>
@@ -6912,7 +7027,7 @@
           <a:srgbClr val="000000"/>
         </a:buClr>
         <a:buFont typeface="Arial"/>
-        <a:defRPr b="0" i="0" sz="1400" u="none" cap="none" strike="noStrike">
+        <a:defRPr sz="1400" b="0" i="0" u="none" strike="noStrike" cap="none">
           <a:solidFill>
             <a:srgbClr val="000000"/>
           </a:solidFill>
@@ -6922,7 +7037,7 @@
           <a:sym typeface="Arial"/>
         </a:defRPr>
       </a:lvl1pPr>
-      <a:lvl2pPr lvl="1" marR="0" rtl="0" algn="l">
+      <a:lvl2pPr marR="0" lvl="1" algn="l" rtl="0">
         <a:lnSpc>
           <a:spcPct val="100000"/>
         </a:lnSpc>
@@ -6936,7 +7051,7 @@
           <a:srgbClr val="000000"/>
         </a:buClr>
         <a:buFont typeface="Arial"/>
-        <a:defRPr b="0" i="0" sz="1400" u="none" cap="none" strike="noStrike">
+        <a:defRPr sz="1400" b="0" i="0" u="none" strike="noStrike" cap="none">
           <a:solidFill>
             <a:srgbClr val="000000"/>
           </a:solidFill>
@@ -6946,7 +7061,7 @@
           <a:sym typeface="Arial"/>
         </a:defRPr>
       </a:lvl2pPr>
-      <a:lvl3pPr lvl="2" marR="0" rtl="0" algn="l">
+      <a:lvl3pPr marR="0" lvl="2" algn="l" rtl="0">
         <a:lnSpc>
           <a:spcPct val="100000"/>
         </a:lnSpc>
@@ -6960,7 +7075,7 @@
           <a:srgbClr val="000000"/>
         </a:buClr>
         <a:buFont typeface="Arial"/>
-        <a:defRPr b="0" i="0" sz="1400" u="none" cap="none" strike="noStrike">
+        <a:defRPr sz="1400" b="0" i="0" u="none" strike="noStrike" cap="none">
           <a:solidFill>
             <a:srgbClr val="000000"/>
           </a:solidFill>
@@ -6970,7 +7085,7 @@
           <a:sym typeface="Arial"/>
         </a:defRPr>
       </a:lvl3pPr>
-      <a:lvl4pPr lvl="3" marR="0" rtl="0" algn="l">
+      <a:lvl4pPr marR="0" lvl="3" algn="l" rtl="0">
         <a:lnSpc>
           <a:spcPct val="100000"/>
         </a:lnSpc>
@@ -6984,7 +7099,7 @@
           <a:srgbClr val="000000"/>
         </a:buClr>
         <a:buFont typeface="Arial"/>
-        <a:defRPr b="0" i="0" sz="1400" u="none" cap="none" strike="noStrike">
+        <a:defRPr sz="1400" b="0" i="0" u="none" strike="noStrike" cap="none">
           <a:solidFill>
             <a:srgbClr val="000000"/>
           </a:solidFill>
@@ -6994,7 +7109,7 @@
           <a:sym typeface="Arial"/>
         </a:defRPr>
       </a:lvl4pPr>
-      <a:lvl5pPr lvl="4" marR="0" rtl="0" algn="l">
+      <a:lvl5pPr marR="0" lvl="4" algn="l" rtl="0">
         <a:lnSpc>
           <a:spcPct val="100000"/>
         </a:lnSpc>
@@ -7008,7 +7123,7 @@
           <a:srgbClr val="000000"/>
         </a:buClr>
         <a:buFont typeface="Arial"/>
-        <a:defRPr b="0" i="0" sz="1400" u="none" cap="none" strike="noStrike">
+        <a:defRPr sz="1400" b="0" i="0" u="none" strike="noStrike" cap="none">
           <a:solidFill>
             <a:srgbClr val="000000"/>
           </a:solidFill>
@@ -7018,7 +7133,7 @@
           <a:sym typeface="Arial"/>
         </a:defRPr>
       </a:lvl5pPr>
-      <a:lvl6pPr lvl="5" marR="0" rtl="0" algn="l">
+      <a:lvl6pPr marR="0" lvl="5" algn="l" rtl="0">
         <a:lnSpc>
           <a:spcPct val="100000"/>
         </a:lnSpc>
@@ -7032,7 +7147,7 @@
           <a:srgbClr val="000000"/>
         </a:buClr>
         <a:buFont typeface="Arial"/>
-        <a:defRPr b="0" i="0" sz="1400" u="none" cap="none" strike="noStrike">
+        <a:defRPr sz="1400" b="0" i="0" u="none" strike="noStrike" cap="none">
           <a:solidFill>
             <a:srgbClr val="000000"/>
           </a:solidFill>
@@ -7042,7 +7157,7 @@
           <a:sym typeface="Arial"/>
         </a:defRPr>
       </a:lvl6pPr>
-      <a:lvl7pPr lvl="6" marR="0" rtl="0" algn="l">
+      <a:lvl7pPr marR="0" lvl="6" algn="l" rtl="0">
         <a:lnSpc>
           <a:spcPct val="100000"/>
         </a:lnSpc>
@@ -7056,7 +7171,7 @@
           <a:srgbClr val="000000"/>
         </a:buClr>
         <a:buFont typeface="Arial"/>
-        <a:defRPr b="0" i="0" sz="1400" u="none" cap="none" strike="noStrike">
+        <a:defRPr sz="1400" b="0" i="0" u="none" strike="noStrike" cap="none">
           <a:solidFill>
             <a:srgbClr val="000000"/>
           </a:solidFill>
@@ -7066,7 +7181,7 @@
           <a:sym typeface="Arial"/>
         </a:defRPr>
       </a:lvl7pPr>
-      <a:lvl8pPr lvl="7" marR="0" rtl="0" algn="l">
+      <a:lvl8pPr marR="0" lvl="7" algn="l" rtl="0">
         <a:lnSpc>
           <a:spcPct val="100000"/>
         </a:lnSpc>
@@ -7080,7 +7195,7 @@
           <a:srgbClr val="000000"/>
         </a:buClr>
         <a:buFont typeface="Arial"/>
-        <a:defRPr b="0" i="0" sz="1400" u="none" cap="none" strike="noStrike">
+        <a:defRPr sz="1400" b="0" i="0" u="none" strike="noStrike" cap="none">
           <a:solidFill>
             <a:srgbClr val="000000"/>
           </a:solidFill>
@@ -7090,7 +7205,7 @@
           <a:sym typeface="Arial"/>
         </a:defRPr>
       </a:lvl8pPr>
-      <a:lvl9pPr lvl="8" marR="0" rtl="0" algn="l">
+      <a:lvl9pPr marR="0" lvl="8" algn="l" rtl="0">
         <a:lnSpc>
           <a:spcPct val="100000"/>
         </a:lnSpc>
@@ -7104,7 +7219,7 @@
           <a:srgbClr val="000000"/>
         </a:buClr>
         <a:buFont typeface="Arial"/>
-        <a:defRPr b="0" i="0" sz="1400" u="none" cap="none" strike="noStrike">
+        <a:defRPr sz="1400" b="0" i="0" u="none" strike="noStrike" cap="none">
           <a:solidFill>
             <a:srgbClr val="000000"/>
           </a:solidFill>
@@ -7120,11 +7235,11 @@
 </file>
 
 <file path=ppt/slides/slide1.xml><?xml version="1.0" encoding="utf-8"?>
-<p:sld xmlns:a="http://schemas.openxmlformats.org/drawingml/2006/main" xmlns:r="http://schemas.openxmlformats.org/officeDocument/2006/relationships" xmlns:mc="http://schemas.openxmlformats.org/markup-compatibility/2006" xmlns:mv="urn:schemas-microsoft-com:mac:vml" xmlns:p="http://schemas.openxmlformats.org/presentationml/2006/main" xmlns:c="http://schemas.openxmlformats.org/drawingml/2006/chart" xmlns:dgm="http://schemas.openxmlformats.org/drawingml/2006/diagram" xmlns:o="urn:schemas-microsoft-com:office:office" xmlns:v="urn:schemas-microsoft-com:vml" xmlns:pvml="urn:schemas-microsoft-com:office:powerpoint" xmlns:com="http://schemas.openxmlformats.org/drawingml/2006/compatibility" xmlns:p14="http://schemas.microsoft.com/office/powerpoint/2010/main" xmlns:p15="http://schemas.microsoft.com/office/powerpoint/2012/main">
+<p:sld xmlns:a="http://schemas.openxmlformats.org/drawingml/2006/main" xmlns:r="http://schemas.openxmlformats.org/officeDocument/2006/relationships" xmlns:p="http://schemas.openxmlformats.org/presentationml/2006/main">
   <p:cSld>
     <p:spTree>
       <p:nvGrpSpPr>
-        <p:cNvPr id="53" name="Shape 53"/>
+        <p:cNvPr id="1" name="Shape 53"/>
         <p:cNvGrpSpPr/>
         <p:nvPr/>
       </p:nvGrpSpPr>
@@ -7139,7 +7254,9 @@
       <p:sp>
         <p:nvSpPr>
           <p:cNvPr id="54" name="Google Shape;54;p13"/>
-          <p:cNvSpPr txBox="1"/>
+          <p:cNvSpPr txBox="1">
+            <a:spLocks noGrp="1"/>
+          </p:cNvSpPr>
           <p:nvPr>
             <p:ph type="ctrTitle"/>
           </p:nvPr>
@@ -7154,12 +7271,12 @@
           </a:prstGeom>
         </p:spPr>
         <p:txBody>
-          <a:bodyPr anchorCtr="0" anchor="b" bIns="91425" lIns="91425" spcFirstLastPara="1" rIns="91425" wrap="square" tIns="91425">
+          <a:bodyPr spcFirstLastPara="1" wrap="square" lIns="91425" tIns="91425" rIns="91425" bIns="91425" anchor="b" anchorCtr="0">
             <a:noAutofit/>
           </a:bodyPr>
           <a:lstStyle/>
           <a:p>
-            <a:pPr indent="0" lvl="0" marL="0" rtl="0" algn="ctr">
+            <a:pPr marL="0" lvl="0" indent="0" algn="ctr" rtl="0">
               <a:lnSpc>
                 <a:spcPct val="125000"/>
               </a:lnSpc>
@@ -7172,7 +7289,7 @@
               <a:buNone/>
             </a:pPr>
             <a:r>
-              <a:rPr b="1" lang="en" sz="3000">
+              <a:rPr lang="en" sz="3000" b="1">
                 <a:solidFill>
                   <a:srgbClr val="FFFFFF"/>
                 </a:solidFill>
@@ -7190,9 +7307,11 @@
       <p:sp>
         <p:nvSpPr>
           <p:cNvPr id="55" name="Google Shape;55;p13"/>
-          <p:cNvSpPr txBox="1"/>
+          <p:cNvSpPr txBox="1">
+            <a:spLocks noGrp="1"/>
+          </p:cNvSpPr>
           <p:nvPr>
-            <p:ph idx="1" type="subTitle"/>
+            <p:ph type="subTitle" idx="1"/>
           </p:nvPr>
         </p:nvSpPr>
         <p:spPr>
@@ -7205,12 +7324,12 @@
           </a:prstGeom>
         </p:spPr>
         <p:txBody>
-          <a:bodyPr anchorCtr="0" anchor="t" bIns="91425" lIns="91425" spcFirstLastPara="1" rIns="91425" wrap="square" tIns="91425">
+          <a:bodyPr spcFirstLastPara="1" wrap="square" lIns="91425" tIns="91425" rIns="91425" bIns="91425" anchor="t" anchorCtr="0">
             <a:noAutofit/>
           </a:bodyPr>
           <a:lstStyle/>
           <a:p>
-            <a:pPr indent="0" lvl="0" marL="0" rtl="0" algn="ctr">
+            <a:pPr marL="0" lvl="0" indent="0" algn="ctr" rtl="0">
               <a:spcBef>
                 <a:spcPts val="0"/>
               </a:spcBef>
@@ -7220,13 +7339,13 @@
               <a:buNone/>
             </a:pPr>
             <a:r>
-              <a:rPr lang="en" sz="1400"/>
+              <a:rPr lang="en" sz="1400" dirty="0"/>
               <a:t>Florencia Marcaccio</a:t>
             </a:r>
-            <a:endParaRPr sz="1400"/>
-          </a:p>
-          <a:p>
-            <a:pPr indent="0" lvl="0" marL="0" rtl="0" algn="ctr">
+            <a:endParaRPr sz="1400" dirty="0"/>
+          </a:p>
+          <a:p>
+            <a:pPr marL="0" lvl="0" indent="0" algn="ctr" rtl="0">
               <a:spcBef>
                 <a:spcPts val="0"/>
               </a:spcBef>
@@ -7236,13 +7355,13 @@
               <a:buNone/>
             </a:pPr>
             <a:r>
-              <a:rPr lang="en" sz="1400"/>
+              <a:rPr lang="en" sz="1400" dirty="0"/>
               <a:t>Sanjana Gupta</a:t>
             </a:r>
-            <a:endParaRPr sz="1400"/>
-          </a:p>
-          <a:p>
-            <a:pPr indent="0" lvl="0" marL="0" rtl="0" algn="ctr">
+            <a:endParaRPr sz="1400" dirty="0"/>
+          </a:p>
+          <a:p>
+            <a:pPr marL="0" lvl="0" indent="0" algn="ctr" rtl="0">
               <a:spcBef>
                 <a:spcPts val="0"/>
               </a:spcBef>
@@ -7252,13 +7371,13 @@
               <a:buNone/>
             </a:pPr>
             <a:r>
-              <a:rPr lang="en" sz="1400"/>
+              <a:rPr lang="en" sz="1400" dirty="0"/>
               <a:t>Medha Sagar</a:t>
             </a:r>
-            <a:endParaRPr sz="1400"/>
-          </a:p>
-          <a:p>
-            <a:pPr indent="0" lvl="0" marL="0" rtl="0" algn="ctr">
+            <a:endParaRPr sz="1400" dirty="0"/>
+          </a:p>
+          <a:p>
+            <a:pPr marL="0" lvl="0" indent="0" algn="ctr" rtl="0">
               <a:spcBef>
                 <a:spcPts val="0"/>
               </a:spcBef>
@@ -7268,13 +7387,13 @@
               <a:buNone/>
             </a:pPr>
             <a:r>
-              <a:rPr lang="en" sz="1400"/>
+              <a:rPr lang="en" sz="1400" dirty="0"/>
               <a:t>Adrian Tullock</a:t>
             </a:r>
             <a:endParaRPr sz="1400"/>
           </a:p>
           <a:p>
-            <a:pPr indent="0" lvl="0" marL="0" rtl="0" algn="ctr">
+            <a:pPr marL="0" lvl="0" indent="0" algn="ctr" rtl="0">
               <a:spcBef>
                 <a:spcPts val="0"/>
               </a:spcBef>
@@ -7287,7 +7406,7 @@
               <a:rPr lang="en" sz="1400"/>
               <a:t>Faryal Usman</a:t>
             </a:r>
-            <a:endParaRPr sz="1400"/>
+            <a:endParaRPr sz="1400" dirty="0"/>
           </a:p>
         </p:txBody>
       </p:sp>
@@ -7311,12 +7430,12 @@
           </a:ln>
         </p:spPr>
         <p:txBody>
-          <a:bodyPr anchorCtr="0" anchor="t" bIns="91425" lIns="91425" spcFirstLastPara="1" rIns="91425" wrap="square" tIns="91425">
+          <a:bodyPr spcFirstLastPara="1" wrap="square" lIns="91425" tIns="91425" rIns="91425" bIns="91425" anchor="t" anchorCtr="0">
             <a:noAutofit/>
           </a:bodyPr>
           <a:lstStyle/>
           <a:p>
-            <a:pPr indent="0" lvl="0" marL="0" rtl="0" algn="l">
+            <a:pPr marL="0" lvl="0" indent="0" algn="l" rtl="0">
               <a:spcBef>
                 <a:spcPts val="0"/>
               </a:spcBef>
@@ -7326,7 +7445,7 @@
               <a:buNone/>
             </a:pPr>
             <a:r>
-              <a:rPr lang="en" sz="1200">
+              <a:rPr lang="en" sz="1200" dirty="0">
                 <a:solidFill>
                   <a:srgbClr val="FFFFFF"/>
                 </a:solidFill>
@@ -7334,71 +7453,82 @@
               <a:t>Publication Link: </a:t>
             </a:r>
             <a:r>
-              <a:rPr lang="en" sz="1200">
+              <a:rPr lang="en" sz="1200" dirty="0">
                 <a:solidFill>
-                  <a:srgbClr val="FFFFFF"/>
+                  <a:schemeClr val="accent1"/>
                 </a:solidFill>
                 <a:uFill>
                   <a:noFill/>
                 </a:uFill>
-                <a:hlinkClick r:id="rId3"/>
+                <a:hlinkClick r:id="rId3">
+                  <a:extLst>
+                    <a:ext uri="{A12FA001-AC4F-418D-AE19-62706E023703}">
+                      <ahyp:hlinkClr xmlns:ahyp="http://schemas.microsoft.com/office/drawing/2018/hyperlinkcolor" val="tx"/>
+                    </a:ext>
+                  </a:extLst>
+                </a:hlinkClick>
               </a:rPr>
               <a:t>https://www.ncbi.nlm.nih.gov/pmc/articles/PMC2703878/</a:t>
             </a:r>
             <a:r>
-              <a:rPr lang="en" sz="1200">
+              <a:rPr lang="en" sz="1200" dirty="0">
+                <a:solidFill>
+                  <a:schemeClr val="accent1"/>
+                </a:solidFill>
+              </a:rPr>
+              <a:t> </a:t>
+            </a:r>
+            <a:endParaRPr sz="1200" dirty="0">
+              <a:solidFill>
+                <a:schemeClr val="accent1"/>
+              </a:solidFill>
+            </a:endParaRPr>
+          </a:p>
+          <a:p>
+            <a:pPr marL="0" lvl="0" indent="0" algn="l" rtl="0">
+              <a:spcBef>
+                <a:spcPts val="0"/>
+              </a:spcBef>
+              <a:spcAft>
+                <a:spcPts val="0"/>
+              </a:spcAft>
+              <a:buNone/>
+            </a:pPr>
+            <a:endParaRPr sz="1200" dirty="0">
+              <a:solidFill>
+                <a:srgbClr val="FFFFFF"/>
+              </a:solidFill>
+            </a:endParaRPr>
+          </a:p>
+          <a:p>
+            <a:pPr marL="0" lvl="0" indent="0" algn="l" rtl="0">
+              <a:spcBef>
+                <a:spcPts val="0"/>
+              </a:spcBef>
+              <a:spcAft>
+                <a:spcPts val="0"/>
+              </a:spcAft>
+              <a:buNone/>
+            </a:pPr>
+            <a:r>
+              <a:rPr lang="en" sz="1200" dirty="0">
                 <a:solidFill>
                   <a:srgbClr val="FFFFFF"/>
                 </a:solidFill>
               </a:rPr>
-              <a:t> </a:t>
+              <a:t>Repository: </a:t>
             </a:r>
-            <a:endParaRPr sz="1200">
-              <a:solidFill>
-                <a:srgbClr val="FFFFFF"/>
-              </a:solidFill>
-            </a:endParaRPr>
-          </a:p>
-          <a:p>
-            <a:pPr indent="0" lvl="0" marL="0" rtl="0" algn="l">
-              <a:spcBef>
-                <a:spcPts val="0"/>
-              </a:spcBef>
-              <a:spcAft>
-                <a:spcPts val="0"/>
-              </a:spcAft>
-              <a:buNone/>
-            </a:pPr>
             <a:r>
-              <a:t/>
-            </a:r>
-            <a:endParaRPr sz="1200">
-              <a:solidFill>
-                <a:srgbClr val="FFFFFF"/>
-              </a:solidFill>
-            </a:endParaRPr>
-          </a:p>
-          <a:p>
-            <a:pPr indent="0" lvl="0" marL="0" rtl="0" algn="l">
-              <a:spcBef>
-                <a:spcPts val="0"/>
-              </a:spcBef>
-              <a:spcAft>
-                <a:spcPts val="0"/>
-              </a:spcAft>
-              <a:buNone/>
-            </a:pPr>
-            <a:r>
-              <a:rPr lang="en" sz="1200">
+              <a:rPr lang="en" sz="1200" dirty="0">
                 <a:solidFill>
-                  <a:srgbClr val="FFFFFF"/>
+                  <a:schemeClr val="accent1"/>
                 </a:solidFill>
               </a:rPr>
-              <a:t>Repository: https://github.com/UW-MSDS-DATA-598-Reproducibility-WI20/gupta-marcaccio-sagar-tullock-usman-replication-project</a:t>
+              <a:t>https://github.com/UW-MSDS-DATA-598-Reproducibility-WI20/gupta-marcaccio-sagar-tullock-usman-replication-project</a:t>
             </a:r>
-            <a:endParaRPr sz="1200">
+            <a:endParaRPr sz="1200" dirty="0">
               <a:solidFill>
-                <a:srgbClr val="FFFFFF"/>
+                <a:schemeClr val="accent1"/>
               </a:solidFill>
             </a:endParaRPr>
           </a:p>
@@ -7413,11 +7543,11 @@
 </file>
 
 <file path=ppt/slides/slide2.xml><?xml version="1.0" encoding="utf-8"?>
-<p:sld xmlns:a="http://schemas.openxmlformats.org/drawingml/2006/main" xmlns:r="http://schemas.openxmlformats.org/officeDocument/2006/relationships" xmlns:mc="http://schemas.openxmlformats.org/markup-compatibility/2006" xmlns:mv="urn:schemas-microsoft-com:mac:vml" xmlns:p="http://schemas.openxmlformats.org/presentationml/2006/main" xmlns:c="http://schemas.openxmlformats.org/drawingml/2006/chart" xmlns:dgm="http://schemas.openxmlformats.org/drawingml/2006/diagram" xmlns:o="urn:schemas-microsoft-com:office:office" xmlns:v="urn:schemas-microsoft-com:vml" xmlns:pvml="urn:schemas-microsoft-com:office:powerpoint" xmlns:com="http://schemas.openxmlformats.org/drawingml/2006/compatibility" xmlns:p14="http://schemas.microsoft.com/office/powerpoint/2010/main" xmlns:p15="http://schemas.microsoft.com/office/powerpoint/2012/main">
+<p:sld xmlns:a="http://schemas.openxmlformats.org/drawingml/2006/main" xmlns:r="http://schemas.openxmlformats.org/officeDocument/2006/relationships" xmlns:p="http://schemas.openxmlformats.org/presentationml/2006/main">
   <p:cSld>
     <p:spTree>
       <p:nvGrpSpPr>
-        <p:cNvPr id="60" name="Shape 60"/>
+        <p:cNvPr id="1" name="Shape 60"/>
         <p:cNvGrpSpPr/>
         <p:nvPr/>
       </p:nvGrpSpPr>
@@ -7432,9 +7562,11 @@
       <p:sp>
         <p:nvSpPr>
           <p:cNvPr id="61" name="Google Shape;61;p14"/>
-          <p:cNvSpPr txBox="1"/>
+          <p:cNvSpPr txBox="1">
+            <a:spLocks noGrp="1"/>
+          </p:cNvSpPr>
           <p:nvPr>
-            <p:ph idx="1" type="body"/>
+            <p:ph type="body" idx="1"/>
           </p:nvPr>
         </p:nvSpPr>
         <p:spPr>
@@ -7447,12 +7579,12 @@
           </a:prstGeom>
         </p:spPr>
         <p:txBody>
-          <a:bodyPr anchorCtr="0" anchor="t" bIns="91425" lIns="91425" spcFirstLastPara="1" rIns="91425" wrap="square" tIns="91425">
+          <a:bodyPr spcFirstLastPara="1" wrap="square" lIns="91425" tIns="91425" rIns="91425" bIns="91425" anchor="t" anchorCtr="0">
             <a:noAutofit/>
           </a:bodyPr>
           <a:lstStyle/>
           <a:p>
-            <a:pPr indent="-342900" lvl="0" marL="457200" rtl="0" algn="l">
+            <a:pPr marL="457200" lvl="0" indent="-342900" algn="l" rtl="0">
               <a:spcBef>
                 <a:spcPts val="0"/>
               </a:spcBef>
@@ -7469,7 +7601,7 @@
             <a:endParaRPr/>
           </a:p>
           <a:p>
-            <a:pPr indent="-342900" lvl="0" marL="457200" rtl="0" algn="l">
+            <a:pPr marL="457200" lvl="0" indent="-342900" algn="l" rtl="0">
               <a:spcBef>
                 <a:spcPts val="1600"/>
               </a:spcBef>
@@ -7486,7 +7618,7 @@
             <a:endParaRPr/>
           </a:p>
           <a:p>
-            <a:pPr indent="-342900" lvl="0" marL="457200" rtl="0" algn="l">
+            <a:pPr marL="457200" lvl="0" indent="-342900" algn="l" rtl="0">
               <a:spcBef>
                 <a:spcPts val="1600"/>
               </a:spcBef>
@@ -7503,7 +7635,7 @@
             <a:endParaRPr/>
           </a:p>
           <a:p>
-            <a:pPr indent="-342900" lvl="0" marL="457200" rtl="0" algn="l">
+            <a:pPr marL="457200" lvl="0" indent="-342900" algn="l" rtl="0">
               <a:spcBef>
                 <a:spcPts val="1600"/>
               </a:spcBef>
@@ -7520,7 +7652,7 @@
             <a:endParaRPr/>
           </a:p>
           <a:p>
-            <a:pPr indent="0" lvl="0" marL="457200" rtl="0" algn="l">
+            <a:pPr marL="457200" lvl="0" indent="0" algn="l" rtl="0">
               <a:spcBef>
                 <a:spcPts val="1600"/>
               </a:spcBef>
@@ -7529,9 +7661,6 @@
               </a:spcAft>
               <a:buNone/>
             </a:pPr>
-            <a:r>
-              <a:t/>
-            </a:r>
             <a:endParaRPr/>
           </a:p>
         </p:txBody>
@@ -7539,7 +7668,9 @@
       <p:sp>
         <p:nvSpPr>
           <p:cNvPr id="62" name="Google Shape;62;p14"/>
-          <p:cNvSpPr txBox="1"/>
+          <p:cNvSpPr txBox="1">
+            <a:spLocks noGrp="1"/>
+          </p:cNvSpPr>
           <p:nvPr>
             <p:ph type="title"/>
           </p:nvPr>
@@ -7554,12 +7685,12 @@
           </a:prstGeom>
         </p:spPr>
         <p:txBody>
-          <a:bodyPr anchorCtr="0" anchor="t" bIns="91425" lIns="91425" spcFirstLastPara="1" rIns="91425" wrap="square" tIns="91425">
+          <a:bodyPr spcFirstLastPara="1" wrap="square" lIns="91425" tIns="91425" rIns="91425" bIns="91425" anchor="t" anchorCtr="0">
             <a:noAutofit/>
           </a:bodyPr>
           <a:lstStyle/>
           <a:p>
-            <a:pPr indent="0" lvl="0" marL="0" rtl="0" algn="l">
+            <a:pPr marL="0" lvl="0" indent="0" algn="l" rtl="0">
               <a:spcBef>
                 <a:spcPts val="0"/>
               </a:spcBef>
@@ -7585,11 +7716,11 @@
 </file>
 
 <file path=ppt/slides/slide3.xml><?xml version="1.0" encoding="utf-8"?>
-<p:sld xmlns:a="http://schemas.openxmlformats.org/drawingml/2006/main" xmlns:r="http://schemas.openxmlformats.org/officeDocument/2006/relationships" xmlns:mc="http://schemas.openxmlformats.org/markup-compatibility/2006" xmlns:mv="urn:schemas-microsoft-com:mac:vml" xmlns:p="http://schemas.openxmlformats.org/presentationml/2006/main" xmlns:c="http://schemas.openxmlformats.org/drawingml/2006/chart" xmlns:dgm="http://schemas.openxmlformats.org/drawingml/2006/diagram" xmlns:o="urn:schemas-microsoft-com:office:office" xmlns:v="urn:schemas-microsoft-com:vml" xmlns:pvml="urn:schemas-microsoft-com:office:powerpoint" xmlns:com="http://schemas.openxmlformats.org/drawingml/2006/compatibility" xmlns:p14="http://schemas.microsoft.com/office/powerpoint/2010/main" xmlns:p15="http://schemas.microsoft.com/office/powerpoint/2012/main">
+<p:sld xmlns:a="http://schemas.openxmlformats.org/drawingml/2006/main" xmlns:r="http://schemas.openxmlformats.org/officeDocument/2006/relationships" xmlns:p="http://schemas.openxmlformats.org/presentationml/2006/main">
   <p:cSld>
     <p:spTree>
       <p:nvGrpSpPr>
-        <p:cNvPr id="66" name="Shape 66"/>
+        <p:cNvPr id="1" name="Shape 66"/>
         <p:cNvGrpSpPr/>
         <p:nvPr/>
       </p:nvGrpSpPr>
@@ -7604,9 +7735,11 @@
       <p:sp>
         <p:nvSpPr>
           <p:cNvPr id="67" name="Google Shape;67;p15"/>
-          <p:cNvSpPr txBox="1"/>
+          <p:cNvSpPr txBox="1">
+            <a:spLocks noGrp="1"/>
+          </p:cNvSpPr>
           <p:nvPr>
-            <p:ph idx="1" type="body"/>
+            <p:ph type="body" idx="1"/>
           </p:nvPr>
         </p:nvSpPr>
         <p:spPr>
@@ -7619,12 +7752,12 @@
           </a:prstGeom>
         </p:spPr>
         <p:txBody>
-          <a:bodyPr anchorCtr="0" anchor="t" bIns="91425" lIns="91425" spcFirstLastPara="1" rIns="91425" wrap="square" tIns="91425">
+          <a:bodyPr spcFirstLastPara="1" wrap="square" lIns="91425" tIns="91425" rIns="91425" bIns="91425" anchor="t" anchorCtr="0">
             <a:noAutofit/>
           </a:bodyPr>
           <a:lstStyle/>
           <a:p>
-            <a:pPr indent="-342900" lvl="0" marL="457200" rtl="0" algn="l">
+            <a:pPr marL="457200" lvl="0" indent="-342900" algn="l" rtl="0">
               <a:spcBef>
                 <a:spcPts val="0"/>
               </a:spcBef>
@@ -7644,7 +7777,7 @@
             <a:endParaRPr/>
           </a:p>
           <a:p>
-            <a:pPr indent="-342900" lvl="0" marL="457200" rtl="0" algn="l">
+            <a:pPr marL="457200" lvl="0" indent="-342900" algn="l" rtl="0">
               <a:spcBef>
                 <a:spcPts val="0"/>
               </a:spcBef>
@@ -7664,7 +7797,7 @@
             <a:endParaRPr/>
           </a:p>
           <a:p>
-            <a:pPr indent="-342900" lvl="0" marL="457200" rtl="0" algn="l">
+            <a:pPr marL="457200" lvl="0" indent="-342900" algn="l" rtl="0">
               <a:spcBef>
                 <a:spcPts val="0"/>
               </a:spcBef>
@@ -7681,7 +7814,7 @@
             <a:endParaRPr/>
           </a:p>
           <a:p>
-            <a:pPr indent="-317500" lvl="1" marL="914400" rtl="0" algn="l">
+            <a:pPr marL="914400" lvl="1" indent="-317500" algn="l" rtl="0">
               <a:spcBef>
                 <a:spcPts val="0"/>
               </a:spcBef>
@@ -7698,7 +7831,7 @@
             <a:endParaRPr/>
           </a:p>
           <a:p>
-            <a:pPr indent="-317500" lvl="1" marL="914400" rtl="0" algn="l">
+            <a:pPr marL="914400" lvl="1" indent="-317500" algn="l" rtl="0">
               <a:spcBef>
                 <a:spcPts val="0"/>
               </a:spcBef>
@@ -7715,7 +7848,7 @@
             <a:endParaRPr/>
           </a:p>
           <a:p>
-            <a:pPr indent="-317500" lvl="1" marL="914400" rtl="0" algn="l">
+            <a:pPr marL="914400" lvl="1" indent="-317500" algn="l" rtl="0">
               <a:spcBef>
                 <a:spcPts val="0"/>
               </a:spcBef>
@@ -7732,7 +7865,7 @@
             <a:endParaRPr/>
           </a:p>
           <a:p>
-            <a:pPr indent="-317500" lvl="1" marL="914400" rtl="0" algn="l">
+            <a:pPr marL="914400" lvl="1" indent="-317500" algn="l" rtl="0">
               <a:spcBef>
                 <a:spcPts val="0"/>
               </a:spcBef>
@@ -7744,11 +7877,7 @@
             </a:pPr>
             <a:r>
               <a:rPr lang="en"/>
-              <a:t>Metabolic</a:t>
-            </a:r>
-            <a:r>
-              <a:rPr lang="en"/>
-              <a:t> pathway analysis</a:t>
+              <a:t>Metabolic pathway analysis</a:t>
             </a:r>
             <a:endParaRPr/>
           </a:p>
@@ -7757,7 +7886,9 @@
       <p:sp>
         <p:nvSpPr>
           <p:cNvPr id="68" name="Google Shape;68;p15"/>
-          <p:cNvSpPr txBox="1"/>
+          <p:cNvSpPr txBox="1">
+            <a:spLocks noGrp="1"/>
+          </p:cNvSpPr>
           <p:nvPr>
             <p:ph type="title"/>
           </p:nvPr>
@@ -7772,12 +7903,12 @@
           </a:prstGeom>
         </p:spPr>
         <p:txBody>
-          <a:bodyPr anchorCtr="0" anchor="t" bIns="91425" lIns="91425" spcFirstLastPara="1" rIns="91425" wrap="square" tIns="91425">
+          <a:bodyPr spcFirstLastPara="1" wrap="square" lIns="91425" tIns="91425" rIns="91425" bIns="91425" anchor="t" anchorCtr="0">
             <a:noAutofit/>
           </a:bodyPr>
           <a:lstStyle/>
           <a:p>
-            <a:pPr indent="0" lvl="0" marL="0" rtl="0" algn="l">
+            <a:pPr marL="0" lvl="0" indent="0" algn="l" rtl="0">
               <a:spcBef>
                 <a:spcPts val="0"/>
               </a:spcBef>
@@ -7831,11 +7962,11 @@
 </file>
 
 <file path=ppt/slides/slide4.xml><?xml version="1.0" encoding="utf-8"?>
-<p:sld xmlns:a="http://schemas.openxmlformats.org/drawingml/2006/main" xmlns:r="http://schemas.openxmlformats.org/officeDocument/2006/relationships" xmlns:mc="http://schemas.openxmlformats.org/markup-compatibility/2006" xmlns:mv="urn:schemas-microsoft-com:mac:vml" xmlns:p="http://schemas.openxmlformats.org/presentationml/2006/main" xmlns:c="http://schemas.openxmlformats.org/drawingml/2006/chart" xmlns:dgm="http://schemas.openxmlformats.org/drawingml/2006/diagram" xmlns:o="urn:schemas-microsoft-com:office:office" xmlns:v="urn:schemas-microsoft-com:vml" xmlns:pvml="urn:schemas-microsoft-com:office:powerpoint" xmlns:com="http://schemas.openxmlformats.org/drawingml/2006/compatibility" xmlns:p14="http://schemas.microsoft.com/office/powerpoint/2010/main" xmlns:p15="http://schemas.microsoft.com/office/powerpoint/2012/main">
+<p:sld xmlns:a="http://schemas.openxmlformats.org/drawingml/2006/main" xmlns:r="http://schemas.openxmlformats.org/officeDocument/2006/relationships" xmlns:p="http://schemas.openxmlformats.org/presentationml/2006/main">
   <p:cSld>
     <p:spTree>
       <p:nvGrpSpPr>
-        <p:cNvPr id="73" name="Shape 73"/>
+        <p:cNvPr id="1" name="Shape 73"/>
         <p:cNvGrpSpPr/>
         <p:nvPr/>
       </p:nvGrpSpPr>
@@ -7850,7 +7981,9 @@
       <p:sp>
         <p:nvSpPr>
           <p:cNvPr id="74" name="Google Shape;74;p16"/>
-          <p:cNvSpPr txBox="1"/>
+          <p:cNvSpPr txBox="1">
+            <a:spLocks noGrp="1"/>
+          </p:cNvSpPr>
           <p:nvPr>
             <p:ph type="title"/>
           </p:nvPr>
@@ -7865,12 +7998,12 @@
           </a:prstGeom>
         </p:spPr>
         <p:txBody>
-          <a:bodyPr anchorCtr="0" anchor="t" bIns="91425" lIns="91425" spcFirstLastPara="1" rIns="91425" wrap="square" tIns="91425">
+          <a:bodyPr spcFirstLastPara="1" wrap="square" lIns="91425" tIns="91425" rIns="91425" bIns="91425" anchor="t" anchorCtr="0">
             <a:noAutofit/>
           </a:bodyPr>
           <a:lstStyle/>
           <a:p>
-            <a:pPr indent="0" lvl="0" marL="0" rtl="0" algn="l">
+            <a:pPr marL="0" lvl="0" indent="0" algn="l" rtl="0">
               <a:spcBef>
                 <a:spcPts val="0"/>
               </a:spcBef>
@@ -7890,9 +8023,11 @@
       <p:sp>
         <p:nvSpPr>
           <p:cNvPr id="75" name="Google Shape;75;p16"/>
-          <p:cNvSpPr txBox="1"/>
+          <p:cNvSpPr txBox="1">
+            <a:spLocks noGrp="1"/>
+          </p:cNvSpPr>
           <p:nvPr>
-            <p:ph idx="1" type="body"/>
+            <p:ph type="body" idx="1"/>
           </p:nvPr>
         </p:nvSpPr>
         <p:spPr>
@@ -7905,12 +8040,12 @@
           </a:prstGeom>
         </p:spPr>
         <p:txBody>
-          <a:bodyPr anchorCtr="0" anchor="t" bIns="91425" lIns="91425" spcFirstLastPara="1" rIns="91425" wrap="square" tIns="91425">
+          <a:bodyPr spcFirstLastPara="1" wrap="square" lIns="91425" tIns="91425" rIns="91425" bIns="91425" anchor="t" anchorCtr="0">
             <a:noAutofit/>
           </a:bodyPr>
           <a:lstStyle/>
           <a:p>
-            <a:pPr indent="0" lvl="0" marL="0" rtl="0" algn="l">
+            <a:pPr marL="0" lvl="0" indent="0" algn="l" rtl="0">
               <a:spcBef>
                 <a:spcPts val="0"/>
               </a:spcBef>
@@ -7926,7 +8061,7 @@
             <a:endParaRPr/>
           </a:p>
           <a:p>
-            <a:pPr indent="-317500" lvl="0" marL="457200" rtl="0" algn="l">
+            <a:pPr marL="457200" lvl="0" indent="-317500" algn="l" rtl="0">
               <a:spcBef>
                 <a:spcPts val="1600"/>
               </a:spcBef>
@@ -7943,7 +8078,7 @@
             <a:endParaRPr sz="1400"/>
           </a:p>
           <a:p>
-            <a:pPr indent="-317500" lvl="0" marL="457200" rtl="0" algn="l">
+            <a:pPr marL="457200" lvl="0" indent="-317500" algn="l" rtl="0">
               <a:spcBef>
                 <a:spcPts val="0"/>
               </a:spcBef>
@@ -7960,7 +8095,7 @@
             <a:endParaRPr sz="1400"/>
           </a:p>
           <a:p>
-            <a:pPr indent="-317500" lvl="0" marL="457200" rtl="0" algn="l">
+            <a:pPr marL="457200" lvl="0" indent="-317500" algn="l" rtl="0">
               <a:spcBef>
                 <a:spcPts val="0"/>
               </a:spcBef>
@@ -7977,7 +8112,7 @@
             <a:endParaRPr sz="1400"/>
           </a:p>
           <a:p>
-            <a:pPr indent="-317500" lvl="0" marL="457200" rtl="0" algn="l">
+            <a:pPr marL="457200" lvl="0" indent="-317500" algn="l" rtl="0">
               <a:spcBef>
                 <a:spcPts val="0"/>
               </a:spcBef>
@@ -8008,30 +8143,30 @@
           </a:xfrm>
           <a:prstGeom prst="downArrow">
             <a:avLst>
-              <a:gd fmla="val 50000" name="adj1"/>
-              <a:gd fmla="val 50000" name="adj2"/>
+              <a:gd name="adj1" fmla="val 50000"/>
+              <a:gd name="adj2" fmla="val 50000"/>
             </a:avLst>
           </a:prstGeom>
           <a:solidFill>
             <a:schemeClr val="lt2"/>
           </a:solidFill>
-          <a:ln cap="flat" cmpd="sng" w="9525">
+          <a:ln w="9525" cap="flat" cmpd="sng">
             <a:solidFill>
               <a:schemeClr val="dk2"/>
             </a:solidFill>
             <a:prstDash val="solid"/>
             <a:round/>
-            <a:headEnd len="sm" w="sm" type="none"/>
-            <a:tailEnd len="sm" w="sm" type="none"/>
+            <a:headEnd type="none" w="sm" len="sm"/>
+            <a:tailEnd type="none" w="sm" len="sm"/>
           </a:ln>
         </p:spPr>
         <p:txBody>
-          <a:bodyPr anchorCtr="0" anchor="ctr" bIns="91425" lIns="91425" spcFirstLastPara="1" rIns="91425" wrap="square" tIns="91425">
+          <a:bodyPr spcFirstLastPara="1" wrap="square" lIns="91425" tIns="91425" rIns="91425" bIns="91425" anchor="ctr" anchorCtr="0">
             <a:noAutofit/>
           </a:bodyPr>
           <a:lstStyle/>
           <a:p>
-            <a:pPr indent="0" lvl="0" marL="0" rtl="0" algn="l">
+            <a:pPr marL="0" lvl="0" indent="0" algn="l" rtl="0">
               <a:spcBef>
                 <a:spcPts val="0"/>
               </a:spcBef>
@@ -8040,9 +8175,6 @@
               </a:spcAft>
               <a:buNone/>
             </a:pPr>
-            <a:r>
-              <a:t/>
-            </a:r>
             <a:endParaRPr/>
           </a:p>
         </p:txBody>
@@ -8050,9 +8182,11 @@
       <p:sp>
         <p:nvSpPr>
           <p:cNvPr id="77" name="Google Shape;77;p16"/>
-          <p:cNvSpPr txBox="1"/>
+          <p:cNvSpPr txBox="1">
+            <a:spLocks noGrp="1"/>
+          </p:cNvSpPr>
           <p:nvPr>
-            <p:ph idx="1" type="body"/>
+            <p:ph type="body" idx="1"/>
           </p:nvPr>
         </p:nvSpPr>
         <p:spPr>
@@ -8065,12 +8199,12 @@
           </a:prstGeom>
         </p:spPr>
         <p:txBody>
-          <a:bodyPr anchorCtr="0" anchor="t" bIns="91425" lIns="91425" spcFirstLastPara="1" rIns="91425" wrap="square" tIns="91425">
+          <a:bodyPr spcFirstLastPara="1" wrap="square" lIns="91425" tIns="91425" rIns="91425" bIns="91425" anchor="t" anchorCtr="0">
             <a:noAutofit/>
           </a:bodyPr>
           <a:lstStyle/>
           <a:p>
-            <a:pPr indent="0" lvl="0" marL="0" rtl="0" algn="l">
+            <a:pPr marL="0" lvl="0" indent="0" algn="l" rtl="0">
               <a:spcBef>
                 <a:spcPts val="0"/>
               </a:spcBef>
@@ -8084,7 +8218,7 @@
               <a:t>Traditional linear methods fail, so </a:t>
             </a:r>
             <a:r>
-              <a:rPr b="1" lang="en"/>
+              <a:rPr lang="en" b="1"/>
               <a:t>PLS-DA</a:t>
             </a:r>
             <a:r>
@@ -8092,7 +8226,7 @@
               <a:t> and </a:t>
             </a:r>
             <a:r>
-              <a:rPr b="1" lang="en"/>
+              <a:rPr lang="en" b="1"/>
               <a:t>PCA</a:t>
             </a:r>
             <a:r>
@@ -8140,11 +8274,11 @@
 </file>
 
 <file path=ppt/slides/slide5.xml><?xml version="1.0" encoding="utf-8"?>
-<p:sld xmlns:a="http://schemas.openxmlformats.org/drawingml/2006/main" xmlns:r="http://schemas.openxmlformats.org/officeDocument/2006/relationships" xmlns:mc="http://schemas.openxmlformats.org/markup-compatibility/2006" xmlns:mv="urn:schemas-microsoft-com:mac:vml" xmlns:p="http://schemas.openxmlformats.org/presentationml/2006/main" xmlns:c="http://schemas.openxmlformats.org/drawingml/2006/chart" xmlns:dgm="http://schemas.openxmlformats.org/drawingml/2006/diagram" xmlns:o="urn:schemas-microsoft-com:office:office" xmlns:v="urn:schemas-microsoft-com:vml" xmlns:pvml="urn:schemas-microsoft-com:office:powerpoint" xmlns:com="http://schemas.openxmlformats.org/drawingml/2006/compatibility" xmlns:p14="http://schemas.microsoft.com/office/powerpoint/2010/main" xmlns:p15="http://schemas.microsoft.com/office/powerpoint/2012/main">
+<p:sld xmlns:a="http://schemas.openxmlformats.org/drawingml/2006/main" xmlns:r="http://schemas.openxmlformats.org/officeDocument/2006/relationships" xmlns:p="http://schemas.openxmlformats.org/presentationml/2006/main">
   <p:cSld>
     <p:spTree>
       <p:nvGrpSpPr>
-        <p:cNvPr id="82" name="Shape 82"/>
+        <p:cNvPr id="1" name="Shape 82"/>
         <p:cNvGrpSpPr/>
         <p:nvPr/>
       </p:nvGrpSpPr>
@@ -8159,7 +8293,9 @@
       <p:sp>
         <p:nvSpPr>
           <p:cNvPr id="83" name="Google Shape;83;p17"/>
-          <p:cNvSpPr txBox="1"/>
+          <p:cNvSpPr txBox="1">
+            <a:spLocks noGrp="1"/>
+          </p:cNvSpPr>
           <p:nvPr>
             <p:ph type="title"/>
           </p:nvPr>
@@ -8174,12 +8310,12 @@
           </a:prstGeom>
         </p:spPr>
         <p:txBody>
-          <a:bodyPr anchorCtr="0" anchor="t" bIns="91425" lIns="91425" spcFirstLastPara="1" rIns="91425" wrap="square" tIns="91425">
+          <a:bodyPr spcFirstLastPara="1" wrap="square" lIns="91425" tIns="91425" rIns="91425" bIns="91425" anchor="t" anchorCtr="0">
             <a:noAutofit/>
           </a:bodyPr>
           <a:lstStyle/>
           <a:p>
-            <a:pPr indent="0" lvl="0" marL="0" rtl="0" algn="l">
+            <a:pPr marL="0" lvl="0" indent="0" algn="l" rtl="0">
               <a:spcBef>
                 <a:spcPts val="0"/>
               </a:spcBef>
@@ -8195,7 +8331,7 @@
             <a:endParaRPr/>
           </a:p>
           <a:p>
-            <a:pPr indent="0" lvl="0" marL="0" rtl="0" algn="l">
+            <a:pPr marL="0" lvl="0" indent="0" algn="l" rtl="0">
               <a:spcBef>
                 <a:spcPts val="0"/>
               </a:spcBef>
@@ -8204,9 +8340,6 @@
               </a:spcAft>
               <a:buNone/>
             </a:pPr>
-            <a:r>
-              <a:t/>
-            </a:r>
             <a:endParaRPr/>
           </a:p>
         </p:txBody>
@@ -8270,7 +8403,9 @@
       <p:sp>
         <p:nvSpPr>
           <p:cNvPr id="86" name="Google Shape;86;p17"/>
-          <p:cNvSpPr txBox="1"/>
+          <p:cNvSpPr txBox="1">
+            <a:spLocks noGrp="1"/>
+          </p:cNvSpPr>
           <p:nvPr>
             <p:ph type="title"/>
           </p:nvPr>
@@ -8285,12 +8420,12 @@
           </a:prstGeom>
         </p:spPr>
         <p:txBody>
-          <a:bodyPr anchorCtr="0" anchor="t" bIns="91425" lIns="91425" spcFirstLastPara="1" rIns="91425" wrap="square" tIns="91425">
+          <a:bodyPr spcFirstLastPara="1" wrap="square" lIns="91425" tIns="91425" rIns="91425" bIns="91425" anchor="t" anchorCtr="0">
             <a:noAutofit/>
           </a:bodyPr>
           <a:lstStyle/>
           <a:p>
-            <a:pPr indent="0" lvl="0" marL="0" rtl="0" algn="l">
+            <a:pPr marL="0" lvl="0" indent="0" algn="l" rtl="0">
               <a:spcBef>
                 <a:spcPts val="0"/>
               </a:spcBef>
@@ -8310,7 +8445,9 @@
       <p:sp>
         <p:nvSpPr>
           <p:cNvPr id="87" name="Google Shape;87;p17"/>
-          <p:cNvSpPr txBox="1"/>
+          <p:cNvSpPr txBox="1">
+            <a:spLocks noGrp="1"/>
+          </p:cNvSpPr>
           <p:nvPr>
             <p:ph type="title"/>
           </p:nvPr>
@@ -8325,12 +8462,12 @@
           </a:prstGeom>
         </p:spPr>
         <p:txBody>
-          <a:bodyPr anchorCtr="0" anchor="t" bIns="91425" lIns="91425" spcFirstLastPara="1" rIns="91425" wrap="square" tIns="91425">
+          <a:bodyPr spcFirstLastPara="1" wrap="square" lIns="91425" tIns="91425" rIns="91425" bIns="91425" anchor="t" anchorCtr="0">
             <a:noAutofit/>
           </a:bodyPr>
           <a:lstStyle/>
           <a:p>
-            <a:pPr indent="0" lvl="0" marL="0" rtl="0" algn="l">
+            <a:pPr marL="0" lvl="0" indent="0" algn="l" rtl="0">
               <a:spcBef>
                 <a:spcPts val="0"/>
               </a:spcBef>
@@ -8356,11 +8493,11 @@
 </file>
 
 <file path=ppt/slides/slide6.xml><?xml version="1.0" encoding="utf-8"?>
-<p:sld xmlns:a="http://schemas.openxmlformats.org/drawingml/2006/main" xmlns:r="http://schemas.openxmlformats.org/officeDocument/2006/relationships" xmlns:mc="http://schemas.openxmlformats.org/markup-compatibility/2006" xmlns:mv="urn:schemas-microsoft-com:mac:vml" xmlns:p="http://schemas.openxmlformats.org/presentationml/2006/main" xmlns:c="http://schemas.openxmlformats.org/drawingml/2006/chart" xmlns:dgm="http://schemas.openxmlformats.org/drawingml/2006/diagram" xmlns:o="urn:schemas-microsoft-com:office:office" xmlns:v="urn:schemas-microsoft-com:vml" xmlns:pvml="urn:schemas-microsoft-com:office:powerpoint" xmlns:com="http://schemas.openxmlformats.org/drawingml/2006/compatibility" xmlns:p14="http://schemas.microsoft.com/office/powerpoint/2010/main" xmlns:p15="http://schemas.microsoft.com/office/powerpoint/2012/main">
+<p:sld xmlns:a="http://schemas.openxmlformats.org/drawingml/2006/main" xmlns:r="http://schemas.openxmlformats.org/officeDocument/2006/relationships" xmlns:p="http://schemas.openxmlformats.org/presentationml/2006/main">
   <p:cSld>
     <p:spTree>
       <p:nvGrpSpPr>
-        <p:cNvPr id="91" name="Shape 91"/>
+        <p:cNvPr id="1" name="Shape 91"/>
         <p:cNvGrpSpPr/>
         <p:nvPr/>
       </p:nvGrpSpPr>
@@ -8375,9 +8512,11 @@
       <p:sp>
         <p:nvSpPr>
           <p:cNvPr id="92" name="Google Shape;92;p18"/>
-          <p:cNvSpPr txBox="1"/>
+          <p:cNvSpPr txBox="1">
+            <a:spLocks noGrp="1"/>
+          </p:cNvSpPr>
           <p:nvPr>
-            <p:ph idx="1" type="body"/>
+            <p:ph type="body" idx="1"/>
           </p:nvPr>
         </p:nvSpPr>
         <p:spPr>
@@ -8390,12 +8529,12 @@
           </a:prstGeom>
         </p:spPr>
         <p:txBody>
-          <a:bodyPr anchorCtr="0" anchor="t" bIns="91425" lIns="91425" spcFirstLastPara="1" rIns="91425" wrap="square" tIns="91425">
+          <a:bodyPr spcFirstLastPara="1" wrap="square" lIns="91425" tIns="91425" rIns="91425" bIns="91425" anchor="t" anchorCtr="0">
             <a:noAutofit/>
           </a:bodyPr>
           <a:lstStyle/>
           <a:p>
-            <a:pPr indent="-349250" lvl="0" marL="457200" rtl="0" algn="l">
+            <a:pPr marL="457200" lvl="0" indent="-349250" algn="l" rtl="0">
               <a:spcBef>
                 <a:spcPts val="0"/>
               </a:spcBef>
@@ -8415,7 +8554,7 @@
             <a:endParaRPr sz="1900"/>
           </a:p>
           <a:p>
-            <a:pPr indent="-349250" lvl="0" marL="457200" rtl="0" algn="l">
+            <a:pPr marL="457200" lvl="0" indent="-349250" algn="l" rtl="0">
               <a:spcBef>
                 <a:spcPts val="0"/>
               </a:spcBef>
@@ -8435,7 +8574,7 @@
             <a:endParaRPr sz="1900"/>
           </a:p>
           <a:p>
-            <a:pPr indent="-349250" lvl="0" marL="457200" rtl="0" algn="l">
+            <a:pPr marL="457200" lvl="0" indent="-349250" algn="l" rtl="0">
               <a:spcBef>
                 <a:spcPts val="0"/>
               </a:spcBef>
@@ -8446,10 +8585,10 @@
               <a:buChar char="●"/>
             </a:pPr>
             <a:r>
-              <a:rPr b="1" lang="en" sz="1900"/>
+              <a:rPr lang="en" sz="1900" b="1"/>
               <a:t>Component for variable importance</a:t>
             </a:r>
-            <a:endParaRPr b="1" sz="1900"/>
+            <a:endParaRPr sz="1900" b="1"/>
           </a:p>
         </p:txBody>
       </p:sp>
@@ -8466,28 +8605,28 @@
           </a:xfrm>
           <a:prstGeom prst="rightBrace">
             <a:avLst>
-              <a:gd fmla="val 50000" name="adj1"/>
-              <a:gd fmla="val 50000" name="adj2"/>
+              <a:gd name="adj1" fmla="val 50000"/>
+              <a:gd name="adj2" fmla="val 50000"/>
             </a:avLst>
           </a:prstGeom>
           <a:noFill/>
-          <a:ln cap="flat" cmpd="sng" w="19050">
+          <a:ln w="19050" cap="flat" cmpd="sng">
             <a:solidFill>
               <a:srgbClr val="999999"/>
             </a:solidFill>
             <a:prstDash val="solid"/>
             <a:round/>
-            <a:headEnd len="sm" w="sm" type="none"/>
-            <a:tailEnd len="sm" w="sm" type="none"/>
+            <a:headEnd type="none" w="sm" len="sm"/>
+            <a:tailEnd type="none" w="sm" len="sm"/>
           </a:ln>
         </p:spPr>
         <p:txBody>
-          <a:bodyPr anchorCtr="0" anchor="ctr" bIns="91425" lIns="91425" spcFirstLastPara="1" rIns="91425" wrap="square" tIns="91425">
+          <a:bodyPr spcFirstLastPara="1" wrap="square" lIns="91425" tIns="91425" rIns="91425" bIns="91425" anchor="ctr" anchorCtr="0">
             <a:noAutofit/>
           </a:bodyPr>
           <a:lstStyle/>
           <a:p>
-            <a:pPr indent="0" lvl="0" marL="0" rtl="0" algn="l">
+            <a:pPr marL="0" lvl="0" indent="0" algn="l" rtl="0">
               <a:spcBef>
                 <a:spcPts val="0"/>
               </a:spcBef>
@@ -8496,9 +8635,6 @@
               </a:spcAft>
               <a:buNone/>
             </a:pPr>
-            <a:r>
-              <a:t/>
-            </a:r>
             <a:endParaRPr sz="1800"/>
           </a:p>
         </p:txBody>
@@ -8506,9 +8642,11 @@
       <p:sp>
         <p:nvSpPr>
           <p:cNvPr id="94" name="Google Shape;94;p18"/>
-          <p:cNvSpPr txBox="1"/>
+          <p:cNvSpPr txBox="1">
+            <a:spLocks noGrp="1"/>
+          </p:cNvSpPr>
           <p:nvPr>
-            <p:ph idx="1" type="body"/>
+            <p:ph type="body" idx="1"/>
           </p:nvPr>
         </p:nvSpPr>
         <p:spPr>
@@ -8521,12 +8659,12 @@
           </a:prstGeom>
         </p:spPr>
         <p:txBody>
-          <a:bodyPr anchorCtr="0" anchor="t" bIns="91425" lIns="91425" spcFirstLastPara="1" rIns="91425" wrap="square" tIns="91425">
+          <a:bodyPr spcFirstLastPara="1" wrap="square" lIns="91425" tIns="91425" rIns="91425" bIns="91425" anchor="t" anchorCtr="0">
             <a:noAutofit/>
           </a:bodyPr>
           <a:lstStyle/>
           <a:p>
-            <a:pPr indent="0" lvl="0" marL="0" rtl="0" algn="l">
+            <a:pPr marL="0" lvl="0" indent="0" algn="l" rtl="0">
               <a:spcBef>
                 <a:spcPts val="0"/>
               </a:spcBef>
@@ -8539,14 +8677,16 @@
               <a:rPr lang="en" sz="1900"/>
               <a:t>Did not make a difference due to already clean data</a:t>
             </a:r>
-            <a:endParaRPr b="1" sz="1900"/>
+            <a:endParaRPr sz="1900" b="1"/>
           </a:p>
         </p:txBody>
       </p:sp>
       <p:sp>
         <p:nvSpPr>
           <p:cNvPr id="95" name="Google Shape;95;p18"/>
-          <p:cNvSpPr txBox="1"/>
+          <p:cNvSpPr txBox="1">
+            <a:spLocks noGrp="1"/>
+          </p:cNvSpPr>
           <p:nvPr>
             <p:ph type="title"/>
           </p:nvPr>
@@ -8561,12 +8701,12 @@
           </a:prstGeom>
         </p:spPr>
         <p:txBody>
-          <a:bodyPr anchorCtr="0" anchor="t" bIns="91425" lIns="91425" spcFirstLastPara="1" rIns="91425" wrap="square" tIns="91425">
+          <a:bodyPr spcFirstLastPara="1" wrap="square" lIns="91425" tIns="91425" rIns="91425" bIns="91425" anchor="t" anchorCtr="0">
             <a:noAutofit/>
           </a:bodyPr>
           <a:lstStyle/>
           <a:p>
-            <a:pPr indent="0" lvl="0" marL="0" rtl="0" algn="l">
+            <a:pPr marL="0" lvl="0" indent="0" algn="l" rtl="0">
               <a:spcBef>
                 <a:spcPts val="0"/>
               </a:spcBef>
@@ -8592,11 +8732,11 @@
 </file>
 
 <file path=ppt/slides/slide7.xml><?xml version="1.0" encoding="utf-8"?>
-<p:sld xmlns:a="http://schemas.openxmlformats.org/drawingml/2006/main" xmlns:r="http://schemas.openxmlformats.org/officeDocument/2006/relationships" xmlns:mc="http://schemas.openxmlformats.org/markup-compatibility/2006" xmlns:mv="urn:schemas-microsoft-com:mac:vml" xmlns:p="http://schemas.openxmlformats.org/presentationml/2006/main" xmlns:c="http://schemas.openxmlformats.org/drawingml/2006/chart" xmlns:dgm="http://schemas.openxmlformats.org/drawingml/2006/diagram" xmlns:o="urn:schemas-microsoft-com:office:office" xmlns:v="urn:schemas-microsoft-com:vml" xmlns:pvml="urn:schemas-microsoft-com:office:powerpoint" xmlns:com="http://schemas.openxmlformats.org/drawingml/2006/compatibility" xmlns:p14="http://schemas.microsoft.com/office/powerpoint/2010/main" xmlns:p15="http://schemas.microsoft.com/office/powerpoint/2012/main">
+<p:sld xmlns:a="http://schemas.openxmlformats.org/drawingml/2006/main" xmlns:r="http://schemas.openxmlformats.org/officeDocument/2006/relationships" xmlns:p="http://schemas.openxmlformats.org/presentationml/2006/main">
   <p:cSld>
     <p:spTree>
       <p:nvGrpSpPr>
-        <p:cNvPr id="99" name="Shape 99"/>
+        <p:cNvPr id="1" name="Shape 99"/>
         <p:cNvGrpSpPr/>
         <p:nvPr/>
       </p:nvGrpSpPr>
@@ -8667,7 +8807,9 @@
       <p:sp>
         <p:nvSpPr>
           <p:cNvPr id="102" name="Google Shape;102;p19"/>
-          <p:cNvSpPr txBox="1"/>
+          <p:cNvSpPr txBox="1">
+            <a:spLocks noGrp="1"/>
+          </p:cNvSpPr>
           <p:nvPr>
             <p:ph type="title"/>
           </p:nvPr>
@@ -8682,12 +8824,12 @@
           </a:prstGeom>
         </p:spPr>
         <p:txBody>
-          <a:bodyPr anchorCtr="0" anchor="t" bIns="91425" lIns="91425" spcFirstLastPara="1" rIns="91425" wrap="square" tIns="91425">
+          <a:bodyPr spcFirstLastPara="1" wrap="square" lIns="91425" tIns="91425" rIns="91425" bIns="91425" anchor="t" anchorCtr="0">
             <a:noAutofit/>
           </a:bodyPr>
           <a:lstStyle/>
           <a:p>
-            <a:pPr indent="0" lvl="0" marL="0" rtl="0" algn="l">
+            <a:pPr marL="0" lvl="0" indent="0" algn="l" rtl="0">
               <a:spcBef>
                 <a:spcPts val="0"/>
               </a:spcBef>
@@ -8713,11 +8855,11 @@
 </file>
 
 <file path=ppt/slides/slide8.xml><?xml version="1.0" encoding="utf-8"?>
-<p:sld xmlns:a="http://schemas.openxmlformats.org/drawingml/2006/main" xmlns:r="http://schemas.openxmlformats.org/officeDocument/2006/relationships" xmlns:mc="http://schemas.openxmlformats.org/markup-compatibility/2006" xmlns:mv="urn:schemas-microsoft-com:mac:vml" xmlns:p="http://schemas.openxmlformats.org/presentationml/2006/main" xmlns:c="http://schemas.openxmlformats.org/drawingml/2006/chart" xmlns:dgm="http://schemas.openxmlformats.org/drawingml/2006/diagram" xmlns:o="urn:schemas-microsoft-com:office:office" xmlns:v="urn:schemas-microsoft-com:vml" xmlns:pvml="urn:schemas-microsoft-com:office:powerpoint" xmlns:com="http://schemas.openxmlformats.org/drawingml/2006/compatibility" xmlns:p14="http://schemas.microsoft.com/office/powerpoint/2010/main" xmlns:p15="http://schemas.microsoft.com/office/powerpoint/2012/main">
+<p:sld xmlns:a="http://schemas.openxmlformats.org/drawingml/2006/main" xmlns:r="http://schemas.openxmlformats.org/officeDocument/2006/relationships" xmlns:p="http://schemas.openxmlformats.org/presentationml/2006/main">
   <p:cSld>
     <p:spTree>
       <p:nvGrpSpPr>
-        <p:cNvPr id="106" name="Shape 106"/>
+        <p:cNvPr id="1" name="Shape 106"/>
         <p:cNvGrpSpPr/>
         <p:nvPr/>
       </p:nvGrpSpPr>
@@ -8732,7 +8874,9 @@
       <p:sp>
         <p:nvSpPr>
           <p:cNvPr id="107" name="Google Shape;107;p20"/>
-          <p:cNvSpPr txBox="1"/>
+          <p:cNvSpPr txBox="1">
+            <a:spLocks noGrp="1"/>
+          </p:cNvSpPr>
           <p:nvPr>
             <p:ph type="title"/>
           </p:nvPr>
@@ -8747,12 +8891,12 @@
           </a:prstGeom>
         </p:spPr>
         <p:txBody>
-          <a:bodyPr anchorCtr="0" anchor="t" bIns="91425" lIns="91425" spcFirstLastPara="1" rIns="91425" wrap="square" tIns="91425">
+          <a:bodyPr spcFirstLastPara="1" wrap="square" lIns="91425" tIns="91425" rIns="91425" bIns="91425" anchor="t" anchorCtr="0">
             <a:noAutofit/>
           </a:bodyPr>
           <a:lstStyle/>
           <a:p>
-            <a:pPr indent="0" lvl="0" marL="0" rtl="0" algn="l">
+            <a:pPr marL="0" lvl="0" indent="0" algn="l" rtl="0">
               <a:spcBef>
                 <a:spcPts val="0"/>
               </a:spcBef>
@@ -8805,12 +8949,12 @@
             </a:ln>
           </p:spPr>
           <p:txBody>
-            <a:bodyPr anchorCtr="0" anchor="ctr" bIns="91425" lIns="91425" spcFirstLastPara="1" rIns="91425" wrap="square" tIns="91425">
+            <a:bodyPr spcFirstLastPara="1" wrap="square" lIns="91425" tIns="91425" rIns="91425" bIns="91425" anchor="ctr" anchorCtr="0">
               <a:noAutofit/>
             </a:bodyPr>
             <a:lstStyle/>
             <a:p>
-              <a:pPr indent="0" lvl="0" marL="0" rtl="0" algn="l">
+              <a:pPr marL="0" lvl="0" indent="0" algn="l" rtl="0">
                 <a:spcBef>
                   <a:spcPts val="0"/>
                 </a:spcBef>
@@ -8819,9 +8963,6 @@
                 </a:spcAft>
                 <a:buNone/>
               </a:pPr>
-              <a:r>
-                <a:t/>
-              </a:r>
               <a:endParaRPr/>
             </a:p>
           </p:txBody>
@@ -8843,23 +8984,23 @@
             <a:solidFill>
               <a:srgbClr val="FFFFFF"/>
             </a:solidFill>
-            <a:ln cap="flat" cmpd="sng" w="19050">
+            <a:ln w="19050" cap="flat" cmpd="sng">
               <a:solidFill>
                 <a:srgbClr val="414141"/>
               </a:solidFill>
               <a:prstDash val="solid"/>
               <a:round/>
-              <a:headEnd len="sm" w="sm" type="none"/>
-              <a:tailEnd len="sm" w="sm" type="none"/>
+              <a:headEnd type="none" w="sm" len="sm"/>
+              <a:tailEnd type="none" w="sm" len="sm"/>
             </a:ln>
           </p:spPr>
           <p:txBody>
-            <a:bodyPr anchorCtr="0" anchor="ctr" bIns="91425" lIns="91425" spcFirstLastPara="1" rIns="91425" wrap="square" tIns="91425">
+            <a:bodyPr spcFirstLastPara="1" wrap="square" lIns="91425" tIns="91425" rIns="91425" bIns="91425" anchor="ctr" anchorCtr="0">
               <a:noAutofit/>
             </a:bodyPr>
             <a:lstStyle/>
             <a:p>
-              <a:pPr indent="0" lvl="0" marL="0" rtl="0" algn="l">
+              <a:pPr marL="0" lvl="0" indent="0" algn="l" rtl="0">
                 <a:spcBef>
                   <a:spcPts val="0"/>
                 </a:spcBef>
@@ -8868,9 +9009,6 @@
                 </a:spcAft>
                 <a:buNone/>
               </a:pPr>
-              <a:r>
-                <a:t/>
-              </a:r>
               <a:endParaRPr/>
             </a:p>
           </p:txBody>
@@ -8895,12 +9033,12 @@
             </a:ln>
           </p:spPr>
           <p:txBody>
-            <a:bodyPr anchorCtr="0" anchor="t" bIns="91425" lIns="91425" spcFirstLastPara="1" rIns="91425" wrap="square" tIns="91425">
+            <a:bodyPr spcFirstLastPara="1" wrap="square" lIns="91425" tIns="91425" rIns="91425" bIns="91425" anchor="t" anchorCtr="0">
               <a:noAutofit/>
             </a:bodyPr>
             <a:lstStyle/>
             <a:p>
-              <a:pPr indent="0" lvl="0" marL="0" rtl="0" algn="l">
+              <a:pPr marL="0" lvl="0" indent="0" algn="l" rtl="0">
                 <a:lnSpc>
                   <a:spcPct val="115000"/>
                 </a:lnSpc>
@@ -8956,12 +9094,12 @@
             </a:ln>
           </p:spPr>
           <p:txBody>
-            <a:bodyPr anchorCtr="0" anchor="t" bIns="91425" lIns="91425" spcFirstLastPara="1" rIns="91425" wrap="square" tIns="91425">
+            <a:bodyPr spcFirstLastPara="1" wrap="square" lIns="91425" tIns="91425" rIns="91425" bIns="91425" anchor="t" anchorCtr="0">
               <a:noAutofit/>
             </a:bodyPr>
             <a:lstStyle/>
             <a:p>
-              <a:pPr indent="0" lvl="0" marL="0" rtl="0" algn="l">
+              <a:pPr marL="0" lvl="0" indent="0" algn="l" rtl="0">
                 <a:spcBef>
                   <a:spcPts val="0"/>
                 </a:spcBef>
@@ -8971,7 +9109,7 @@
                 <a:buNone/>
               </a:pPr>
               <a:r>
-                <a:rPr b="1" lang="en" sz="2400">
+                <a:rPr lang="en" sz="2400" b="1">
                   <a:solidFill>
                     <a:srgbClr val="414141"/>
                   </a:solidFill>
@@ -9007,8 +9145,8 @@
             </a:xfrm>
             <a:prstGeom prst="rightArrow">
               <a:avLst>
-                <a:gd fmla="val 34239" name="adj1"/>
-                <a:gd fmla="val 57035" name="adj2"/>
+                <a:gd name="adj1" fmla="val 34239"/>
+                <a:gd name="adj2" fmla="val 57035"/>
               </a:avLst>
             </a:prstGeom>
             <a:solidFill>
@@ -9019,12 +9157,12 @@
             </a:ln>
           </p:spPr>
           <p:txBody>
-            <a:bodyPr anchorCtr="0" anchor="ctr" bIns="91425" lIns="91425" spcFirstLastPara="1" rIns="91425" wrap="square" tIns="91425">
+            <a:bodyPr spcFirstLastPara="1" wrap="square" lIns="91425" tIns="91425" rIns="91425" bIns="91425" anchor="ctr" anchorCtr="0">
               <a:noAutofit/>
             </a:bodyPr>
             <a:lstStyle/>
             <a:p>
-              <a:pPr indent="0" lvl="0" marL="0" rtl="0" algn="l">
+              <a:pPr marL="0" lvl="0" indent="0" algn="l" rtl="0">
                 <a:spcBef>
                   <a:spcPts val="0"/>
                 </a:spcBef>
@@ -9033,9 +9171,6 @@
                 </a:spcAft>
                 <a:buNone/>
               </a:pPr>
-              <a:r>
-                <a:t/>
-              </a:r>
               <a:endParaRPr/>
             </a:p>
           </p:txBody>
@@ -9060,12 +9195,12 @@
             </a:ln>
           </p:spPr>
           <p:txBody>
-            <a:bodyPr anchorCtr="0" anchor="t" bIns="91425" lIns="91425" spcFirstLastPara="1" rIns="91425" wrap="square" tIns="91425">
+            <a:bodyPr spcFirstLastPara="1" wrap="square" lIns="91425" tIns="91425" rIns="91425" bIns="91425" anchor="t" anchorCtr="0">
               <a:noAutofit/>
             </a:bodyPr>
             <a:lstStyle/>
             <a:p>
-              <a:pPr indent="0" lvl="0" marL="0" rtl="0" algn="l">
+              <a:pPr marL="0" lvl="0" indent="0" algn="l" rtl="0">
                 <a:lnSpc>
                   <a:spcPct val="115000"/>
                 </a:lnSpc>
@@ -9100,7 +9235,7 @@
               </a:endParaRPr>
             </a:p>
             <a:p>
-              <a:pPr indent="-311150" lvl="0" marL="457200" rtl="0" algn="l">
+              <a:pPr marL="457200" lvl="0" indent="-311150" algn="l" rtl="0">
                 <a:lnSpc>
                   <a:spcPct val="115000"/>
                 </a:lnSpc>
@@ -9140,7 +9275,7 @@
               </a:endParaRPr>
             </a:p>
             <a:p>
-              <a:pPr indent="-311150" lvl="0" marL="457200" rtl="0" algn="l">
+              <a:pPr marL="457200" lvl="0" indent="-311150" algn="l" rtl="0">
                 <a:lnSpc>
                   <a:spcPct val="115000"/>
                 </a:lnSpc>
@@ -9180,7 +9315,7 @@
               </a:endParaRPr>
             </a:p>
             <a:p>
-              <a:pPr indent="-311150" lvl="0" marL="457200" rtl="0" algn="l">
+              <a:pPr marL="457200" lvl="0" indent="-311150" algn="l" rtl="0">
                 <a:lnSpc>
                   <a:spcPct val="115000"/>
                 </a:lnSpc>
@@ -9220,7 +9355,7 @@
               </a:endParaRPr>
             </a:p>
             <a:p>
-              <a:pPr indent="-311150" lvl="0" marL="457200" rtl="0" algn="l">
+              <a:pPr marL="457200" lvl="0" indent="-311150" algn="l" rtl="0">
                 <a:lnSpc>
                   <a:spcPct val="115000"/>
                 </a:lnSpc>
@@ -9298,12 +9433,12 @@
             </a:ln>
           </p:spPr>
           <p:txBody>
-            <a:bodyPr anchorCtr="0" anchor="ctr" bIns="91425" lIns="91425" spcFirstLastPara="1" rIns="91425" wrap="square" tIns="91425">
+            <a:bodyPr spcFirstLastPara="1" wrap="square" lIns="91425" tIns="91425" rIns="91425" bIns="91425" anchor="ctr" anchorCtr="0">
               <a:noAutofit/>
             </a:bodyPr>
             <a:lstStyle/>
             <a:p>
-              <a:pPr indent="0" lvl="0" marL="0" rtl="0" algn="l">
+              <a:pPr marL="0" lvl="0" indent="0" algn="l" rtl="0">
                 <a:spcBef>
                   <a:spcPts val="0"/>
                 </a:spcBef>
@@ -9312,9 +9447,6 @@
                 </a:spcAft>
                 <a:buNone/>
               </a:pPr>
-              <a:r>
-                <a:t/>
-              </a:r>
               <a:endParaRPr/>
             </a:p>
           </p:txBody>
@@ -9336,23 +9468,23 @@
             <a:solidFill>
               <a:srgbClr val="FFFFFF"/>
             </a:solidFill>
-            <a:ln cap="flat" cmpd="sng" w="19050">
+            <a:ln w="19050" cap="flat" cmpd="sng">
               <a:solidFill>
                 <a:srgbClr val="414141"/>
               </a:solidFill>
               <a:prstDash val="solid"/>
               <a:round/>
-              <a:headEnd len="sm" w="sm" type="none"/>
-              <a:tailEnd len="sm" w="sm" type="none"/>
+              <a:headEnd type="none" w="sm" len="sm"/>
+              <a:tailEnd type="none" w="sm" len="sm"/>
             </a:ln>
           </p:spPr>
           <p:txBody>
-            <a:bodyPr anchorCtr="0" anchor="ctr" bIns="91425" lIns="91425" spcFirstLastPara="1" rIns="91425" wrap="square" tIns="91425">
+            <a:bodyPr spcFirstLastPara="1" wrap="square" lIns="91425" tIns="91425" rIns="91425" bIns="91425" anchor="ctr" anchorCtr="0">
               <a:noAutofit/>
             </a:bodyPr>
             <a:lstStyle/>
             <a:p>
-              <a:pPr indent="0" lvl="0" marL="0" rtl="0" algn="l">
+              <a:pPr marL="0" lvl="0" indent="0" algn="l" rtl="0">
                 <a:spcBef>
                   <a:spcPts val="0"/>
                 </a:spcBef>
@@ -9361,9 +9493,6 @@
                 </a:spcAft>
                 <a:buNone/>
               </a:pPr>
-              <a:r>
-                <a:t/>
-              </a:r>
               <a:endParaRPr/>
             </a:p>
           </p:txBody>
@@ -9388,12 +9517,12 @@
             </a:ln>
           </p:spPr>
           <p:txBody>
-            <a:bodyPr anchorCtr="0" anchor="t" bIns="91425" lIns="91425" spcFirstLastPara="1" rIns="91425" wrap="square" tIns="91425">
+            <a:bodyPr spcFirstLastPara="1" wrap="square" lIns="91425" tIns="91425" rIns="91425" bIns="91425" anchor="t" anchorCtr="0">
               <a:noAutofit/>
             </a:bodyPr>
             <a:lstStyle/>
             <a:p>
-              <a:pPr indent="0" lvl="0" marL="0" rtl="0" algn="l">
+              <a:pPr marL="0" lvl="0" indent="0" algn="l" rtl="0">
                 <a:lnSpc>
                   <a:spcPct val="115000"/>
                 </a:lnSpc>
@@ -9415,19 +9544,7 @@
                   <a:cs typeface="Roboto"/>
                   <a:sym typeface="Roboto"/>
                 </a:rPr>
-                <a:t>- </a:t>
-              </a:r>
-              <a:r>
-                <a:rPr lang="en">
-                  <a:solidFill>
-                    <a:srgbClr val="414141"/>
-                  </a:solidFill>
-                  <a:latin typeface="Roboto"/>
-                  <a:ea typeface="Roboto"/>
-                  <a:cs typeface="Roboto"/>
-                  <a:sym typeface="Roboto"/>
-                </a:rPr>
-                <a:t>Problems installing MetaboAnalyst package.</a:t>
+                <a:t>- Problems installing MetaboAnalyst package.</a:t>
               </a:r>
               <a:endParaRPr>
                 <a:solidFill>
@@ -9440,7 +9557,7 @@
               </a:endParaRPr>
             </a:p>
             <a:p>
-              <a:pPr indent="0" lvl="0" marL="0" rtl="0" algn="l">
+              <a:pPr marL="0" lvl="0" indent="0" algn="l" rtl="0">
                 <a:lnSpc>
                   <a:spcPct val="115000"/>
                 </a:lnSpc>
@@ -9496,12 +9613,12 @@
             </a:ln>
           </p:spPr>
           <p:txBody>
-            <a:bodyPr anchorCtr="0" anchor="t" bIns="91425" lIns="91425" spcFirstLastPara="1" rIns="91425" wrap="square" tIns="91425">
+            <a:bodyPr spcFirstLastPara="1" wrap="square" lIns="91425" tIns="91425" rIns="91425" bIns="91425" anchor="t" anchorCtr="0">
               <a:noAutofit/>
             </a:bodyPr>
             <a:lstStyle/>
             <a:p>
-              <a:pPr indent="0" lvl="0" marL="0" rtl="0" algn="l">
+              <a:pPr marL="0" lvl="0" indent="0" algn="l" rtl="0">
                 <a:spcBef>
                   <a:spcPts val="0"/>
                 </a:spcBef>
@@ -9511,7 +9628,7 @@
                 <a:buNone/>
               </a:pPr>
               <a:r>
-                <a:rPr b="1" lang="en" sz="2400">
+                <a:rPr lang="en" sz="2400" b="1">
                   <a:solidFill>
                     <a:srgbClr val="414141"/>
                   </a:solidFill>
@@ -9547,8 +9664,8 @@
             </a:xfrm>
             <a:prstGeom prst="rightArrow">
               <a:avLst>
-                <a:gd fmla="val 34239" name="adj1"/>
-                <a:gd fmla="val 57035" name="adj2"/>
+                <a:gd name="adj1" fmla="val 34239"/>
+                <a:gd name="adj2" fmla="val 57035"/>
               </a:avLst>
             </a:prstGeom>
             <a:solidFill>
@@ -9559,12 +9676,12 @@
             </a:ln>
           </p:spPr>
           <p:txBody>
-            <a:bodyPr anchorCtr="0" anchor="ctr" bIns="91425" lIns="91425" spcFirstLastPara="1" rIns="91425" wrap="square" tIns="91425">
+            <a:bodyPr spcFirstLastPara="1" wrap="square" lIns="91425" tIns="91425" rIns="91425" bIns="91425" anchor="ctr" anchorCtr="0">
               <a:noAutofit/>
             </a:bodyPr>
             <a:lstStyle/>
             <a:p>
-              <a:pPr indent="0" lvl="0" marL="0" rtl="0" algn="l">
+              <a:pPr marL="0" lvl="0" indent="0" algn="l" rtl="0">
                 <a:spcBef>
                   <a:spcPts val="0"/>
                 </a:spcBef>
@@ -9573,9 +9690,6 @@
                 </a:spcAft>
                 <a:buNone/>
               </a:pPr>
-              <a:r>
-                <a:t/>
-              </a:r>
               <a:endParaRPr/>
             </a:p>
           </p:txBody>
@@ -9600,12 +9714,12 @@
             </a:ln>
           </p:spPr>
           <p:txBody>
-            <a:bodyPr anchorCtr="0" anchor="t" bIns="91425" lIns="91425" spcFirstLastPara="1" rIns="91425" wrap="square" tIns="91425">
+            <a:bodyPr spcFirstLastPara="1" wrap="square" lIns="91425" tIns="91425" rIns="91425" bIns="91425" anchor="t" anchorCtr="0">
               <a:noAutofit/>
             </a:bodyPr>
             <a:lstStyle/>
             <a:p>
-              <a:pPr indent="-311150" lvl="0" marL="457200" rtl="0" algn="l">
+              <a:pPr marL="457200" lvl="0" indent="-311150" algn="l" rtl="0">
                 <a:lnSpc>
                   <a:spcPct val="115000"/>
                 </a:lnSpc>
@@ -9645,7 +9759,7 @@
               </a:endParaRPr>
             </a:p>
             <a:p>
-              <a:pPr indent="-311150" lvl="0" marL="457200" rtl="0" algn="l">
+              <a:pPr marL="457200" lvl="0" indent="-311150" algn="l" rtl="0">
                 <a:lnSpc>
                   <a:spcPct val="115000"/>
                 </a:lnSpc>
@@ -9723,12 +9837,12 @@
             </a:ln>
           </p:spPr>
           <p:txBody>
-            <a:bodyPr anchorCtr="0" anchor="ctr" bIns="91425" lIns="91425" spcFirstLastPara="1" rIns="91425" wrap="square" tIns="91425">
+            <a:bodyPr spcFirstLastPara="1" wrap="square" lIns="91425" tIns="91425" rIns="91425" bIns="91425" anchor="ctr" anchorCtr="0">
               <a:noAutofit/>
             </a:bodyPr>
             <a:lstStyle/>
             <a:p>
-              <a:pPr indent="0" lvl="0" marL="0" rtl="0" algn="l">
+              <a:pPr marL="0" lvl="0" indent="0" algn="l" rtl="0">
                 <a:spcBef>
                   <a:spcPts val="0"/>
                 </a:spcBef>
@@ -9737,9 +9851,6 @@
                 </a:spcAft>
                 <a:buNone/>
               </a:pPr>
-              <a:r>
-                <a:t/>
-              </a:r>
               <a:endParaRPr/>
             </a:p>
           </p:txBody>
@@ -9761,23 +9872,23 @@
             <a:solidFill>
               <a:srgbClr val="FFFFFF"/>
             </a:solidFill>
-            <a:ln cap="flat" cmpd="sng" w="19050">
+            <a:ln w="19050" cap="flat" cmpd="sng">
               <a:solidFill>
                 <a:srgbClr val="414141"/>
               </a:solidFill>
               <a:prstDash val="solid"/>
               <a:round/>
-              <a:headEnd len="sm" w="sm" type="none"/>
-              <a:tailEnd len="sm" w="sm" type="none"/>
+              <a:headEnd type="none" w="sm" len="sm"/>
+              <a:tailEnd type="none" w="sm" len="sm"/>
             </a:ln>
           </p:spPr>
           <p:txBody>
-            <a:bodyPr anchorCtr="0" anchor="ctr" bIns="91425" lIns="91425" spcFirstLastPara="1" rIns="91425" wrap="square" tIns="91425">
+            <a:bodyPr spcFirstLastPara="1" wrap="square" lIns="91425" tIns="91425" rIns="91425" bIns="91425" anchor="ctr" anchorCtr="0">
               <a:noAutofit/>
             </a:bodyPr>
             <a:lstStyle/>
             <a:p>
-              <a:pPr indent="0" lvl="0" marL="0" rtl="0" algn="l">
+              <a:pPr marL="0" lvl="0" indent="0" algn="l" rtl="0">
                 <a:spcBef>
                   <a:spcPts val="0"/>
                 </a:spcBef>
@@ -9786,9 +9897,6 @@
                 </a:spcAft>
                 <a:buNone/>
               </a:pPr>
-              <a:r>
-                <a:t/>
-              </a:r>
               <a:endParaRPr/>
             </a:p>
           </p:txBody>
@@ -9813,12 +9921,12 @@
             </a:ln>
           </p:spPr>
           <p:txBody>
-            <a:bodyPr anchorCtr="0" anchor="t" bIns="91425" lIns="91425" spcFirstLastPara="1" rIns="91425" wrap="square" tIns="91425">
+            <a:bodyPr spcFirstLastPara="1" wrap="square" lIns="91425" tIns="91425" rIns="91425" bIns="91425" anchor="t" anchorCtr="0">
               <a:noAutofit/>
             </a:bodyPr>
             <a:lstStyle/>
             <a:p>
-              <a:pPr indent="0" lvl="0" marL="0" rtl="0" algn="l">
+              <a:pPr marL="0" lvl="0" indent="0" algn="l" rtl="0">
                 <a:lnSpc>
                   <a:spcPct val="115000"/>
                 </a:lnSpc>
@@ -9874,12 +9982,12 @@
             </a:ln>
           </p:spPr>
           <p:txBody>
-            <a:bodyPr anchorCtr="0" anchor="t" bIns="91425" lIns="91425" spcFirstLastPara="1" rIns="91425" wrap="square" tIns="91425">
+            <a:bodyPr spcFirstLastPara="1" wrap="square" lIns="91425" tIns="91425" rIns="91425" bIns="91425" anchor="t" anchorCtr="0">
               <a:noAutofit/>
             </a:bodyPr>
             <a:lstStyle/>
             <a:p>
-              <a:pPr indent="0" lvl="0" marL="0" rtl="0" algn="l">
+              <a:pPr marL="0" lvl="0" indent="0" algn="l" rtl="0">
                 <a:spcBef>
                   <a:spcPts val="0"/>
                 </a:spcBef>
@@ -9889,7 +9997,7 @@
                 <a:buNone/>
               </a:pPr>
               <a:r>
-                <a:rPr b="1" lang="en" sz="2400">
+                <a:rPr lang="en" sz="2400" b="1">
                   <a:solidFill>
                     <a:srgbClr val="414141"/>
                   </a:solidFill>
@@ -9900,7 +10008,7 @@
                 </a:rPr>
                 <a:t>Theoretical</a:t>
               </a:r>
-              <a:endParaRPr b="1" sz="4000">
+              <a:endParaRPr sz="4000" b="1">
                 <a:solidFill>
                   <a:srgbClr val="414141"/>
                 </a:solidFill>
@@ -9925,8 +10033,8 @@
             </a:xfrm>
             <a:prstGeom prst="rightArrow">
               <a:avLst>
-                <a:gd fmla="val 34239" name="adj1"/>
-                <a:gd fmla="val 57035" name="adj2"/>
+                <a:gd name="adj1" fmla="val 34239"/>
+                <a:gd name="adj2" fmla="val 57035"/>
               </a:avLst>
             </a:prstGeom>
             <a:solidFill>
@@ -9937,12 +10045,12 @@
             </a:ln>
           </p:spPr>
           <p:txBody>
-            <a:bodyPr anchorCtr="0" anchor="ctr" bIns="91425" lIns="91425" spcFirstLastPara="1" rIns="91425" wrap="square" tIns="91425">
+            <a:bodyPr spcFirstLastPara="1" wrap="square" lIns="91425" tIns="91425" rIns="91425" bIns="91425" anchor="ctr" anchorCtr="0">
               <a:noAutofit/>
             </a:bodyPr>
             <a:lstStyle/>
             <a:p>
-              <a:pPr indent="0" lvl="0" marL="0" rtl="0" algn="l">
+              <a:pPr marL="0" lvl="0" indent="0" algn="l" rtl="0">
                 <a:spcBef>
                   <a:spcPts val="0"/>
                 </a:spcBef>
@@ -9951,9 +10059,6 @@
                 </a:spcAft>
                 <a:buNone/>
               </a:pPr>
-              <a:r>
-                <a:t/>
-              </a:r>
               <a:endParaRPr/>
             </a:p>
           </p:txBody>
@@ -9978,12 +10083,12 @@
             </a:ln>
           </p:spPr>
           <p:txBody>
-            <a:bodyPr anchorCtr="0" anchor="t" bIns="91425" lIns="91425" spcFirstLastPara="1" rIns="91425" wrap="square" tIns="91425">
+            <a:bodyPr spcFirstLastPara="1" wrap="square" lIns="91425" tIns="91425" rIns="91425" bIns="91425" anchor="t" anchorCtr="0">
               <a:noAutofit/>
             </a:bodyPr>
             <a:lstStyle/>
             <a:p>
-              <a:pPr indent="0" lvl="0" marL="0" rtl="0" algn="l">
+              <a:pPr marL="0" lvl="0" indent="0" algn="l" rtl="0">
                 <a:lnSpc>
                   <a:spcPct val="115000"/>
                 </a:lnSpc>
@@ -10029,11 +10134,11 @@
 </file>
 
 <file path=ppt/slides/slide9.xml><?xml version="1.0" encoding="utf-8"?>
-<p:sld xmlns:a="http://schemas.openxmlformats.org/drawingml/2006/main" xmlns:r="http://schemas.openxmlformats.org/officeDocument/2006/relationships" xmlns:mc="http://schemas.openxmlformats.org/markup-compatibility/2006" xmlns:mv="urn:schemas-microsoft-com:mac:vml" xmlns:p="http://schemas.openxmlformats.org/presentationml/2006/main" xmlns:c="http://schemas.openxmlformats.org/drawingml/2006/chart" xmlns:dgm="http://schemas.openxmlformats.org/drawingml/2006/diagram" xmlns:o="urn:schemas-microsoft-com:office:office" xmlns:v="urn:schemas-microsoft-com:vml" xmlns:pvml="urn:schemas-microsoft-com:office:powerpoint" xmlns:com="http://schemas.openxmlformats.org/drawingml/2006/compatibility" xmlns:p14="http://schemas.microsoft.com/office/powerpoint/2010/main" xmlns:p15="http://schemas.microsoft.com/office/powerpoint/2012/main">
+<p:sld xmlns:a="http://schemas.openxmlformats.org/drawingml/2006/main" xmlns:r="http://schemas.openxmlformats.org/officeDocument/2006/relationships" xmlns:p="http://schemas.openxmlformats.org/presentationml/2006/main">
   <p:cSld>
     <p:spTree>
       <p:nvGrpSpPr>
-        <p:cNvPr id="132" name="Shape 132"/>
+        <p:cNvPr id="1" name="Shape 132"/>
         <p:cNvGrpSpPr/>
         <p:nvPr/>
       </p:nvGrpSpPr>
@@ -10048,9 +10153,11 @@
       <p:sp>
         <p:nvSpPr>
           <p:cNvPr id="133" name="Google Shape;133;p21"/>
-          <p:cNvSpPr txBox="1"/>
+          <p:cNvSpPr txBox="1">
+            <a:spLocks noGrp="1"/>
+          </p:cNvSpPr>
           <p:nvPr>
-            <p:ph idx="1" type="body"/>
+            <p:ph type="body" idx="1"/>
           </p:nvPr>
         </p:nvSpPr>
         <p:spPr>
@@ -10063,12 +10170,12 @@
           </a:prstGeom>
         </p:spPr>
         <p:txBody>
-          <a:bodyPr anchorCtr="0" anchor="t" bIns="91425" lIns="91425" spcFirstLastPara="1" rIns="91425" wrap="square" tIns="91425">
+          <a:bodyPr spcFirstLastPara="1" wrap="square" lIns="91425" tIns="91425" rIns="91425" bIns="91425" anchor="t" anchorCtr="0">
             <a:noAutofit/>
           </a:bodyPr>
           <a:lstStyle/>
           <a:p>
-            <a:pPr indent="-342900" lvl="0" marL="457200" rtl="0" algn="l">
+            <a:pPr marL="457200" lvl="0" indent="-342900" algn="l" rtl="0">
               <a:spcBef>
                 <a:spcPts val="0"/>
               </a:spcBef>
@@ -10088,7 +10195,7 @@
             <a:endParaRPr/>
           </a:p>
           <a:p>
-            <a:pPr indent="-342900" lvl="0" marL="457200" rtl="0" algn="l">
+            <a:pPr marL="457200" lvl="0" indent="-342900" algn="l" rtl="0">
               <a:spcBef>
                 <a:spcPts val="0"/>
               </a:spcBef>
@@ -10108,7 +10215,7 @@
             <a:endParaRPr/>
           </a:p>
           <a:p>
-            <a:pPr indent="-342900" lvl="0" marL="457200" rtl="0" algn="l">
+            <a:pPr marL="457200" lvl="0" indent="-342900" algn="l" rtl="0">
               <a:spcBef>
                 <a:spcPts val="0"/>
               </a:spcBef>
@@ -10129,7 +10236,9 @@
       <p:sp>
         <p:nvSpPr>
           <p:cNvPr id="134" name="Google Shape;134;p21"/>
-          <p:cNvSpPr txBox="1"/>
+          <p:cNvSpPr txBox="1">
+            <a:spLocks noGrp="1"/>
+          </p:cNvSpPr>
           <p:nvPr>
             <p:ph type="title"/>
           </p:nvPr>
@@ -10144,12 +10253,12 @@
           </a:prstGeom>
         </p:spPr>
         <p:txBody>
-          <a:bodyPr anchorCtr="0" anchor="t" bIns="91425" lIns="91425" spcFirstLastPara="1" rIns="91425" wrap="square" tIns="91425">
+          <a:bodyPr spcFirstLastPara="1" wrap="square" lIns="91425" tIns="91425" rIns="91425" bIns="91425" anchor="t" anchorCtr="0">
             <a:noAutofit/>
           </a:bodyPr>
           <a:lstStyle/>
           <a:p>
-            <a:pPr indent="0" lvl="0" marL="0" rtl="0" algn="l">
+            <a:pPr marL="0" lvl="0" indent="0" algn="l" rtl="0">
               <a:spcBef>
                 <a:spcPts val="0"/>
               </a:spcBef>
@@ -10175,7 +10284,288 @@
 </file>
 
 <file path=ppt/theme/theme1.xml><?xml version="1.0" encoding="utf-8"?>
-<a:theme xmlns:a="http://schemas.openxmlformats.org/drawingml/2006/main" xmlns:r="http://schemas.openxmlformats.org/officeDocument/2006/relationships">
+<a:theme xmlns:a="http://schemas.openxmlformats.org/drawingml/2006/main" name="Simple Dark">
+  <a:themeElements>
+    <a:clrScheme name="Simple Dark">
+      <a:dk1>
+        <a:srgbClr val="FFFFFF"/>
+      </a:dk1>
+      <a:lt1>
+        <a:srgbClr val="212121"/>
+      </a:lt1>
+      <a:dk2>
+        <a:srgbClr val="303030"/>
+      </a:dk2>
+      <a:lt2>
+        <a:srgbClr val="ADADAD"/>
+      </a:lt2>
+      <a:accent1>
+        <a:srgbClr val="009688"/>
+      </a:accent1>
+      <a:accent2>
+        <a:srgbClr val="EEEEEE"/>
+      </a:accent2>
+      <a:accent3>
+        <a:srgbClr val="78909C"/>
+      </a:accent3>
+      <a:accent4>
+        <a:srgbClr val="FFAB40"/>
+      </a:accent4>
+      <a:accent5>
+        <a:srgbClr val="4DD0E1"/>
+      </a:accent5>
+      <a:accent6>
+        <a:srgbClr val="EEFF41"/>
+      </a:accent6>
+      <a:hlink>
+        <a:srgbClr val="4DD0E1"/>
+      </a:hlink>
+      <a:folHlink>
+        <a:srgbClr val="4DD0E1"/>
+      </a:folHlink>
+    </a:clrScheme>
+    <a:fontScheme name="Office">
+      <a:majorFont>
+        <a:latin typeface="Arial"/>
+        <a:ea typeface=""/>
+        <a:cs typeface=""/>
+        <a:font script="Jpan" typeface="ＭＳ Ｐゴシック"/>
+        <a:font script="Hang" typeface="맑은 고딕"/>
+        <a:font script="Hans" typeface="宋体"/>
+        <a:font script="Hant" typeface="新細明體"/>
+        <a:font script="Arab" typeface="Times New Roman"/>
+        <a:font script="Hebr" typeface="Times New Roman"/>
+        <a:font script="Thai" typeface="Angsana New"/>
+        <a:font script="Ethi" typeface="Nyala"/>
+        <a:font script="Beng" typeface="Vrinda"/>
+        <a:font script="Gujr" typeface="Shruti"/>
+        <a:font script="Khmr" typeface="MoolBoran"/>
+        <a:font script="Knda" typeface="Tunga"/>
+        <a:font script="Guru" typeface="Raavi"/>
+        <a:font script="Cans" typeface="Euphemia"/>
+        <a:font script="Cher" typeface="Plantagenet Cherokee"/>
+        <a:font script="Yiii" typeface="Microsoft Yi Baiti"/>
+        <a:font script="Tibt" typeface="Microsoft Himalaya"/>
+        <a:font script="Thaa" typeface="MV Boli"/>
+        <a:font script="Deva" typeface="Mangal"/>
+        <a:font script="Telu" typeface="Gautami"/>
+        <a:font script="Taml" typeface="Latha"/>
+        <a:font script="Syrc" typeface="Estrangelo Edessa"/>
+        <a:font script="Orya" typeface="Kalinga"/>
+        <a:font script="Mlym" typeface="Kartika"/>
+        <a:font script="Laoo" typeface="DokChampa"/>
+        <a:font script="Sinh" typeface="Iskoola Pota"/>
+        <a:font script="Mong" typeface="Mongolian Baiti"/>
+        <a:font script="Viet" typeface="Times New Roman"/>
+        <a:font script="Uigh" typeface="Microsoft Uighur"/>
+        <a:font script="Geor" typeface="Sylfaen"/>
+      </a:majorFont>
+      <a:minorFont>
+        <a:latin typeface="Arial"/>
+        <a:ea typeface=""/>
+        <a:cs typeface=""/>
+        <a:font script="Jpan" typeface="ＭＳ Ｐゴシック"/>
+        <a:font script="Hang" typeface="맑은 고딕"/>
+        <a:font script="Hans" typeface="宋体"/>
+        <a:font script="Hant" typeface="新細明體"/>
+        <a:font script="Arab" typeface="Arial"/>
+        <a:font script="Hebr" typeface="Arial"/>
+        <a:font script="Thai" typeface="Cordia New"/>
+        <a:font script="Ethi" typeface="Nyala"/>
+        <a:font script="Beng" typeface="Vrinda"/>
+        <a:font script="Gujr" typeface="Shruti"/>
+        <a:font script="Khmr" typeface="DaunPenh"/>
+        <a:font script="Knda" typeface="Tunga"/>
+        <a:font script="Guru" typeface="Raavi"/>
+        <a:font script="Cans" typeface="Euphemia"/>
+        <a:font script="Cher" typeface="Plantagenet Cherokee"/>
+        <a:font script="Yiii" typeface="Microsoft Yi Baiti"/>
+        <a:font script="Tibt" typeface="Microsoft Himalaya"/>
+        <a:font script="Thaa" typeface="MV Boli"/>
+        <a:font script="Deva" typeface="Mangal"/>
+        <a:font script="Telu" typeface="Gautami"/>
+        <a:font script="Taml" typeface="Latha"/>
+        <a:font script="Syrc" typeface="Estrangelo Edessa"/>
+        <a:font script="Orya" typeface="Kalinga"/>
+        <a:font script="Mlym" typeface="Kartika"/>
+        <a:font script="Laoo" typeface="DokChampa"/>
+        <a:font script="Sinh" typeface="Iskoola Pota"/>
+        <a:font script="Mong" typeface="Mongolian Baiti"/>
+        <a:font script="Viet" typeface="Arial"/>
+        <a:font script="Uigh" typeface="Microsoft Uighur"/>
+        <a:font script="Geor" typeface="Sylfaen"/>
+      </a:minorFont>
+    </a:fontScheme>
+    <a:fmtScheme name="Office">
+      <a:fillStyleLst>
+        <a:solidFill>
+          <a:schemeClr val="phClr"/>
+        </a:solidFill>
+        <a:gradFill rotWithShape="1">
+          <a:gsLst>
+            <a:gs pos="0">
+              <a:schemeClr val="phClr">
+                <a:tint val="50000"/>
+                <a:satMod val="300000"/>
+              </a:schemeClr>
+            </a:gs>
+            <a:gs pos="35000">
+              <a:schemeClr val="phClr">
+                <a:tint val="37000"/>
+                <a:satMod val="300000"/>
+              </a:schemeClr>
+            </a:gs>
+            <a:gs pos="100000">
+              <a:schemeClr val="phClr">
+                <a:tint val="15000"/>
+                <a:satMod val="350000"/>
+              </a:schemeClr>
+            </a:gs>
+          </a:gsLst>
+          <a:lin ang="16200000" scaled="1"/>
+        </a:gradFill>
+        <a:gradFill rotWithShape="1">
+          <a:gsLst>
+            <a:gs pos="0">
+              <a:schemeClr val="phClr">
+                <a:tint val="100000"/>
+                <a:shade val="100000"/>
+                <a:satMod val="130000"/>
+              </a:schemeClr>
+            </a:gs>
+            <a:gs pos="100000">
+              <a:schemeClr val="phClr">
+                <a:tint val="50000"/>
+                <a:shade val="100000"/>
+                <a:satMod val="350000"/>
+              </a:schemeClr>
+            </a:gs>
+          </a:gsLst>
+          <a:lin ang="16200000" scaled="0"/>
+        </a:gradFill>
+      </a:fillStyleLst>
+      <a:lnStyleLst>
+        <a:ln w="9525" cap="flat" cmpd="sng" algn="ctr">
+          <a:solidFill>
+            <a:schemeClr val="phClr">
+              <a:shade val="95000"/>
+              <a:satMod val="105000"/>
+            </a:schemeClr>
+          </a:solidFill>
+          <a:prstDash val="solid"/>
+        </a:ln>
+        <a:ln w="25400" cap="flat" cmpd="sng" algn="ctr">
+          <a:solidFill>
+            <a:schemeClr val="phClr"/>
+          </a:solidFill>
+          <a:prstDash val="solid"/>
+        </a:ln>
+        <a:ln w="38100" cap="flat" cmpd="sng" algn="ctr">
+          <a:solidFill>
+            <a:schemeClr val="phClr"/>
+          </a:solidFill>
+          <a:prstDash val="solid"/>
+        </a:ln>
+      </a:lnStyleLst>
+      <a:effectStyleLst>
+        <a:effectStyle>
+          <a:effectLst>
+            <a:outerShdw blurRad="40000" dist="20000" dir="5400000" rotWithShape="0">
+              <a:srgbClr val="000000">
+                <a:alpha val="38000"/>
+              </a:srgbClr>
+            </a:outerShdw>
+          </a:effectLst>
+        </a:effectStyle>
+        <a:effectStyle>
+          <a:effectLst>
+            <a:outerShdw blurRad="40000" dist="23000" dir="5400000" rotWithShape="0">
+              <a:srgbClr val="000000">
+                <a:alpha val="35000"/>
+              </a:srgbClr>
+            </a:outerShdw>
+          </a:effectLst>
+        </a:effectStyle>
+        <a:effectStyle>
+          <a:effectLst>
+            <a:outerShdw blurRad="40000" dist="23000" dir="5400000" rotWithShape="0">
+              <a:srgbClr val="000000">
+                <a:alpha val="35000"/>
+              </a:srgbClr>
+            </a:outerShdw>
+          </a:effectLst>
+          <a:scene3d>
+            <a:camera prst="orthographicFront">
+              <a:rot lat="0" lon="0" rev="0"/>
+            </a:camera>
+            <a:lightRig rig="threePt" dir="t">
+              <a:rot lat="0" lon="0" rev="1200000"/>
+            </a:lightRig>
+          </a:scene3d>
+          <a:sp3d>
+            <a:bevelT w="63500" h="25400"/>
+          </a:sp3d>
+        </a:effectStyle>
+      </a:effectStyleLst>
+      <a:bgFillStyleLst>
+        <a:solidFill>
+          <a:schemeClr val="phClr"/>
+        </a:solidFill>
+        <a:gradFill rotWithShape="1">
+          <a:gsLst>
+            <a:gs pos="0">
+              <a:schemeClr val="phClr">
+                <a:tint val="40000"/>
+                <a:satMod val="350000"/>
+              </a:schemeClr>
+            </a:gs>
+            <a:gs pos="40000">
+              <a:schemeClr val="phClr">
+                <a:tint val="45000"/>
+                <a:shade val="99000"/>
+                <a:satMod val="350000"/>
+              </a:schemeClr>
+            </a:gs>
+            <a:gs pos="100000">
+              <a:schemeClr val="phClr">
+                <a:shade val="20000"/>
+                <a:satMod val="255000"/>
+              </a:schemeClr>
+            </a:gs>
+          </a:gsLst>
+          <a:path path="circle">
+            <a:fillToRect l="50000" t="-80000" r="50000" b="180000"/>
+          </a:path>
+        </a:gradFill>
+        <a:gradFill rotWithShape="1">
+          <a:gsLst>
+            <a:gs pos="0">
+              <a:schemeClr val="phClr">
+                <a:tint val="80000"/>
+                <a:satMod val="300000"/>
+              </a:schemeClr>
+            </a:gs>
+            <a:gs pos="100000">
+              <a:schemeClr val="phClr">
+                <a:shade val="30000"/>
+                <a:satMod val="200000"/>
+              </a:schemeClr>
+            </a:gs>
+          </a:gsLst>
+          <a:path path="circle">
+            <a:fillToRect l="50000" t="50000" r="50000" b="50000"/>
+          </a:path>
+        </a:gradFill>
+      </a:bgFillStyleLst>
+    </a:fmtScheme>
+  </a:themeElements>
+  <a:objectDefaults/>
+  <a:extraClrSchemeLst/>
+</a:theme>
+</file>
+
+<file path=ppt/theme/theme2.xml><?xml version="1.0" encoding="utf-8"?>
+<a:theme xmlns:a="http://schemas.openxmlformats.org/drawingml/2006/main">
   <a:themeElements>
     <a:clrScheme name="Default">
       <a:dk1>
@@ -10450,284 +10840,7 @@
       </a:bgFillStyleLst>
     </a:fmtScheme>
   </a:themeElements>
-</a:theme>
-</file>
-
-<file path=ppt/theme/theme2.xml><?xml version="1.0" encoding="utf-8"?>
-<a:theme xmlns:a="http://schemas.openxmlformats.org/drawingml/2006/main" xmlns:r="http://schemas.openxmlformats.org/officeDocument/2006/relationships" name="Simple Dark">
-  <a:themeElements>
-    <a:clrScheme name="Simple Dark">
-      <a:dk1>
-        <a:srgbClr val="FFFFFF"/>
-      </a:dk1>
-      <a:lt1>
-        <a:srgbClr val="212121"/>
-      </a:lt1>
-      <a:dk2>
-        <a:srgbClr val="303030"/>
-      </a:dk2>
-      <a:lt2>
-        <a:srgbClr val="ADADAD"/>
-      </a:lt2>
-      <a:accent1>
-        <a:srgbClr val="009688"/>
-      </a:accent1>
-      <a:accent2>
-        <a:srgbClr val="EEEEEE"/>
-      </a:accent2>
-      <a:accent3>
-        <a:srgbClr val="78909C"/>
-      </a:accent3>
-      <a:accent4>
-        <a:srgbClr val="FFAB40"/>
-      </a:accent4>
-      <a:accent5>
-        <a:srgbClr val="4DD0E1"/>
-      </a:accent5>
-      <a:accent6>
-        <a:srgbClr val="EEFF41"/>
-      </a:accent6>
-      <a:hlink>
-        <a:srgbClr val="4DD0E1"/>
-      </a:hlink>
-      <a:folHlink>
-        <a:srgbClr val="4DD0E1"/>
-      </a:folHlink>
-    </a:clrScheme>
-    <a:fontScheme name="Office">
-      <a:majorFont>
-        <a:latin typeface="Arial"/>
-        <a:ea typeface=""/>
-        <a:cs typeface=""/>
-        <a:font script="Jpan" typeface="ＭＳ Ｐゴシック"/>
-        <a:font script="Hang" typeface="맑은 고딕"/>
-        <a:font script="Hans" typeface="宋体"/>
-        <a:font script="Hant" typeface="新細明體"/>
-        <a:font script="Arab" typeface="Times New Roman"/>
-        <a:font script="Hebr" typeface="Times New Roman"/>
-        <a:font script="Thai" typeface="Angsana New"/>
-        <a:font script="Ethi" typeface="Nyala"/>
-        <a:font script="Beng" typeface="Vrinda"/>
-        <a:font script="Gujr" typeface="Shruti"/>
-        <a:font script="Khmr" typeface="MoolBoran"/>
-        <a:font script="Knda" typeface="Tunga"/>
-        <a:font script="Guru" typeface="Raavi"/>
-        <a:font script="Cans" typeface="Euphemia"/>
-        <a:font script="Cher" typeface="Plantagenet Cherokee"/>
-        <a:font script="Yiii" typeface="Microsoft Yi Baiti"/>
-        <a:font script="Tibt" typeface="Microsoft Himalaya"/>
-        <a:font script="Thaa" typeface="MV Boli"/>
-        <a:font script="Deva" typeface="Mangal"/>
-        <a:font script="Telu" typeface="Gautami"/>
-        <a:font script="Taml" typeface="Latha"/>
-        <a:font script="Syrc" typeface="Estrangelo Edessa"/>
-        <a:font script="Orya" typeface="Kalinga"/>
-        <a:font script="Mlym" typeface="Kartika"/>
-        <a:font script="Laoo" typeface="DokChampa"/>
-        <a:font script="Sinh" typeface="Iskoola Pota"/>
-        <a:font script="Mong" typeface="Mongolian Baiti"/>
-        <a:font script="Viet" typeface="Times New Roman"/>
-        <a:font script="Uigh" typeface="Microsoft Uighur"/>
-        <a:font script="Geor" typeface="Sylfaen"/>
-      </a:majorFont>
-      <a:minorFont>
-        <a:latin typeface="Arial"/>
-        <a:ea typeface=""/>
-        <a:cs typeface=""/>
-        <a:font script="Jpan" typeface="ＭＳ Ｐゴシック"/>
-        <a:font script="Hang" typeface="맑은 고딕"/>
-        <a:font script="Hans" typeface="宋体"/>
-        <a:font script="Hant" typeface="新細明體"/>
-        <a:font script="Arab" typeface="Arial"/>
-        <a:font script="Hebr" typeface="Arial"/>
-        <a:font script="Thai" typeface="Cordia New"/>
-        <a:font script="Ethi" typeface="Nyala"/>
-        <a:font script="Beng" typeface="Vrinda"/>
-        <a:font script="Gujr" typeface="Shruti"/>
-        <a:font script="Khmr" typeface="DaunPenh"/>
-        <a:font script="Knda" typeface="Tunga"/>
-        <a:font script="Guru" typeface="Raavi"/>
-        <a:font script="Cans" typeface="Euphemia"/>
-        <a:font script="Cher" typeface="Plantagenet Cherokee"/>
-        <a:font script="Yiii" typeface="Microsoft Yi Baiti"/>
-        <a:font script="Tibt" typeface="Microsoft Himalaya"/>
-        <a:font script="Thaa" typeface="MV Boli"/>
-        <a:font script="Deva" typeface="Mangal"/>
-        <a:font script="Telu" typeface="Gautami"/>
-        <a:font script="Taml" typeface="Latha"/>
-        <a:font script="Syrc" typeface="Estrangelo Edessa"/>
-        <a:font script="Orya" typeface="Kalinga"/>
-        <a:font script="Mlym" typeface="Kartika"/>
-        <a:font script="Laoo" typeface="DokChampa"/>
-        <a:font script="Sinh" typeface="Iskoola Pota"/>
-        <a:font script="Mong" typeface="Mongolian Baiti"/>
-        <a:font script="Viet" typeface="Arial"/>
-        <a:font script="Uigh" typeface="Microsoft Uighur"/>
-        <a:font script="Geor" typeface="Sylfaen"/>
-      </a:minorFont>
-    </a:fontScheme>
-    <a:fmtScheme name="Office">
-      <a:fillStyleLst>
-        <a:solidFill>
-          <a:schemeClr val="phClr"/>
-        </a:solidFill>
-        <a:gradFill rotWithShape="1">
-          <a:gsLst>
-            <a:gs pos="0">
-              <a:schemeClr val="phClr">
-                <a:tint val="50000"/>
-                <a:satMod val="300000"/>
-              </a:schemeClr>
-            </a:gs>
-            <a:gs pos="35000">
-              <a:schemeClr val="phClr">
-                <a:tint val="37000"/>
-                <a:satMod val="300000"/>
-              </a:schemeClr>
-            </a:gs>
-            <a:gs pos="100000">
-              <a:schemeClr val="phClr">
-                <a:tint val="15000"/>
-                <a:satMod val="350000"/>
-              </a:schemeClr>
-            </a:gs>
-          </a:gsLst>
-          <a:lin ang="16200000" scaled="1"/>
-        </a:gradFill>
-        <a:gradFill rotWithShape="1">
-          <a:gsLst>
-            <a:gs pos="0">
-              <a:schemeClr val="phClr">
-                <a:tint val="100000"/>
-                <a:shade val="100000"/>
-                <a:satMod val="130000"/>
-              </a:schemeClr>
-            </a:gs>
-            <a:gs pos="100000">
-              <a:schemeClr val="phClr">
-                <a:tint val="50000"/>
-                <a:shade val="100000"/>
-                <a:satMod val="350000"/>
-              </a:schemeClr>
-            </a:gs>
-          </a:gsLst>
-          <a:lin ang="16200000" scaled="0"/>
-        </a:gradFill>
-      </a:fillStyleLst>
-      <a:lnStyleLst>
-        <a:ln w="9525" cap="flat" cmpd="sng" algn="ctr">
-          <a:solidFill>
-            <a:schemeClr val="phClr">
-              <a:shade val="95000"/>
-              <a:satMod val="105000"/>
-            </a:schemeClr>
-          </a:solidFill>
-          <a:prstDash val="solid"/>
-        </a:ln>
-        <a:ln w="25400" cap="flat" cmpd="sng" algn="ctr">
-          <a:solidFill>
-            <a:schemeClr val="phClr"/>
-          </a:solidFill>
-          <a:prstDash val="solid"/>
-        </a:ln>
-        <a:ln w="38100" cap="flat" cmpd="sng" algn="ctr">
-          <a:solidFill>
-            <a:schemeClr val="phClr"/>
-          </a:solidFill>
-          <a:prstDash val="solid"/>
-        </a:ln>
-      </a:lnStyleLst>
-      <a:effectStyleLst>
-        <a:effectStyle>
-          <a:effectLst>
-            <a:outerShdw blurRad="40000" dist="20000" dir="5400000" rotWithShape="0">
-              <a:srgbClr val="000000">
-                <a:alpha val="38000"/>
-              </a:srgbClr>
-            </a:outerShdw>
-          </a:effectLst>
-        </a:effectStyle>
-        <a:effectStyle>
-          <a:effectLst>
-            <a:outerShdw blurRad="40000" dist="23000" dir="5400000" rotWithShape="0">
-              <a:srgbClr val="000000">
-                <a:alpha val="35000"/>
-              </a:srgbClr>
-            </a:outerShdw>
-          </a:effectLst>
-        </a:effectStyle>
-        <a:effectStyle>
-          <a:effectLst>
-            <a:outerShdw blurRad="40000" dist="23000" dir="5400000" rotWithShape="0">
-              <a:srgbClr val="000000">
-                <a:alpha val="35000"/>
-              </a:srgbClr>
-            </a:outerShdw>
-          </a:effectLst>
-          <a:scene3d>
-            <a:camera prst="orthographicFront">
-              <a:rot lat="0" lon="0" rev="0"/>
-            </a:camera>
-            <a:lightRig rig="threePt" dir="t">
-              <a:rot lat="0" lon="0" rev="1200000"/>
-            </a:lightRig>
-          </a:scene3d>
-          <a:sp3d>
-            <a:bevelT w="63500" h="25400"/>
-          </a:sp3d>
-        </a:effectStyle>
-      </a:effectStyleLst>
-      <a:bgFillStyleLst>
-        <a:solidFill>
-          <a:schemeClr val="phClr"/>
-        </a:solidFill>
-        <a:gradFill rotWithShape="1">
-          <a:gsLst>
-            <a:gs pos="0">
-              <a:schemeClr val="phClr">
-                <a:tint val="40000"/>
-                <a:satMod val="350000"/>
-              </a:schemeClr>
-            </a:gs>
-            <a:gs pos="40000">
-              <a:schemeClr val="phClr">
-                <a:tint val="45000"/>
-                <a:shade val="99000"/>
-                <a:satMod val="350000"/>
-              </a:schemeClr>
-            </a:gs>
-            <a:gs pos="100000">
-              <a:schemeClr val="phClr">
-                <a:shade val="20000"/>
-                <a:satMod val="255000"/>
-              </a:schemeClr>
-            </a:gs>
-          </a:gsLst>
-          <a:path path="circle">
-            <a:fillToRect l="50000" t="-80000" r="50000" b="180000"/>
-          </a:path>
-        </a:gradFill>
-        <a:gradFill rotWithShape="1">
-          <a:gsLst>
-            <a:gs pos="0">
-              <a:schemeClr val="phClr">
-                <a:tint val="80000"/>
-                <a:satMod val="300000"/>
-              </a:schemeClr>
-            </a:gs>
-            <a:gs pos="100000">
-              <a:schemeClr val="phClr">
-                <a:shade val="30000"/>
-                <a:satMod val="200000"/>
-              </a:schemeClr>
-            </a:gs>
-          </a:gsLst>
-          <a:path path="circle">
-            <a:fillToRect l="50000" t="50000" r="50000" b="50000"/>
-          </a:path>
-        </a:gradFill>
-      </a:bgFillStyleLst>
-    </a:fmtScheme>
-  </a:themeElements>
+  <a:objectDefaults/>
+  <a:extraClrSchemeLst/>
 </a:theme>
 </file>